--- a/Presentation INF442.pptx
+++ b/Presentation INF442.pptx
@@ -13370,8 +13370,8 @@
           </a:p>
         </p:txBody>
       </p:sp>
-      <mc:AlternateContent xmlns:mc="http://schemas.openxmlformats.org/markup-compatibility/2006">
-        <mc:Choice xmlns:a14="http://schemas.microsoft.com/office/drawing/2010/main" Requires="a14">
+      <mc:AlternateContent xmlns:mc="http://schemas.openxmlformats.org/markup-compatibility/2006" xmlns:a14="http://schemas.microsoft.com/office/drawing/2010/main">
+        <mc:Choice Requires="a14">
           <p:sp>
             <p:nvSpPr>
               <p:cNvPr id="3" name="Espace réservé du contenu 2">
@@ -13845,7 +13845,7 @@
             </p:txBody>
           </p:sp>
         </mc:Choice>
-        <mc:Fallback>
+        <mc:Fallback xmlns="">
           <p:sp>
             <p:nvSpPr>
               <p:cNvPr id="3" name="Espace réservé du contenu 2">
@@ -17548,10 +17548,10 @@
       </p:grpSpPr>
       <p:sp useBgFill="1">
         <p:nvSpPr>
-          <p:cNvPr id="9" name="Rectangle 8">
+          <p:cNvPr id="14" name="Rectangle 13">
             <a:extLst>
               <a:ext uri="{FF2B5EF4-FFF2-40B4-BE49-F238E27FC236}">
-                <a16:creationId xmlns:a16="http://schemas.microsoft.com/office/drawing/2014/main" id="{79BB35BC-D5C2-4C8B-A22A-A71E6191913B}"/>
+                <a16:creationId xmlns:a16="http://schemas.microsoft.com/office/drawing/2014/main" id="{201CC55D-ED54-4C5C-95E6-10947BD1103B}"/>
               </a:ext>
               <a:ext uri="{C183D7F6-B498-43B3-948B-1728B52AA6E4}">
                 <adec:decorative xmlns:adec="http://schemas.microsoft.com/office/drawing/2017/decorative" val="1"/>
@@ -17572,7 +17572,7 @@
         <p:spPr>
           <a:xfrm>
             <a:off x="0" y="0"/>
-            <a:ext cx="12188952" cy="6858000"/>
+            <a:ext cx="12191999" cy="6857365"/>
           </a:xfrm>
           <a:prstGeom prst="rect">
             <a:avLst/>
@@ -17624,413 +17624,240 @@
         </p:nvSpPr>
         <p:spPr>
           <a:xfrm>
-            <a:off x="6513788" y="365125"/>
-            <a:ext cx="4840010" cy="1807305"/>
+            <a:off x="589560" y="856180"/>
+            <a:ext cx="4560584" cy="1128068"/>
           </a:xfrm>
         </p:spPr>
         <p:txBody>
-          <a:bodyPr>
+          <a:bodyPr anchor="ctr">
             <a:normAutofit/>
           </a:bodyPr>
           <a:lstStyle/>
           <a:p>
             <a:r>
-              <a:rPr lang="fr-FR" err="1"/>
-              <a:t>Linear</a:t>
+              <a:rPr lang="fr-FR" sz="3700"/>
+              <a:t>Linear Regression in C++</a:t>
             </a:r>
-            <a:r>
-              <a:rPr lang="fr-FR"/>
-              <a:t> </a:t>
-            </a:r>
-            <a:r>
-              <a:rPr lang="fr-FR" err="1"/>
-              <a:t>Regression</a:t>
-            </a:r>
-            <a:r>
-              <a:rPr lang="fr-FR"/>
-              <a:t> in C++</a:t>
-            </a:r>
-            <a:endParaRPr lang="fr-FR" dirty="0"/>
           </a:p>
         </p:txBody>
       </p:sp>
-      <p:pic>
-        <p:nvPicPr>
-          <p:cNvPr id="5" name="Picture 4" descr="Close-up of a calculator keypad">
+      <p:grpSp>
+        <p:nvGrpSpPr>
+          <p:cNvPr id="16" name="Group 15">
             <a:extLst>
               <a:ext uri="{FF2B5EF4-FFF2-40B4-BE49-F238E27FC236}">
-                <a16:creationId xmlns:a16="http://schemas.microsoft.com/office/drawing/2014/main" id="{2F3FBB60-F0B6-41B5-A824-671D05B86DD4}"/>
+                <a16:creationId xmlns:a16="http://schemas.microsoft.com/office/drawing/2014/main" id="{1DE889C7-FAD6-4397-98E2-05D503484459}"/>
+              </a:ext>
+              <a:ext uri="{C183D7F6-B498-43B3-948B-1728B52AA6E4}">
+                <adec:decorative xmlns:adec="http://schemas.microsoft.com/office/drawing/2017/decorative" val="1"/>
               </a:ext>
             </a:extLst>
           </p:cNvPr>
-          <p:cNvPicPr>
-            <a:picLocks noChangeAspect="1"/>
-          </p:cNvPicPr>
-          <p:nvPr/>
-        </p:nvPicPr>
-        <p:blipFill rotWithShape="1">
-          <a:blip r:embed="rId2"/>
-          <a:srcRect l="17139" r="23773" b="-1"/>
-          <a:stretch/>
-        </p:blipFill>
+          <p:cNvGrpSpPr>
+            <a:grpSpLocks noGrp="1" noUngrp="1" noRot="1" noChangeAspect="1" noMove="1" noResize="1"/>
+          </p:cNvGrpSpPr>
+          <p:nvPr>
+            <p:extLst>
+              <p:ext uri="{386F3935-93C4-4BCD-93E2-E3B085C9AB24}">
+                <p16:designElem xmlns:p16="http://schemas.microsoft.com/office/powerpoint/2015/main" val="1"/>
+              </p:ext>
+            </p:extLst>
+          </p:nvPr>
+        </p:nvGrpSpPr>
+        <p:grpSpPr>
+          <a:xfrm>
+            <a:off x="0" y="1083484"/>
+            <a:ext cx="355196" cy="673460"/>
+            <a:chOff x="0" y="823811"/>
+            <a:chExt cx="355196" cy="673460"/>
+          </a:xfrm>
+        </p:grpSpPr>
+        <p:sp>
+          <p:nvSpPr>
+            <p:cNvPr id="17" name="Rectangle 16">
+              <a:extLst>
+                <a:ext uri="{FF2B5EF4-FFF2-40B4-BE49-F238E27FC236}">
+                  <a16:creationId xmlns:a16="http://schemas.microsoft.com/office/drawing/2014/main" id="{F399A70F-F8CD-4992-9EF5-6CF15472E73F}"/>
+                </a:ext>
+                <a:ext uri="{C183D7F6-B498-43B3-948B-1728B52AA6E4}">
+                  <adec:decorative xmlns:adec="http://schemas.microsoft.com/office/drawing/2017/decorative" val="1"/>
+                </a:ext>
+              </a:extLst>
+            </p:cNvPr>
+            <p:cNvSpPr/>
+            <p:nvPr>
+              <p:extLst>
+                <p:ext uri="{386F3935-93C4-4BCD-93E2-E3B085C9AB24}">
+                  <p16:designElem xmlns:p16="http://schemas.microsoft.com/office/powerpoint/2015/main" val="1"/>
+                </p:ext>
+              </p:extLst>
+            </p:nvPr>
+          </p:nvSpPr>
+          <p:spPr>
+            <a:xfrm>
+              <a:off x="0" y="823811"/>
+              <a:ext cx="87363" cy="673460"/>
+            </a:xfrm>
+            <a:prstGeom prst="rect">
+              <a:avLst/>
+            </a:prstGeom>
+            <a:solidFill>
+              <a:schemeClr val="accent4"/>
+            </a:solidFill>
+            <a:ln>
+              <a:noFill/>
+            </a:ln>
+          </p:spPr>
+          <p:style>
+            <a:lnRef idx="2">
+              <a:schemeClr val="accent1">
+                <a:shade val="50000"/>
+              </a:schemeClr>
+            </a:lnRef>
+            <a:fillRef idx="1">
+              <a:schemeClr val="accent1"/>
+            </a:fillRef>
+            <a:effectRef idx="0">
+              <a:schemeClr val="accent1"/>
+            </a:effectRef>
+            <a:fontRef idx="minor">
+              <a:schemeClr val="lt1"/>
+            </a:fontRef>
+          </p:style>
+          <p:txBody>
+            <a:bodyPr rtlCol="0" anchor="ctr"/>
+            <a:lstStyle/>
+            <a:p>
+              <a:pPr algn="ctr"/>
+              <a:endParaRPr lang="en-US"/>
+            </a:p>
+          </p:txBody>
+        </p:sp>
+        <p:sp>
+          <p:nvSpPr>
+            <p:cNvPr id="18" name="Rectangle 17">
+              <a:extLst>
+                <a:ext uri="{FF2B5EF4-FFF2-40B4-BE49-F238E27FC236}">
+                  <a16:creationId xmlns:a16="http://schemas.microsoft.com/office/drawing/2014/main" id="{48F4FEDC-6D80-458C-A665-075D9B9500FD}"/>
+                </a:ext>
+                <a:ext uri="{C183D7F6-B498-43B3-948B-1728B52AA6E4}">
+                  <adec:decorative xmlns:adec="http://schemas.microsoft.com/office/drawing/2017/decorative" val="1"/>
+                </a:ext>
+              </a:extLst>
+            </p:cNvPr>
+            <p:cNvSpPr/>
+            <p:nvPr>
+              <p:extLst>
+                <p:ext uri="{386F3935-93C4-4BCD-93E2-E3B085C9AB24}">
+                  <p16:designElem xmlns:p16="http://schemas.microsoft.com/office/powerpoint/2015/main" val="1"/>
+                </p:ext>
+              </p:extLst>
+            </p:nvPr>
+          </p:nvSpPr>
+          <p:spPr>
+            <a:xfrm>
+              <a:off x="159341" y="823811"/>
+              <a:ext cx="195855" cy="673460"/>
+            </a:xfrm>
+            <a:prstGeom prst="rect">
+              <a:avLst/>
+            </a:prstGeom>
+            <a:solidFill>
+              <a:schemeClr val="accent4"/>
+            </a:solidFill>
+            <a:ln>
+              <a:noFill/>
+            </a:ln>
+          </p:spPr>
+          <p:style>
+            <a:lnRef idx="2">
+              <a:schemeClr val="accent1">
+                <a:shade val="50000"/>
+              </a:schemeClr>
+            </a:lnRef>
+            <a:fillRef idx="1">
+              <a:schemeClr val="accent1"/>
+            </a:fillRef>
+            <a:effectRef idx="0">
+              <a:schemeClr val="accent1"/>
+            </a:effectRef>
+            <a:fontRef idx="minor">
+              <a:schemeClr val="lt1"/>
+            </a:fontRef>
+          </p:style>
+          <p:txBody>
+            <a:bodyPr rtlCol="0" anchor="ctr"/>
+            <a:lstStyle/>
+            <a:p>
+              <a:pPr algn="ctr"/>
+              <a:endParaRPr lang="en-US"/>
+            </a:p>
+          </p:txBody>
+        </p:sp>
+      </p:grpSp>
+      <p:sp>
+        <p:nvSpPr>
+          <p:cNvPr id="20" name="Rectangle 19">
+            <a:extLst>
+              <a:ext uri="{FF2B5EF4-FFF2-40B4-BE49-F238E27FC236}">
+                <a16:creationId xmlns:a16="http://schemas.microsoft.com/office/drawing/2014/main" id="{3873B707-463F-40B0-8227-E8CC6C67EB25}"/>
+              </a:ext>
+              <a:ext uri="{C183D7F6-B498-43B3-948B-1728B52AA6E4}">
+                <adec:decorative xmlns:adec="http://schemas.microsoft.com/office/drawing/2017/decorative" val="1"/>
+              </a:ext>
+            </a:extLst>
+          </p:cNvPr>
+          <p:cNvSpPr>
+            <a:spLocks noGrp="1" noRot="1" noChangeAspect="1" noMove="1" noResize="1" noEditPoints="1" noAdjustHandles="1" noChangeArrowheads="1" noChangeShapeType="1" noTextEdit="1"/>
+          </p:cNvSpPr>
+          <p:nvPr>
+            <p:extLst>
+              <p:ext uri="{386F3935-93C4-4BCD-93E2-E3B085C9AB24}">
+                <p16:designElem xmlns:p16="http://schemas.microsoft.com/office/powerpoint/2015/main" val="1"/>
+              </p:ext>
+            </p:extLst>
+          </p:nvPr>
+        </p:nvSpPr>
         <p:spPr>
-          <a:xfrm>
-            <a:off x="20" y="10"/>
-            <a:ext cx="6116549" cy="6857990"/>
+          <a:xfrm flipH="1">
+            <a:off x="665085" y="2090569"/>
+            <a:ext cx="4297680" cy="27432"/>
           </a:xfrm>
-          <a:custGeom>
+          <a:prstGeom prst="rect">
             <a:avLst/>
-            <a:gdLst/>
-            <a:ahLst/>
-            <a:cxnLst/>
-            <a:rect l="l" t="t" r="r" b="b"/>
-            <a:pathLst>
-              <a:path w="6116569" h="6879321">
-                <a:moveTo>
-                  <a:pt x="0" y="0"/>
-                </a:moveTo>
-                <a:lnTo>
-                  <a:pt x="2935851" y="0"/>
-                </a:lnTo>
-                <a:cubicBezTo>
-                  <a:pt x="3035710" y="10660"/>
-                  <a:pt x="3138421" y="17767"/>
-                  <a:pt x="3238280" y="31980"/>
-                </a:cubicBezTo>
-                <a:cubicBezTo>
-                  <a:pt x="3817462" y="106602"/>
-                  <a:pt x="3127009" y="277163"/>
-                  <a:pt x="3660541" y="550772"/>
-                </a:cubicBezTo>
-                <a:cubicBezTo>
-                  <a:pt x="3706191" y="575645"/>
-                  <a:pt x="3757546" y="579199"/>
-                  <a:pt x="3808902" y="589860"/>
-                </a:cubicBezTo>
-                <a:cubicBezTo>
-                  <a:pt x="4008620" y="625393"/>
-                  <a:pt x="4211192" y="618286"/>
-                  <a:pt x="4413762" y="625393"/>
-                </a:cubicBezTo>
-                <a:cubicBezTo>
-                  <a:pt x="4465118" y="628946"/>
-                  <a:pt x="4525033" y="625393"/>
-                  <a:pt x="4567830" y="721333"/>
-                </a:cubicBezTo>
-                <a:cubicBezTo>
-                  <a:pt x="4425175" y="724888"/>
-                  <a:pt x="4305344" y="731994"/>
-                  <a:pt x="4171247" y="792401"/>
-                </a:cubicBezTo>
-                <a:cubicBezTo>
-                  <a:pt x="4239722" y="859916"/>
-                  <a:pt x="4322462" y="795955"/>
-                  <a:pt x="4376671" y="842148"/>
-                </a:cubicBezTo>
-                <a:cubicBezTo>
-                  <a:pt x="4428027" y="888342"/>
-                  <a:pt x="4470824" y="891896"/>
-                  <a:pt x="4527887" y="813722"/>
-                </a:cubicBezTo>
-                <a:cubicBezTo>
-                  <a:pt x="4556417" y="774634"/>
-                  <a:pt x="4604920" y="778187"/>
-                  <a:pt x="4633452" y="799508"/>
-                </a:cubicBezTo>
-                <a:cubicBezTo>
-                  <a:pt x="4781813" y="913216"/>
-                  <a:pt x="4778960" y="909662"/>
-                  <a:pt x="4947293" y="870576"/>
-                </a:cubicBezTo>
-                <a:cubicBezTo>
-                  <a:pt x="5055712" y="845701"/>
-                  <a:pt x="5166983" y="806615"/>
-                  <a:pt x="5263988" y="820828"/>
-                </a:cubicBezTo>
-                <a:cubicBezTo>
-                  <a:pt x="5275401" y="867022"/>
-                  <a:pt x="5263988" y="888342"/>
-                  <a:pt x="5249723" y="895449"/>
-                </a:cubicBezTo>
-                <a:cubicBezTo>
-                  <a:pt x="5021475" y="1005604"/>
-                  <a:pt x="4975825" y="1122864"/>
-                  <a:pt x="4744723" y="1197485"/>
-                </a:cubicBezTo>
-                <a:cubicBezTo>
-                  <a:pt x="4724751" y="1268552"/>
-                  <a:pt x="4807491" y="1275660"/>
-                  <a:pt x="4767548" y="1346727"/>
-                </a:cubicBezTo>
-                <a:cubicBezTo>
-                  <a:pt x="4693367" y="1407134"/>
-                  <a:pt x="4610627" y="1346727"/>
-                  <a:pt x="4539299" y="1421348"/>
-                </a:cubicBezTo>
-                <a:cubicBezTo>
-                  <a:pt x="4550712" y="1471094"/>
-                  <a:pt x="4610627" y="1432008"/>
-                  <a:pt x="4607773" y="1485309"/>
-                </a:cubicBezTo>
-                <a:cubicBezTo>
-                  <a:pt x="4604920" y="1517288"/>
-                  <a:pt x="4593508" y="1527948"/>
-                  <a:pt x="4579242" y="1535055"/>
-                </a:cubicBezTo>
-                <a:cubicBezTo>
-                  <a:pt x="4776107" y="1538608"/>
-                  <a:pt x="5383820" y="1574142"/>
-                  <a:pt x="5278255" y="1609676"/>
-                </a:cubicBezTo>
-                <a:cubicBezTo>
-                  <a:pt x="5418057" y="1698511"/>
-                  <a:pt x="5623481" y="1609676"/>
-                  <a:pt x="5771843" y="1630997"/>
-                </a:cubicBezTo>
-                <a:cubicBezTo>
-                  <a:pt x="5925911" y="1652316"/>
-                  <a:pt x="6171278" y="1719830"/>
-                  <a:pt x="6105656" y="1748257"/>
-                </a:cubicBezTo>
-                <a:cubicBezTo>
-                  <a:pt x="6031475" y="1780238"/>
-                  <a:pt x="5766136" y="2146235"/>
-                  <a:pt x="5691955" y="2167555"/>
-                </a:cubicBezTo>
-                <a:cubicBezTo>
-                  <a:pt x="5606362" y="2188875"/>
-                  <a:pt x="5589243" y="2217302"/>
-                  <a:pt x="5475118" y="2348776"/>
-                </a:cubicBezTo>
-                <a:cubicBezTo>
-                  <a:pt x="5398085" y="2437610"/>
-                  <a:pt x="5709074" y="2238623"/>
-                  <a:pt x="5826051" y="2291922"/>
-                </a:cubicBezTo>
-                <a:cubicBezTo>
-                  <a:pt x="5868848" y="2309690"/>
-                  <a:pt x="5552153" y="2554872"/>
-                  <a:pt x="5552153" y="2597513"/>
-                </a:cubicBezTo>
-                <a:cubicBezTo>
-                  <a:pt x="5549300" y="2640153"/>
-                  <a:pt x="5577831" y="2647260"/>
-                  <a:pt x="5603508" y="2647260"/>
-                </a:cubicBezTo>
-                <a:cubicBezTo>
-                  <a:pt x="5660571" y="2647260"/>
-                  <a:pt x="5640599" y="2686346"/>
-                  <a:pt x="5700515" y="2679240"/>
-                </a:cubicBezTo>
-                <a:cubicBezTo>
-                  <a:pt x="5523622" y="2800055"/>
-                  <a:pt x="5418057" y="2778734"/>
-                  <a:pt x="5246870" y="2888889"/>
-                </a:cubicBezTo>
-                <a:cubicBezTo>
-                  <a:pt x="5164130" y="2942189"/>
-                  <a:pt x="4921615" y="3119857"/>
-                  <a:pt x="4836022" y="3169605"/>
-                </a:cubicBezTo>
-                <a:cubicBezTo>
-                  <a:pt x="4801785" y="3187371"/>
-                  <a:pt x="4758988" y="3173158"/>
-                  <a:pt x="4736163" y="3233565"/>
-                </a:cubicBezTo>
-                <a:cubicBezTo>
-                  <a:pt x="4770400" y="3279759"/>
-                  <a:pt x="4816050" y="3254885"/>
-                  <a:pt x="4853141" y="3233565"/>
-                </a:cubicBezTo>
-                <a:cubicBezTo>
-                  <a:pt x="4944440" y="3176711"/>
-                  <a:pt x="4935881" y="3190925"/>
-                  <a:pt x="4944440" y="3226459"/>
-                </a:cubicBezTo>
-                <a:cubicBezTo>
-                  <a:pt x="4972972" y="3350827"/>
-                  <a:pt x="5044300" y="3308186"/>
-                  <a:pt x="5109921" y="3283313"/>
-                </a:cubicBezTo>
-                <a:cubicBezTo>
-                  <a:pt x="5303932" y="3208692"/>
-                  <a:pt x="5500797" y="3215799"/>
-                  <a:pt x="5694809" y="3141178"/>
-                </a:cubicBezTo>
-                <a:cubicBezTo>
-                  <a:pt x="5714781" y="3134070"/>
-                  <a:pt x="5612068" y="3283313"/>
-                  <a:pt x="5566419" y="3301079"/>
-                </a:cubicBezTo>
-                <a:cubicBezTo>
-                  <a:pt x="5515063" y="3322399"/>
-                  <a:pt x="5452294" y="3311739"/>
-                  <a:pt x="5415203" y="3397020"/>
-                </a:cubicBezTo>
-                <a:cubicBezTo>
-                  <a:pt x="5477972" y="3414787"/>
-                  <a:pt x="5552153" y="3372147"/>
-                  <a:pt x="5612068" y="3432554"/>
-                </a:cubicBezTo>
-                <a:cubicBezTo>
-                  <a:pt x="5469413" y="3528494"/>
-                  <a:pt x="5329610" y="3535601"/>
-                  <a:pt x="5206927" y="3599562"/>
-                </a:cubicBezTo>
-                <a:cubicBezTo>
-                  <a:pt x="5192661" y="3706163"/>
-                  <a:pt x="5272548" y="3663523"/>
-                  <a:pt x="5301079" y="3723930"/>
-                </a:cubicBezTo>
-                <a:cubicBezTo>
-                  <a:pt x="5072830" y="3844745"/>
-                  <a:pt x="4564977" y="4232062"/>
-                  <a:pt x="4507915" y="4306683"/>
-                </a:cubicBezTo>
-                <a:cubicBezTo>
-                  <a:pt x="4390937" y="4463031"/>
-                  <a:pt x="3900202" y="4562525"/>
-                  <a:pt x="3982942" y="4587399"/>
-                </a:cubicBezTo>
-                <a:cubicBezTo>
-                  <a:pt x="4051417" y="4608719"/>
-                  <a:pt x="4119891" y="4587399"/>
-                  <a:pt x="4185513" y="4541205"/>
-                </a:cubicBezTo>
-                <a:cubicBezTo>
-                  <a:pt x="4291078" y="4466584"/>
-                  <a:pt x="5010062" y="4523438"/>
-                  <a:pt x="5212633" y="4455924"/>
-                </a:cubicBezTo>
-                <a:cubicBezTo>
-                  <a:pt x="5241164" y="4445264"/>
-                  <a:pt x="5283960" y="4409730"/>
-                  <a:pt x="5312492" y="4473691"/>
-                </a:cubicBezTo>
-                <a:cubicBezTo>
-                  <a:pt x="5098508" y="4704659"/>
-                  <a:pt x="4833169" y="4654913"/>
-                  <a:pt x="4596361" y="4818368"/>
-                </a:cubicBezTo>
-                <a:cubicBezTo>
-                  <a:pt x="4684807" y="4917861"/>
-                  <a:pt x="4776107" y="4907202"/>
-                  <a:pt x="4873113" y="4885882"/>
-                </a:cubicBezTo>
-                <a:cubicBezTo>
-                  <a:pt x="4895938" y="4878775"/>
-                  <a:pt x="4930175" y="4871668"/>
-                  <a:pt x="4935881" y="4914309"/>
-                </a:cubicBezTo>
-                <a:cubicBezTo>
-                  <a:pt x="4941587" y="4967609"/>
-                  <a:pt x="4898790" y="4978270"/>
-                  <a:pt x="4873113" y="5003143"/>
-                </a:cubicBezTo>
-                <a:cubicBezTo>
-                  <a:pt x="4833169" y="5038676"/>
-                  <a:pt x="4773254" y="4999590"/>
-                  <a:pt x="4721898" y="5095530"/>
-                </a:cubicBezTo>
-                <a:cubicBezTo>
-                  <a:pt x="4873113" y="5067104"/>
-                  <a:pt x="4998650" y="5020910"/>
-                  <a:pt x="5132745" y="4949842"/>
-                </a:cubicBezTo>
-                <a:cubicBezTo>
-                  <a:pt x="5121333" y="5006696"/>
-                  <a:pt x="5081390" y="5035123"/>
-                  <a:pt x="5101362" y="5081317"/>
-                </a:cubicBezTo>
-                <a:cubicBezTo>
-                  <a:pt x="5118480" y="5116850"/>
-                  <a:pt x="5164130" y="5131063"/>
-                  <a:pt x="5138452" y="5198578"/>
-                </a:cubicBezTo>
-                <a:cubicBezTo>
-                  <a:pt x="5067125" y="5273199"/>
-                  <a:pt x="4967265" y="5258986"/>
-                  <a:pt x="4904497" y="5362033"/>
-                </a:cubicBezTo>
-                <a:cubicBezTo>
-                  <a:pt x="4818903" y="5507721"/>
-                  <a:pt x="4684807" y="5564575"/>
-                  <a:pt x="4579242" y="5674729"/>
-                </a:cubicBezTo>
-                <a:cubicBezTo>
-                  <a:pt x="4545005" y="5713816"/>
-                  <a:pt x="4313903" y="5841738"/>
-                  <a:pt x="4253988" y="5884379"/>
-                </a:cubicBezTo>
-                <a:cubicBezTo>
-                  <a:pt x="4168395" y="5944786"/>
-                  <a:pt x="4071389" y="5966106"/>
-                  <a:pt x="3985795" y="6069153"/>
-                </a:cubicBezTo>
-                <a:cubicBezTo>
-                  <a:pt x="4065682" y="6086921"/>
-                  <a:pt x="4134157" y="5990979"/>
-                  <a:pt x="4231163" y="6030066"/>
-                </a:cubicBezTo>
-                <a:cubicBezTo>
-                  <a:pt x="4074242" y="6133114"/>
-                  <a:pt x="3931586" y="6182861"/>
-                  <a:pt x="3814609" y="6317889"/>
-                </a:cubicBezTo>
-                <a:cubicBezTo>
-                  <a:pt x="3800343" y="6335656"/>
-                  <a:pt x="3771812" y="6332102"/>
-                  <a:pt x="3751840" y="6339209"/>
-                </a:cubicBezTo>
-                <a:cubicBezTo>
-                  <a:pt x="3529298" y="6406723"/>
-                  <a:pt x="3309608" y="6467130"/>
-                  <a:pt x="3089919" y="6563071"/>
-                </a:cubicBezTo>
-                <a:cubicBezTo>
-                  <a:pt x="3041416" y="6584392"/>
-                  <a:pt x="2955823" y="6595052"/>
-                  <a:pt x="2961529" y="6662566"/>
-                </a:cubicBezTo>
-                <a:cubicBezTo>
-                  <a:pt x="2972941" y="6765613"/>
-                  <a:pt x="3055681" y="6687439"/>
-                  <a:pt x="3107038" y="6673226"/>
-                </a:cubicBezTo>
-                <a:cubicBezTo>
-                  <a:pt x="3269664" y="6634138"/>
-                  <a:pt x="3432292" y="6570178"/>
-                  <a:pt x="3594919" y="6591499"/>
-                </a:cubicBezTo>
-                <a:cubicBezTo>
-                  <a:pt x="3483648" y="6637693"/>
-                  <a:pt x="3372376" y="6680332"/>
-                  <a:pt x="3261106" y="6726527"/>
-                </a:cubicBezTo>
-                <a:cubicBezTo>
-                  <a:pt x="3386642" y="6705206"/>
-                  <a:pt x="3495061" y="6786934"/>
-                  <a:pt x="3620597" y="6740740"/>
-                </a:cubicBezTo>
-                <a:cubicBezTo>
-                  <a:pt x="3660541" y="6726527"/>
-                  <a:pt x="3700484" y="6765613"/>
-                  <a:pt x="3703337" y="6826020"/>
-                </a:cubicBezTo>
-                <a:cubicBezTo>
-                  <a:pt x="3706191" y="6847340"/>
-                  <a:pt x="3700484" y="6865108"/>
-                  <a:pt x="3689072" y="6879321"/>
-                </a:cubicBezTo>
-                <a:lnTo>
-                  <a:pt x="0" y="6879321"/>
-                </a:lnTo>
-                <a:close/>
-              </a:path>
-            </a:pathLst>
-          </a:custGeom>
+          </a:prstGeom>
+          <a:solidFill>
+            <a:schemeClr val="accent4"/>
+          </a:solidFill>
+          <a:ln>
+            <a:noFill/>
+          </a:ln>
         </p:spPr>
-      </p:pic>
+        <p:style>
+          <a:lnRef idx="2">
+            <a:schemeClr val="accent1">
+              <a:shade val="50000"/>
+            </a:schemeClr>
+          </a:lnRef>
+          <a:fillRef idx="1">
+            <a:schemeClr val="accent1"/>
+          </a:fillRef>
+          <a:effectRef idx="0">
+            <a:schemeClr val="accent1"/>
+          </a:effectRef>
+          <a:fontRef idx="minor">
+            <a:schemeClr val="lt1"/>
+          </a:fontRef>
+        </p:style>
+        <p:txBody>
+          <a:bodyPr rtlCol="0" anchor="ctr"/>
+          <a:lstStyle/>
+          <a:p>
+            <a:pPr algn="ctr"/>
+            <a:endParaRPr lang="en-US"/>
+          </a:p>
+        </p:txBody>
+      </p:sp>
       <mc:AlternateContent xmlns:mc="http://schemas.openxmlformats.org/markup-compatibility/2006">
         <mc:Choice xmlns:a14="http://schemas.microsoft.com/office/drawing/2010/main" Requires="a14">
           <p:sp>
@@ -18051,13 +17878,13 @@
             </p:nvSpPr>
             <p:spPr>
               <a:xfrm>
-                <a:off x="6513788" y="2333297"/>
-                <a:ext cx="4840010" cy="3843666"/>
+                <a:off x="590719" y="2330505"/>
+                <a:ext cx="4559425" cy="3979585"/>
               </a:xfrm>
             </p:spPr>
             <p:txBody>
-              <a:bodyPr>
-                <a:normAutofit lnSpcReduction="10000"/>
+              <a:bodyPr anchor="ctr">
+                <a:normAutofit/>
               </a:bodyPr>
               <a:lstStyle/>
               <a:p>
@@ -18065,12 +17892,8 @@
                   <a:buNone/>
                 </a:pPr>
                 <a:r>
-                  <a:rPr lang="fr-FR" sz="2000" b="1" i="1" dirty="0" err="1"/>
-                  <a:t>Purpose</a:t>
-                </a:r>
-                <a:r>
                   <a:rPr lang="fr-FR" sz="2000" b="1" i="1" dirty="0"/>
-                  <a:t> : </a:t>
+                  <a:t>Purpose : </a:t>
                 </a:r>
                 <a:r>
                   <a:rPr lang="fr-FR" sz="2000" dirty="0" err="1"/>
@@ -18166,6 +17989,22 @@
                 </a:r>
               </a:p>
               <a:p>
+                <a14:m>
+                  <m:oMath xmlns:m="http://schemas.openxmlformats.org/officeDocument/2006/math">
+                    <m:r>
+                      <a:rPr lang="fr-FR" sz="2000" b="0" i="1" smtClean="0">
+                        <a:latin typeface="Cambria Math" panose="02040503050406030204" pitchFamily="18" charset="0"/>
+                      </a:rPr>
+                      <m:t>𝑎</m:t>
+                    </m:r>
+                    <m:r>
+                      <a:rPr lang="fr-FR" sz="2000" b="0" i="1" smtClean="0">
+                        <a:latin typeface="Cambria Math" panose="02040503050406030204" pitchFamily="18" charset="0"/>
+                      </a:rPr>
+                      <m:t>=0.423</m:t>
+                    </m:r>
+                  </m:oMath>
+                </a14:m>
                 <a:endParaRPr lang="fr-FR" sz="2000" dirty="0"/>
               </a:p>
               <a:p>
@@ -18274,13 +18113,13 @@
             </p:nvSpPr>
             <p:spPr>
               <a:xfrm>
-                <a:off x="6513788" y="2333297"/>
-                <a:ext cx="4840010" cy="3843666"/>
+                <a:off x="590719" y="2330505"/>
+                <a:ext cx="4559425" cy="3979585"/>
               </a:xfrm>
               <a:blipFill>
-                <a:blip r:embed="rId3"/>
+                <a:blip r:embed="rId2"/>
                 <a:stretch>
-                  <a:fillRect l="-1387" t="-2381"/>
+                  <a:fillRect l="-1471" t="-5054"/>
                 </a:stretch>
               </a:blipFill>
             </p:spPr>
@@ -18299,6 +18138,168 @@
           </p:sp>
         </mc:Fallback>
       </mc:AlternateContent>
+      <p:sp>
+        <p:nvSpPr>
+          <p:cNvPr id="22" name="Rectangle 21">
+            <a:extLst>
+              <a:ext uri="{FF2B5EF4-FFF2-40B4-BE49-F238E27FC236}">
+                <a16:creationId xmlns:a16="http://schemas.microsoft.com/office/drawing/2014/main" id="{C13237C8-E62C-4F0D-A318-BD6FB6C2D138}"/>
+              </a:ext>
+              <a:ext uri="{C183D7F6-B498-43B3-948B-1728B52AA6E4}">
+                <adec:decorative xmlns:adec="http://schemas.microsoft.com/office/drawing/2017/decorative" val="1"/>
+              </a:ext>
+            </a:extLst>
+          </p:cNvPr>
+          <p:cNvSpPr>
+            <a:spLocks noGrp="1" noRot="1" noChangeAspect="1" noMove="1" noResize="1" noEditPoints="1" noAdjustHandles="1" noChangeArrowheads="1" noChangeShapeType="1" noTextEdit="1"/>
+          </p:cNvSpPr>
+          <p:nvPr>
+            <p:extLst>
+              <p:ext uri="{386F3935-93C4-4BCD-93E2-E3B085C9AB24}">
+                <p16:designElem xmlns:p16="http://schemas.microsoft.com/office/powerpoint/2015/main" val="1"/>
+              </p:ext>
+            </p:extLst>
+          </p:nvPr>
+        </p:nvSpPr>
+        <p:spPr>
+          <a:xfrm flipH="1">
+            <a:off x="10697670" y="0"/>
+            <a:ext cx="1494330" cy="6858000"/>
+          </a:xfrm>
+          <a:prstGeom prst="rect">
+            <a:avLst/>
+          </a:prstGeom>
+          <a:solidFill>
+            <a:schemeClr val="accent4"/>
+          </a:solidFill>
+          <a:ln>
+            <a:noFill/>
+          </a:ln>
+        </p:spPr>
+        <p:style>
+          <a:lnRef idx="2">
+            <a:schemeClr val="accent1">
+              <a:shade val="50000"/>
+            </a:schemeClr>
+          </a:lnRef>
+          <a:fillRef idx="1">
+            <a:schemeClr val="accent1"/>
+          </a:fillRef>
+          <a:effectRef idx="0">
+            <a:schemeClr val="accent1"/>
+          </a:effectRef>
+          <a:fontRef idx="minor">
+            <a:schemeClr val="lt1"/>
+          </a:fontRef>
+        </p:style>
+        <p:txBody>
+          <a:bodyPr rtlCol="0" anchor="ctr"/>
+          <a:lstStyle/>
+          <a:p>
+            <a:pPr algn="ctr"/>
+            <a:endParaRPr lang="en-US"/>
+          </a:p>
+        </p:txBody>
+      </p:sp>
+      <p:sp>
+        <p:nvSpPr>
+          <p:cNvPr id="24" name="Rectangle 23">
+            <a:extLst>
+              <a:ext uri="{FF2B5EF4-FFF2-40B4-BE49-F238E27FC236}">
+                <a16:creationId xmlns:a16="http://schemas.microsoft.com/office/drawing/2014/main" id="{19C9EAEA-39D0-4B0E-A0EB-51E7B26740B1}"/>
+              </a:ext>
+              <a:ext uri="{C183D7F6-B498-43B3-948B-1728B52AA6E4}">
+                <adec:decorative xmlns:adec="http://schemas.microsoft.com/office/drawing/2017/decorative" val="1"/>
+              </a:ext>
+            </a:extLst>
+          </p:cNvPr>
+          <p:cNvSpPr>
+            <a:spLocks noGrp="1" noRot="1" noChangeAspect="1" noMove="1" noResize="1" noEditPoints="1" noAdjustHandles="1" noChangeArrowheads="1" noChangeShapeType="1" noTextEdit="1"/>
+          </p:cNvSpPr>
+          <p:nvPr>
+            <p:extLst>
+              <p:ext uri="{386F3935-93C4-4BCD-93E2-E3B085C9AB24}">
+                <p16:designElem xmlns:p16="http://schemas.microsoft.com/office/powerpoint/2015/main" val="1"/>
+              </p:ext>
+            </p:extLst>
+          </p:nvPr>
+        </p:nvSpPr>
+        <p:spPr>
+          <a:xfrm>
+            <a:off x="5685810" y="513853"/>
+            <a:ext cx="6009366" cy="5834577"/>
+          </a:xfrm>
+          <a:prstGeom prst="rect">
+            <a:avLst/>
+          </a:prstGeom>
+          <a:solidFill>
+            <a:schemeClr val="bg1"/>
+          </a:solidFill>
+          <a:ln>
+            <a:noFill/>
+          </a:ln>
+          <a:effectLst>
+            <a:outerShdw blurRad="139700" dist="127000" dir="5400000" algn="t" rotWithShape="0">
+              <a:prstClr val="black">
+                <a:alpha val="15000"/>
+              </a:prstClr>
+            </a:outerShdw>
+          </a:effectLst>
+        </p:spPr>
+        <p:style>
+          <a:lnRef idx="2">
+            <a:schemeClr val="accent1">
+              <a:shade val="50000"/>
+            </a:schemeClr>
+          </a:lnRef>
+          <a:fillRef idx="1">
+            <a:schemeClr val="accent1"/>
+          </a:fillRef>
+          <a:effectRef idx="0">
+            <a:schemeClr val="accent1"/>
+          </a:effectRef>
+          <a:fontRef idx="minor">
+            <a:schemeClr val="lt1"/>
+          </a:fontRef>
+        </p:style>
+        <p:txBody>
+          <a:bodyPr rtlCol="0" anchor="ctr"/>
+          <a:lstStyle/>
+          <a:p>
+            <a:pPr algn="ctr"/>
+            <a:endParaRPr lang="en-US"/>
+          </a:p>
+        </p:txBody>
+      </p:sp>
+      <p:pic>
+        <p:nvPicPr>
+          <p:cNvPr id="5" name="Picture 4" descr="Close-up of a calculator keypad">
+            <a:extLst>
+              <a:ext uri="{FF2B5EF4-FFF2-40B4-BE49-F238E27FC236}">
+                <a16:creationId xmlns:a16="http://schemas.microsoft.com/office/drawing/2014/main" id="{2F3FBB60-F0B6-41B5-A824-671D05B86DD4}"/>
+              </a:ext>
+            </a:extLst>
+          </p:cNvPr>
+          <p:cNvPicPr>
+            <a:picLocks noChangeAspect="1"/>
+          </p:cNvPicPr>
+          <p:nvPr/>
+        </p:nvPicPr>
+        <p:blipFill rotWithShape="1">
+          <a:blip r:embed="rId3"/>
+          <a:srcRect l="12512" r="19144" b="-2"/>
+          <a:stretch/>
+        </p:blipFill>
+        <p:spPr>
+          <a:xfrm>
+            <a:off x="5977788" y="799352"/>
+            <a:ext cx="5425410" cy="5259296"/>
+          </a:xfrm>
+          <a:prstGeom prst="rect">
+            <a:avLst/>
+          </a:prstGeom>
+        </p:spPr>
+      </p:pic>
     </p:spTree>
     <p:extLst>
       <p:ext uri="{BB962C8B-B14F-4D97-AF65-F5344CB8AC3E}">
@@ -18315,6 +18316,14 @@
 <file path=ppt/slides/slide7.xml><?xml version="1.0" encoding="utf-8"?>
 <p:sld xmlns:a="http://schemas.openxmlformats.org/drawingml/2006/main" xmlns:r="http://schemas.openxmlformats.org/officeDocument/2006/relationships" xmlns:p="http://schemas.openxmlformats.org/presentationml/2006/main">
   <p:cSld>
+    <p:bg>
+      <p:bgPr>
+        <a:solidFill>
+          <a:schemeClr val="bg1"/>
+        </a:solidFill>
+        <a:effectLst/>
+      </p:bgPr>
+    </p:bg>
     <p:spTree>
       <p:nvGrpSpPr>
         <p:cNvPr id="1" name=""/>
@@ -18329,6 +18338,66 @@
           <a:chExt cx="0" cy="0"/>
         </a:xfrm>
       </p:grpSpPr>
+      <p:sp useBgFill="1">
+        <p:nvSpPr>
+          <p:cNvPr id="1028" name="Rectangle 70">
+            <a:extLst>
+              <a:ext uri="{FF2B5EF4-FFF2-40B4-BE49-F238E27FC236}">
+                <a16:creationId xmlns:a16="http://schemas.microsoft.com/office/drawing/2014/main" id="{DBC6133C-0615-4CE4-9132-37E609A9BDFA}"/>
+              </a:ext>
+              <a:ext uri="{C183D7F6-B498-43B3-948B-1728B52AA6E4}">
+                <adec:decorative xmlns:adec="http://schemas.microsoft.com/office/drawing/2017/decorative" val="1"/>
+              </a:ext>
+            </a:extLst>
+          </p:cNvPr>
+          <p:cNvSpPr>
+            <a:spLocks noGrp="1" noRot="1" noChangeAspect="1" noMove="1" noResize="1" noEditPoints="1" noAdjustHandles="1" noChangeArrowheads="1" noChangeShapeType="1" noTextEdit="1"/>
+          </p:cNvSpPr>
+          <p:nvPr>
+            <p:extLst>
+              <p:ext uri="{386F3935-93C4-4BCD-93E2-E3B085C9AB24}">
+                <p16:designElem xmlns:p16="http://schemas.microsoft.com/office/powerpoint/2015/main" val="1"/>
+              </p:ext>
+            </p:extLst>
+          </p:nvPr>
+        </p:nvSpPr>
+        <p:spPr>
+          <a:xfrm>
+            <a:off x="0" y="0"/>
+            <a:ext cx="12191999" cy="6857365"/>
+          </a:xfrm>
+          <a:prstGeom prst="rect">
+            <a:avLst/>
+          </a:prstGeom>
+          <a:ln>
+            <a:noFill/>
+          </a:ln>
+        </p:spPr>
+        <p:style>
+          <a:lnRef idx="2">
+            <a:schemeClr val="accent1">
+              <a:shade val="50000"/>
+            </a:schemeClr>
+          </a:lnRef>
+          <a:fillRef idx="1">
+            <a:schemeClr val="accent1"/>
+          </a:fillRef>
+          <a:effectRef idx="0">
+            <a:schemeClr val="accent1"/>
+          </a:effectRef>
+          <a:fontRef idx="minor">
+            <a:schemeClr val="lt1"/>
+          </a:fontRef>
+        </p:style>
+        <p:txBody>
+          <a:bodyPr rtlCol="0" anchor="ctr"/>
+          <a:lstStyle/>
+          <a:p>
+            <a:pPr algn="ctr"/>
+            <a:endParaRPr lang="en-US"/>
+          </a:p>
+        </p:txBody>
+      </p:sp>
       <p:sp>
         <p:nvSpPr>
           <p:cNvPr id="2" name="Titre 1">
@@ -18347,413 +18416,86 @@
         </p:nvSpPr>
         <p:spPr>
           <a:xfrm>
-            <a:off x="6513788" y="365125"/>
-            <a:ext cx="4840010" cy="1807305"/>
+            <a:off x="645064" y="525982"/>
+            <a:ext cx="4282983" cy="1200361"/>
           </a:xfrm>
         </p:spPr>
         <p:txBody>
-          <a:bodyPr>
+          <a:bodyPr anchor="b">
             <a:normAutofit/>
           </a:bodyPr>
           <a:lstStyle/>
           <a:p>
             <a:r>
-              <a:rPr lang="fr-FR" err="1"/>
-              <a:t>Linear</a:t>
+              <a:rPr lang="fr-FR" sz="3600"/>
+              <a:t>Linear Regression in C++</a:t>
             </a:r>
-            <a:r>
-              <a:rPr lang="fr-FR"/>
-              <a:t> </a:t>
-            </a:r>
-            <a:r>
-              <a:rPr lang="fr-FR" err="1"/>
-              <a:t>Regression</a:t>
-            </a:r>
-            <a:r>
-              <a:rPr lang="fr-FR"/>
-              <a:t> in C++</a:t>
-            </a:r>
-            <a:endParaRPr lang="fr-FR" dirty="0"/>
           </a:p>
         </p:txBody>
       </p:sp>
-      <p:pic>
-        <p:nvPicPr>
-          <p:cNvPr id="5" name="Picture 4" descr="Close-up of a calculator keypad">
+      <p:sp>
+        <p:nvSpPr>
+          <p:cNvPr id="1029" name="Rectangle 72">
             <a:extLst>
               <a:ext uri="{FF2B5EF4-FFF2-40B4-BE49-F238E27FC236}">
-                <a16:creationId xmlns:a16="http://schemas.microsoft.com/office/drawing/2014/main" id="{2F3FBB60-F0B6-41B5-A824-671D05B86DD4}"/>
+                <a16:creationId xmlns:a16="http://schemas.microsoft.com/office/drawing/2014/main" id="{169CC832-2974-4E8D-90ED-3E2941BA7336}"/>
+              </a:ext>
+              <a:ext uri="{C183D7F6-B498-43B3-948B-1728B52AA6E4}">
+                <adec:decorative xmlns:adec="http://schemas.microsoft.com/office/drawing/2017/decorative" val="1"/>
               </a:ext>
             </a:extLst>
           </p:cNvPr>
-          <p:cNvPicPr>
-            <a:picLocks noChangeAspect="1"/>
-          </p:cNvPicPr>
-          <p:nvPr/>
-        </p:nvPicPr>
-        <p:blipFill rotWithShape="1">
-          <a:blip r:embed="rId2"/>
-          <a:srcRect l="17139" r="23773" b="-1"/>
-          <a:stretch/>
-        </p:blipFill>
+          <p:cNvSpPr>
+            <a:spLocks noGrp="1" noRot="1" noChangeAspect="1" noMove="1" noResize="1" noEditPoints="1" noAdjustHandles="1" noChangeArrowheads="1" noChangeShapeType="1" noTextEdit="1"/>
+          </p:cNvSpPr>
+          <p:nvPr>
+            <p:extLst>
+              <p:ext uri="{386F3935-93C4-4BCD-93E2-E3B085C9AB24}">
+                <p16:designElem xmlns:p16="http://schemas.microsoft.com/office/powerpoint/2015/main" val="1"/>
+              </p:ext>
+            </p:extLst>
+          </p:nvPr>
+        </p:nvSpPr>
         <p:spPr>
-          <a:xfrm>
-            <a:off x="20" y="10"/>
-            <a:ext cx="6116549" cy="6857990"/>
+          <a:xfrm flipH="1">
+            <a:off x="616533" y="1944913"/>
+            <a:ext cx="4023360" cy="27432"/>
           </a:xfrm>
-          <a:custGeom>
+          <a:prstGeom prst="rect">
             <a:avLst/>
-            <a:gdLst/>
-            <a:ahLst/>
-            <a:cxnLst/>
-            <a:rect l="l" t="t" r="r" b="b"/>
-            <a:pathLst>
-              <a:path w="6116569" h="6879321">
-                <a:moveTo>
-                  <a:pt x="0" y="0"/>
-                </a:moveTo>
-                <a:lnTo>
-                  <a:pt x="2935851" y="0"/>
-                </a:lnTo>
-                <a:cubicBezTo>
-                  <a:pt x="3035710" y="10660"/>
-                  <a:pt x="3138421" y="17767"/>
-                  <a:pt x="3238280" y="31980"/>
-                </a:cubicBezTo>
-                <a:cubicBezTo>
-                  <a:pt x="3817462" y="106602"/>
-                  <a:pt x="3127009" y="277163"/>
-                  <a:pt x="3660541" y="550772"/>
-                </a:cubicBezTo>
-                <a:cubicBezTo>
-                  <a:pt x="3706191" y="575645"/>
-                  <a:pt x="3757546" y="579199"/>
-                  <a:pt x="3808902" y="589860"/>
-                </a:cubicBezTo>
-                <a:cubicBezTo>
-                  <a:pt x="4008620" y="625393"/>
-                  <a:pt x="4211192" y="618286"/>
-                  <a:pt x="4413762" y="625393"/>
-                </a:cubicBezTo>
-                <a:cubicBezTo>
-                  <a:pt x="4465118" y="628946"/>
-                  <a:pt x="4525033" y="625393"/>
-                  <a:pt x="4567830" y="721333"/>
-                </a:cubicBezTo>
-                <a:cubicBezTo>
-                  <a:pt x="4425175" y="724888"/>
-                  <a:pt x="4305344" y="731994"/>
-                  <a:pt x="4171247" y="792401"/>
-                </a:cubicBezTo>
-                <a:cubicBezTo>
-                  <a:pt x="4239722" y="859916"/>
-                  <a:pt x="4322462" y="795955"/>
-                  <a:pt x="4376671" y="842148"/>
-                </a:cubicBezTo>
-                <a:cubicBezTo>
-                  <a:pt x="4428027" y="888342"/>
-                  <a:pt x="4470824" y="891896"/>
-                  <a:pt x="4527887" y="813722"/>
-                </a:cubicBezTo>
-                <a:cubicBezTo>
-                  <a:pt x="4556417" y="774634"/>
-                  <a:pt x="4604920" y="778187"/>
-                  <a:pt x="4633452" y="799508"/>
-                </a:cubicBezTo>
-                <a:cubicBezTo>
-                  <a:pt x="4781813" y="913216"/>
-                  <a:pt x="4778960" y="909662"/>
-                  <a:pt x="4947293" y="870576"/>
-                </a:cubicBezTo>
-                <a:cubicBezTo>
-                  <a:pt x="5055712" y="845701"/>
-                  <a:pt x="5166983" y="806615"/>
-                  <a:pt x="5263988" y="820828"/>
-                </a:cubicBezTo>
-                <a:cubicBezTo>
-                  <a:pt x="5275401" y="867022"/>
-                  <a:pt x="5263988" y="888342"/>
-                  <a:pt x="5249723" y="895449"/>
-                </a:cubicBezTo>
-                <a:cubicBezTo>
-                  <a:pt x="5021475" y="1005604"/>
-                  <a:pt x="4975825" y="1122864"/>
-                  <a:pt x="4744723" y="1197485"/>
-                </a:cubicBezTo>
-                <a:cubicBezTo>
-                  <a:pt x="4724751" y="1268552"/>
-                  <a:pt x="4807491" y="1275660"/>
-                  <a:pt x="4767548" y="1346727"/>
-                </a:cubicBezTo>
-                <a:cubicBezTo>
-                  <a:pt x="4693367" y="1407134"/>
-                  <a:pt x="4610627" y="1346727"/>
-                  <a:pt x="4539299" y="1421348"/>
-                </a:cubicBezTo>
-                <a:cubicBezTo>
-                  <a:pt x="4550712" y="1471094"/>
-                  <a:pt x="4610627" y="1432008"/>
-                  <a:pt x="4607773" y="1485309"/>
-                </a:cubicBezTo>
-                <a:cubicBezTo>
-                  <a:pt x="4604920" y="1517288"/>
-                  <a:pt x="4593508" y="1527948"/>
-                  <a:pt x="4579242" y="1535055"/>
-                </a:cubicBezTo>
-                <a:cubicBezTo>
-                  <a:pt x="4776107" y="1538608"/>
-                  <a:pt x="5383820" y="1574142"/>
-                  <a:pt x="5278255" y="1609676"/>
-                </a:cubicBezTo>
-                <a:cubicBezTo>
-                  <a:pt x="5418057" y="1698511"/>
-                  <a:pt x="5623481" y="1609676"/>
-                  <a:pt x="5771843" y="1630997"/>
-                </a:cubicBezTo>
-                <a:cubicBezTo>
-                  <a:pt x="5925911" y="1652316"/>
-                  <a:pt x="6171278" y="1719830"/>
-                  <a:pt x="6105656" y="1748257"/>
-                </a:cubicBezTo>
-                <a:cubicBezTo>
-                  <a:pt x="6031475" y="1780238"/>
-                  <a:pt x="5766136" y="2146235"/>
-                  <a:pt x="5691955" y="2167555"/>
-                </a:cubicBezTo>
-                <a:cubicBezTo>
-                  <a:pt x="5606362" y="2188875"/>
-                  <a:pt x="5589243" y="2217302"/>
-                  <a:pt x="5475118" y="2348776"/>
-                </a:cubicBezTo>
-                <a:cubicBezTo>
-                  <a:pt x="5398085" y="2437610"/>
-                  <a:pt x="5709074" y="2238623"/>
-                  <a:pt x="5826051" y="2291922"/>
-                </a:cubicBezTo>
-                <a:cubicBezTo>
-                  <a:pt x="5868848" y="2309690"/>
-                  <a:pt x="5552153" y="2554872"/>
-                  <a:pt x="5552153" y="2597513"/>
-                </a:cubicBezTo>
-                <a:cubicBezTo>
-                  <a:pt x="5549300" y="2640153"/>
-                  <a:pt x="5577831" y="2647260"/>
-                  <a:pt x="5603508" y="2647260"/>
-                </a:cubicBezTo>
-                <a:cubicBezTo>
-                  <a:pt x="5660571" y="2647260"/>
-                  <a:pt x="5640599" y="2686346"/>
-                  <a:pt x="5700515" y="2679240"/>
-                </a:cubicBezTo>
-                <a:cubicBezTo>
-                  <a:pt x="5523622" y="2800055"/>
-                  <a:pt x="5418057" y="2778734"/>
-                  <a:pt x="5246870" y="2888889"/>
-                </a:cubicBezTo>
-                <a:cubicBezTo>
-                  <a:pt x="5164130" y="2942189"/>
-                  <a:pt x="4921615" y="3119857"/>
-                  <a:pt x="4836022" y="3169605"/>
-                </a:cubicBezTo>
-                <a:cubicBezTo>
-                  <a:pt x="4801785" y="3187371"/>
-                  <a:pt x="4758988" y="3173158"/>
-                  <a:pt x="4736163" y="3233565"/>
-                </a:cubicBezTo>
-                <a:cubicBezTo>
-                  <a:pt x="4770400" y="3279759"/>
-                  <a:pt x="4816050" y="3254885"/>
-                  <a:pt x="4853141" y="3233565"/>
-                </a:cubicBezTo>
-                <a:cubicBezTo>
-                  <a:pt x="4944440" y="3176711"/>
-                  <a:pt x="4935881" y="3190925"/>
-                  <a:pt x="4944440" y="3226459"/>
-                </a:cubicBezTo>
-                <a:cubicBezTo>
-                  <a:pt x="4972972" y="3350827"/>
-                  <a:pt x="5044300" y="3308186"/>
-                  <a:pt x="5109921" y="3283313"/>
-                </a:cubicBezTo>
-                <a:cubicBezTo>
-                  <a:pt x="5303932" y="3208692"/>
-                  <a:pt x="5500797" y="3215799"/>
-                  <a:pt x="5694809" y="3141178"/>
-                </a:cubicBezTo>
-                <a:cubicBezTo>
-                  <a:pt x="5714781" y="3134070"/>
-                  <a:pt x="5612068" y="3283313"/>
-                  <a:pt x="5566419" y="3301079"/>
-                </a:cubicBezTo>
-                <a:cubicBezTo>
-                  <a:pt x="5515063" y="3322399"/>
-                  <a:pt x="5452294" y="3311739"/>
-                  <a:pt x="5415203" y="3397020"/>
-                </a:cubicBezTo>
-                <a:cubicBezTo>
-                  <a:pt x="5477972" y="3414787"/>
-                  <a:pt x="5552153" y="3372147"/>
-                  <a:pt x="5612068" y="3432554"/>
-                </a:cubicBezTo>
-                <a:cubicBezTo>
-                  <a:pt x="5469413" y="3528494"/>
-                  <a:pt x="5329610" y="3535601"/>
-                  <a:pt x="5206927" y="3599562"/>
-                </a:cubicBezTo>
-                <a:cubicBezTo>
-                  <a:pt x="5192661" y="3706163"/>
-                  <a:pt x="5272548" y="3663523"/>
-                  <a:pt x="5301079" y="3723930"/>
-                </a:cubicBezTo>
-                <a:cubicBezTo>
-                  <a:pt x="5072830" y="3844745"/>
-                  <a:pt x="4564977" y="4232062"/>
-                  <a:pt x="4507915" y="4306683"/>
-                </a:cubicBezTo>
-                <a:cubicBezTo>
-                  <a:pt x="4390937" y="4463031"/>
-                  <a:pt x="3900202" y="4562525"/>
-                  <a:pt x="3982942" y="4587399"/>
-                </a:cubicBezTo>
-                <a:cubicBezTo>
-                  <a:pt x="4051417" y="4608719"/>
-                  <a:pt x="4119891" y="4587399"/>
-                  <a:pt x="4185513" y="4541205"/>
-                </a:cubicBezTo>
-                <a:cubicBezTo>
-                  <a:pt x="4291078" y="4466584"/>
-                  <a:pt x="5010062" y="4523438"/>
-                  <a:pt x="5212633" y="4455924"/>
-                </a:cubicBezTo>
-                <a:cubicBezTo>
-                  <a:pt x="5241164" y="4445264"/>
-                  <a:pt x="5283960" y="4409730"/>
-                  <a:pt x="5312492" y="4473691"/>
-                </a:cubicBezTo>
-                <a:cubicBezTo>
-                  <a:pt x="5098508" y="4704659"/>
-                  <a:pt x="4833169" y="4654913"/>
-                  <a:pt x="4596361" y="4818368"/>
-                </a:cubicBezTo>
-                <a:cubicBezTo>
-                  <a:pt x="4684807" y="4917861"/>
-                  <a:pt x="4776107" y="4907202"/>
-                  <a:pt x="4873113" y="4885882"/>
-                </a:cubicBezTo>
-                <a:cubicBezTo>
-                  <a:pt x="4895938" y="4878775"/>
-                  <a:pt x="4930175" y="4871668"/>
-                  <a:pt x="4935881" y="4914309"/>
-                </a:cubicBezTo>
-                <a:cubicBezTo>
-                  <a:pt x="4941587" y="4967609"/>
-                  <a:pt x="4898790" y="4978270"/>
-                  <a:pt x="4873113" y="5003143"/>
-                </a:cubicBezTo>
-                <a:cubicBezTo>
-                  <a:pt x="4833169" y="5038676"/>
-                  <a:pt x="4773254" y="4999590"/>
-                  <a:pt x="4721898" y="5095530"/>
-                </a:cubicBezTo>
-                <a:cubicBezTo>
-                  <a:pt x="4873113" y="5067104"/>
-                  <a:pt x="4998650" y="5020910"/>
-                  <a:pt x="5132745" y="4949842"/>
-                </a:cubicBezTo>
-                <a:cubicBezTo>
-                  <a:pt x="5121333" y="5006696"/>
-                  <a:pt x="5081390" y="5035123"/>
-                  <a:pt x="5101362" y="5081317"/>
-                </a:cubicBezTo>
-                <a:cubicBezTo>
-                  <a:pt x="5118480" y="5116850"/>
-                  <a:pt x="5164130" y="5131063"/>
-                  <a:pt x="5138452" y="5198578"/>
-                </a:cubicBezTo>
-                <a:cubicBezTo>
-                  <a:pt x="5067125" y="5273199"/>
-                  <a:pt x="4967265" y="5258986"/>
-                  <a:pt x="4904497" y="5362033"/>
-                </a:cubicBezTo>
-                <a:cubicBezTo>
-                  <a:pt x="4818903" y="5507721"/>
-                  <a:pt x="4684807" y="5564575"/>
-                  <a:pt x="4579242" y="5674729"/>
-                </a:cubicBezTo>
-                <a:cubicBezTo>
-                  <a:pt x="4545005" y="5713816"/>
-                  <a:pt x="4313903" y="5841738"/>
-                  <a:pt x="4253988" y="5884379"/>
-                </a:cubicBezTo>
-                <a:cubicBezTo>
-                  <a:pt x="4168395" y="5944786"/>
-                  <a:pt x="4071389" y="5966106"/>
-                  <a:pt x="3985795" y="6069153"/>
-                </a:cubicBezTo>
-                <a:cubicBezTo>
-                  <a:pt x="4065682" y="6086921"/>
-                  <a:pt x="4134157" y="5990979"/>
-                  <a:pt x="4231163" y="6030066"/>
-                </a:cubicBezTo>
-                <a:cubicBezTo>
-                  <a:pt x="4074242" y="6133114"/>
-                  <a:pt x="3931586" y="6182861"/>
-                  <a:pt x="3814609" y="6317889"/>
-                </a:cubicBezTo>
-                <a:cubicBezTo>
-                  <a:pt x="3800343" y="6335656"/>
-                  <a:pt x="3771812" y="6332102"/>
-                  <a:pt x="3751840" y="6339209"/>
-                </a:cubicBezTo>
-                <a:cubicBezTo>
-                  <a:pt x="3529298" y="6406723"/>
-                  <a:pt x="3309608" y="6467130"/>
-                  <a:pt x="3089919" y="6563071"/>
-                </a:cubicBezTo>
-                <a:cubicBezTo>
-                  <a:pt x="3041416" y="6584392"/>
-                  <a:pt x="2955823" y="6595052"/>
-                  <a:pt x="2961529" y="6662566"/>
-                </a:cubicBezTo>
-                <a:cubicBezTo>
-                  <a:pt x="2972941" y="6765613"/>
-                  <a:pt x="3055681" y="6687439"/>
-                  <a:pt x="3107038" y="6673226"/>
-                </a:cubicBezTo>
-                <a:cubicBezTo>
-                  <a:pt x="3269664" y="6634138"/>
-                  <a:pt x="3432292" y="6570178"/>
-                  <a:pt x="3594919" y="6591499"/>
-                </a:cubicBezTo>
-                <a:cubicBezTo>
-                  <a:pt x="3483648" y="6637693"/>
-                  <a:pt x="3372376" y="6680332"/>
-                  <a:pt x="3261106" y="6726527"/>
-                </a:cubicBezTo>
-                <a:cubicBezTo>
-                  <a:pt x="3386642" y="6705206"/>
-                  <a:pt x="3495061" y="6786934"/>
-                  <a:pt x="3620597" y="6740740"/>
-                </a:cubicBezTo>
-                <a:cubicBezTo>
-                  <a:pt x="3660541" y="6726527"/>
-                  <a:pt x="3700484" y="6765613"/>
-                  <a:pt x="3703337" y="6826020"/>
-                </a:cubicBezTo>
-                <a:cubicBezTo>
-                  <a:pt x="3706191" y="6847340"/>
-                  <a:pt x="3700484" y="6865108"/>
-                  <a:pt x="3689072" y="6879321"/>
-                </a:cubicBezTo>
-                <a:lnTo>
-                  <a:pt x="0" y="6879321"/>
-                </a:lnTo>
-                <a:close/>
-              </a:path>
-            </a:pathLst>
-          </a:custGeom>
+          </a:prstGeom>
+          <a:solidFill>
+            <a:schemeClr val="accent4"/>
+          </a:solidFill>
+          <a:ln>
+            <a:noFill/>
+          </a:ln>
         </p:spPr>
-      </p:pic>
+        <p:style>
+          <a:lnRef idx="2">
+            <a:schemeClr val="accent1">
+              <a:shade val="50000"/>
+            </a:schemeClr>
+          </a:lnRef>
+          <a:fillRef idx="1">
+            <a:schemeClr val="accent1"/>
+          </a:fillRef>
+          <a:effectRef idx="0">
+            <a:schemeClr val="accent1"/>
+          </a:effectRef>
+          <a:fontRef idx="minor">
+            <a:schemeClr val="lt1"/>
+          </a:fontRef>
+        </p:style>
+        <p:txBody>
+          <a:bodyPr rtlCol="0" anchor="ctr"/>
+          <a:lstStyle/>
+          <a:p>
+            <a:pPr algn="ctr"/>
+            <a:endParaRPr lang="en-US"/>
+          </a:p>
+        </p:txBody>
+      </p:sp>
       <mc:AlternateContent xmlns:mc="http://schemas.openxmlformats.org/markup-compatibility/2006">
         <mc:Choice xmlns:a14="http://schemas.microsoft.com/office/drawing/2010/main" Requires="a14">
           <p:sp>
@@ -18774,12 +18516,12 @@
             </p:nvSpPr>
             <p:spPr>
               <a:xfrm>
-                <a:off x="6513788" y="2333297"/>
-                <a:ext cx="4840010" cy="3843666"/>
+                <a:off x="645066" y="2031101"/>
+                <a:ext cx="4282984" cy="3511943"/>
               </a:xfrm>
             </p:spPr>
             <p:txBody>
-              <a:bodyPr>
+              <a:bodyPr anchor="ctr">
                 <a:normAutofit/>
               </a:bodyPr>
               <a:lstStyle/>
@@ -18788,21 +18530,17 @@
                   <a:buNone/>
                 </a:pPr>
                 <a:r>
-                  <a:rPr lang="fr-FR" sz="2000" b="1" i="1" dirty="0"/>
+                  <a:rPr lang="fr-FR" sz="1800" b="1" i="1"/>
                   <a:t>Purpose : </a:t>
                 </a:r>
                 <a:r>
-                  <a:rPr lang="fr-FR" sz="2000" dirty="0" err="1"/>
-                  <a:t>Find</a:t>
-                </a:r>
-                <a:r>
-                  <a:rPr lang="fr-FR" sz="2000" dirty="0"/>
-                  <a:t> </a:t>
+                  <a:rPr lang="fr-FR" sz="1800"/>
+                  <a:t>Find </a:t>
                 </a:r>
                 <a14:m>
                   <m:oMath xmlns:m="http://schemas.openxmlformats.org/officeDocument/2006/math">
                     <m:r>
-                      <a:rPr lang="fr-FR" sz="2000" b="0" i="1" smtClean="0">
+                      <a:rPr lang="fr-FR" sz="1800" b="0" i="1">
                         <a:latin typeface="Cambria Math" panose="02040503050406030204" pitchFamily="18" charset="0"/>
                       </a:rPr>
                       <m:t>𝐴</m:t>
@@ -18810,24 +18548,8 @@
                   </m:oMath>
                 </a14:m>
                 <a:r>
-                  <a:rPr lang="fr-FR" sz="2000" dirty="0"/>
-                  <a:t>, a diagonal matrix, </a:t>
-                </a:r>
-                <a:r>
-                  <a:rPr lang="fr-FR" sz="2000" dirty="0" err="1"/>
-                  <a:t>such</a:t>
-                </a:r>
-                <a:r>
-                  <a:rPr lang="fr-FR" sz="2000" dirty="0"/>
-                  <a:t> </a:t>
-                </a:r>
-                <a:r>
-                  <a:rPr lang="fr-FR" sz="2000" dirty="0" err="1"/>
-                  <a:t>that</a:t>
-                </a:r>
-                <a:r>
-                  <a:rPr lang="fr-FR" sz="2000" dirty="0"/>
-                  <a:t> </a:t>
+                  <a:rPr lang="fr-FR" sz="1800"/>
+                  <a:t>, a diagonal matrix, such that </a:t>
                 </a:r>
                 <a14:m>
                   <m:oMath xmlns:m="http://schemas.openxmlformats.org/officeDocument/2006/math">
@@ -18835,25 +18557,25 @@
                       <m:rPr>
                         <m:sty m:val="p"/>
                       </m:rPr>
-                      <a:rPr lang="fr-FR" sz="2000" b="0" i="0" smtClean="0">
+                      <a:rPr lang="fr-FR" sz="1800" b="0" i="0">
                         <a:latin typeface="Cambria Math" panose="02040503050406030204" pitchFamily="18" charset="0"/>
                       </a:rPr>
                       <m:t>A</m:t>
                     </m:r>
                     <m:r>
-                      <a:rPr lang="fr-FR" sz="2000" b="0" i="1">
+                      <a:rPr lang="fr-FR" sz="1800" b="0" i="1">
                         <a:latin typeface="Cambria Math" panose="02040503050406030204" pitchFamily="18" charset="0"/>
                       </a:rPr>
                       <m:t>𝑋</m:t>
                     </m:r>
                     <m:r>
-                      <a:rPr lang="fr-FR" sz="2000" b="0" i="1">
+                      <a:rPr lang="fr-FR" sz="1800" b="0" i="1">
                         <a:latin typeface="Cambria Math" panose="02040503050406030204" pitchFamily="18" charset="0"/>
                       </a:rPr>
                       <m:t>=</m:t>
                     </m:r>
                     <m:r>
-                      <a:rPr lang="fr-FR" sz="2000" b="0" i="1">
+                      <a:rPr lang="fr-FR" sz="1800" b="0" i="1">
                         <a:latin typeface="Cambria Math" panose="02040503050406030204" pitchFamily="18" charset="0"/>
                       </a:rPr>
                       <m:t>𝐵</m:t>
@@ -18861,824 +18583,53 @@
                   </m:oMath>
                 </a14:m>
                 <a:r>
-                  <a:rPr lang="fr-FR" sz="2000" dirty="0"/>
-                  <a:t> </a:t>
+                  <a:rPr lang="fr-FR" sz="1800"/>
+                  <a:t> with a bias</a:t>
                 </a:r>
-                <a:r>
-                  <a:rPr lang="fr-FR" sz="2000" dirty="0" err="1"/>
-                  <a:t>with</a:t>
-                </a:r>
-                <a:r>
-                  <a:rPr lang="fr-FR" sz="2000" dirty="0"/>
-                  <a:t> a </a:t>
-                </a:r>
-                <a:r>
-                  <a:rPr lang="fr-FR" sz="2000" dirty="0" err="1"/>
-                  <a:t>bias</a:t>
-                </a:r>
-                <a:endParaRPr lang="fr-FR" sz="2000" dirty="0"/>
               </a:p>
               <a:p>
                 <a:pPr marL="0" indent="0">
                   <a:buNone/>
                 </a:pPr>
-                <a:endParaRPr lang="fr-FR" sz="2000" b="1" i="1" dirty="0"/>
+                <a:endParaRPr lang="fr-FR" sz="1800" b="1" i="1"/>
               </a:p>
               <a:p>
                 <a:pPr marL="0" indent="0">
                   <a:buNone/>
                 </a:pPr>
                 <a:r>
-                  <a:rPr lang="fr-FR" sz="2000" b="1" i="1" dirty="0" err="1"/>
-                  <a:t>Result</a:t>
-                </a:r>
-                <a:r>
-                  <a:rPr lang="fr-FR" sz="2000" b="1" i="1" dirty="0"/>
-                  <a:t> :</a:t>
+                  <a:rPr lang="fr-FR" sz="1800" b="1" i="1"/>
+                  <a:t>Result :</a:t>
                 </a:r>
               </a:p>
               <a:p>
                 <a:r>
-                  <a:rPr lang="fr-FR" sz="2000" dirty="0"/>
+                  <a:rPr lang="fr-FR" sz="1800"/>
                   <a:t>MSE : 0.33</a:t>
                 </a:r>
               </a:p>
               <a:p>
-                <a:endParaRPr lang="fr-FR" sz="2000" dirty="0"/>
+                <a:endParaRPr lang="fr-FR" sz="1800"/>
               </a:p>
               <a:p>
                 <a:pPr marL="0" indent="0">
                   <a:buNone/>
                 </a:pPr>
                 <a:r>
-                  <a:rPr lang="fr-FR" sz="2000" b="1" i="1" dirty="0" err="1"/>
-                  <a:t>Interpretation</a:t>
-                </a:r>
-                <a:r>
-                  <a:rPr lang="fr-FR" sz="2000" b="1" i="1" dirty="0"/>
-                  <a:t> :</a:t>
+                  <a:rPr lang="fr-FR" sz="1800" b="1" i="1"/>
+                  <a:t>Interpretation :</a:t>
                 </a:r>
               </a:p>
               <a:p>
                 <a:r>
-                  <a:rPr lang="fr-FR" sz="2000" dirty="0"/>
-                  <a:t>MSE </a:t>
-                </a:r>
-                <a:r>
-                  <a:rPr lang="fr-FR" sz="2000" dirty="0" err="1"/>
-                  <a:t>is</a:t>
-                </a:r>
-                <a:r>
-                  <a:rPr lang="fr-FR" sz="2000" dirty="0"/>
-                  <a:t> </a:t>
-                </a:r>
-                <a:r>
-                  <a:rPr lang="fr-FR" sz="2000" dirty="0" err="1"/>
-                  <a:t>much</a:t>
-                </a:r>
-                <a:r>
-                  <a:rPr lang="fr-FR" sz="2000" dirty="0"/>
-                  <a:t> </a:t>
-                </a:r>
-                <a:r>
-                  <a:rPr lang="fr-FR" sz="2000" dirty="0" err="1"/>
-                  <a:t>smaller</a:t>
-                </a:r>
-                <a:r>
-                  <a:rPr lang="fr-FR" sz="2000" dirty="0"/>
-                  <a:t> </a:t>
-                </a:r>
-                <a:r>
-                  <a:rPr lang="fr-FR" sz="2000" dirty="0" err="1"/>
-                  <a:t>than</a:t>
-                </a:r>
-                <a:r>
-                  <a:rPr lang="fr-FR" sz="2000" dirty="0"/>
-                  <a:t> </a:t>
-                </a:r>
-                <a:r>
-                  <a:rPr lang="fr-FR" sz="2000" dirty="0" err="1"/>
-                  <a:t>before</a:t>
-                </a:r>
-                <a:endParaRPr lang="fr-FR" sz="2000" dirty="0"/>
-              </a:p>
-              <a:p>
-                <a:r>
-                  <a:rPr lang="fr-FR" sz="2000" dirty="0" err="1"/>
-                  <a:t>Each</a:t>
-                </a:r>
-                <a:r>
-                  <a:rPr lang="fr-FR" sz="2000" dirty="0"/>
-                  <a:t> line has an adaptative </a:t>
-                </a:r>
-                <a:r>
-                  <a:rPr lang="fr-FR" sz="2000" dirty="0" err="1"/>
-                  <a:t>traffic</a:t>
-                </a:r>
-                <a:endParaRPr lang="fr-FR" sz="2000" dirty="0"/>
-              </a:p>
-            </p:txBody>
-          </p:sp>
-        </mc:Choice>
-        <mc:Fallback>
-          <p:sp>
-            <p:nvSpPr>
-              <p:cNvPr id="3" name="Espace réservé du contenu 2">
-                <a:extLst>
-                  <a:ext uri="{FF2B5EF4-FFF2-40B4-BE49-F238E27FC236}">
-                    <a16:creationId xmlns:a16="http://schemas.microsoft.com/office/drawing/2014/main" id="{D1119173-2AD3-4C96-841D-8677232655EA}"/>
-                  </a:ext>
-                </a:extLst>
-              </p:cNvPr>
-              <p:cNvSpPr>
-                <a:spLocks noGrp="1" noRot="1" noChangeAspect="1" noMove="1" noResize="1" noEditPoints="1" noAdjustHandles="1" noChangeArrowheads="1" noChangeShapeType="1" noTextEdit="1"/>
-              </p:cNvSpPr>
-              <p:nvPr>
-                <p:ph idx="1"/>
-              </p:nvPr>
-            </p:nvSpPr>
-            <p:spPr>
-              <a:xfrm>
-                <a:off x="6513788" y="2333297"/>
-                <a:ext cx="4840010" cy="3843666"/>
-              </a:xfrm>
-              <a:blipFill>
-                <a:blip r:embed="rId3"/>
-                <a:stretch>
-                  <a:fillRect l="-1387" t="-1746"/>
-                </a:stretch>
-              </a:blipFill>
-            </p:spPr>
-            <p:txBody>
-              <a:bodyPr/>
-              <a:lstStyle/>
-              <a:p>
-                <a:r>
-                  <a:rPr lang="fr-FR">
-                    <a:noFill/>
-                  </a:rPr>
-                  <a:t> </a:t>
-                </a:r>
-              </a:p>
-            </p:txBody>
-          </p:sp>
-        </mc:Fallback>
-      </mc:AlternateContent>
-    </p:spTree>
-    <p:extLst>
-      <p:ext uri="{BB962C8B-B14F-4D97-AF65-F5344CB8AC3E}">
-        <p14:creationId xmlns:p14="http://schemas.microsoft.com/office/powerpoint/2010/main" val="1298214868"/>
-      </p:ext>
-    </p:extLst>
-  </p:cSld>
-  <p:clrMapOvr>
-    <a:masterClrMapping/>
-  </p:clrMapOvr>
-</p:sld>
-</file>
-
-<file path=ppt/slides/slide8.xml><?xml version="1.0" encoding="utf-8"?>
-<p:sld xmlns:a="http://schemas.openxmlformats.org/drawingml/2006/main" xmlns:r="http://schemas.openxmlformats.org/officeDocument/2006/relationships" xmlns:p="http://schemas.openxmlformats.org/presentationml/2006/main">
-  <p:cSld>
-    <p:spTree>
-      <p:nvGrpSpPr>
-        <p:cNvPr id="1" name=""/>
-        <p:cNvGrpSpPr/>
-        <p:nvPr/>
-      </p:nvGrpSpPr>
-      <p:grpSpPr>
-        <a:xfrm>
-          <a:off x="0" y="0"/>
-          <a:ext cx="0" cy="0"/>
-          <a:chOff x="0" y="0"/>
-          <a:chExt cx="0" cy="0"/>
-        </a:xfrm>
-      </p:grpSpPr>
-      <p:sp>
-        <p:nvSpPr>
-          <p:cNvPr id="2" name="Titre 1">
-            <a:extLst>
-              <a:ext uri="{FF2B5EF4-FFF2-40B4-BE49-F238E27FC236}">
-                <a16:creationId xmlns:a16="http://schemas.microsoft.com/office/drawing/2014/main" id="{86BC546B-4CDE-4620-A51C-83BF2AF3EA63}"/>
-              </a:ext>
-            </a:extLst>
-          </p:cNvPr>
-          <p:cNvSpPr>
-            <a:spLocks noGrp="1"/>
-          </p:cNvSpPr>
-          <p:nvPr>
-            <p:ph type="title"/>
-          </p:nvPr>
-        </p:nvSpPr>
-        <p:spPr>
-          <a:xfrm>
-            <a:off x="6513788" y="365125"/>
-            <a:ext cx="4840010" cy="1807305"/>
-          </a:xfrm>
-        </p:spPr>
-        <p:txBody>
-          <a:bodyPr>
-            <a:normAutofit/>
-          </a:bodyPr>
-          <a:lstStyle/>
-          <a:p>
-            <a:r>
-              <a:rPr lang="fr-FR" err="1"/>
-              <a:t>Linear</a:t>
-            </a:r>
-            <a:r>
-              <a:rPr lang="fr-FR"/>
-              <a:t> </a:t>
-            </a:r>
-            <a:r>
-              <a:rPr lang="fr-FR" err="1"/>
-              <a:t>Regression</a:t>
-            </a:r>
-            <a:r>
-              <a:rPr lang="fr-FR"/>
-              <a:t> in C++</a:t>
-            </a:r>
-            <a:endParaRPr lang="fr-FR" dirty="0"/>
-          </a:p>
-        </p:txBody>
-      </p:sp>
-      <p:pic>
-        <p:nvPicPr>
-          <p:cNvPr id="5" name="Picture 4" descr="Close-up of a calculator keypad">
-            <a:extLst>
-              <a:ext uri="{FF2B5EF4-FFF2-40B4-BE49-F238E27FC236}">
-                <a16:creationId xmlns:a16="http://schemas.microsoft.com/office/drawing/2014/main" id="{2F3FBB60-F0B6-41B5-A824-671D05B86DD4}"/>
-              </a:ext>
-            </a:extLst>
-          </p:cNvPr>
-          <p:cNvPicPr>
-            <a:picLocks noChangeAspect="1"/>
-          </p:cNvPicPr>
-          <p:nvPr/>
-        </p:nvPicPr>
-        <p:blipFill rotWithShape="1">
-          <a:blip r:embed="rId2"/>
-          <a:srcRect l="17139" r="23773" b="-1"/>
-          <a:stretch/>
-        </p:blipFill>
-        <p:spPr>
-          <a:xfrm>
-            <a:off x="20" y="10"/>
-            <a:ext cx="6116549" cy="6857990"/>
-          </a:xfrm>
-          <a:custGeom>
-            <a:avLst/>
-            <a:gdLst/>
-            <a:ahLst/>
-            <a:cxnLst/>
-            <a:rect l="l" t="t" r="r" b="b"/>
-            <a:pathLst>
-              <a:path w="6116569" h="6879321">
-                <a:moveTo>
-                  <a:pt x="0" y="0"/>
-                </a:moveTo>
-                <a:lnTo>
-                  <a:pt x="2935851" y="0"/>
-                </a:lnTo>
-                <a:cubicBezTo>
-                  <a:pt x="3035710" y="10660"/>
-                  <a:pt x="3138421" y="17767"/>
-                  <a:pt x="3238280" y="31980"/>
-                </a:cubicBezTo>
-                <a:cubicBezTo>
-                  <a:pt x="3817462" y="106602"/>
-                  <a:pt x="3127009" y="277163"/>
-                  <a:pt x="3660541" y="550772"/>
-                </a:cubicBezTo>
-                <a:cubicBezTo>
-                  <a:pt x="3706191" y="575645"/>
-                  <a:pt x="3757546" y="579199"/>
-                  <a:pt x="3808902" y="589860"/>
-                </a:cubicBezTo>
-                <a:cubicBezTo>
-                  <a:pt x="4008620" y="625393"/>
-                  <a:pt x="4211192" y="618286"/>
-                  <a:pt x="4413762" y="625393"/>
-                </a:cubicBezTo>
-                <a:cubicBezTo>
-                  <a:pt x="4465118" y="628946"/>
-                  <a:pt x="4525033" y="625393"/>
-                  <a:pt x="4567830" y="721333"/>
-                </a:cubicBezTo>
-                <a:cubicBezTo>
-                  <a:pt x="4425175" y="724888"/>
-                  <a:pt x="4305344" y="731994"/>
-                  <a:pt x="4171247" y="792401"/>
-                </a:cubicBezTo>
-                <a:cubicBezTo>
-                  <a:pt x="4239722" y="859916"/>
-                  <a:pt x="4322462" y="795955"/>
-                  <a:pt x="4376671" y="842148"/>
-                </a:cubicBezTo>
-                <a:cubicBezTo>
-                  <a:pt x="4428027" y="888342"/>
-                  <a:pt x="4470824" y="891896"/>
-                  <a:pt x="4527887" y="813722"/>
-                </a:cubicBezTo>
-                <a:cubicBezTo>
-                  <a:pt x="4556417" y="774634"/>
-                  <a:pt x="4604920" y="778187"/>
-                  <a:pt x="4633452" y="799508"/>
-                </a:cubicBezTo>
-                <a:cubicBezTo>
-                  <a:pt x="4781813" y="913216"/>
-                  <a:pt x="4778960" y="909662"/>
-                  <a:pt x="4947293" y="870576"/>
-                </a:cubicBezTo>
-                <a:cubicBezTo>
-                  <a:pt x="5055712" y="845701"/>
-                  <a:pt x="5166983" y="806615"/>
-                  <a:pt x="5263988" y="820828"/>
-                </a:cubicBezTo>
-                <a:cubicBezTo>
-                  <a:pt x="5275401" y="867022"/>
-                  <a:pt x="5263988" y="888342"/>
-                  <a:pt x="5249723" y="895449"/>
-                </a:cubicBezTo>
-                <a:cubicBezTo>
-                  <a:pt x="5021475" y="1005604"/>
-                  <a:pt x="4975825" y="1122864"/>
-                  <a:pt x="4744723" y="1197485"/>
-                </a:cubicBezTo>
-                <a:cubicBezTo>
-                  <a:pt x="4724751" y="1268552"/>
-                  <a:pt x="4807491" y="1275660"/>
-                  <a:pt x="4767548" y="1346727"/>
-                </a:cubicBezTo>
-                <a:cubicBezTo>
-                  <a:pt x="4693367" y="1407134"/>
-                  <a:pt x="4610627" y="1346727"/>
-                  <a:pt x="4539299" y="1421348"/>
-                </a:cubicBezTo>
-                <a:cubicBezTo>
-                  <a:pt x="4550712" y="1471094"/>
-                  <a:pt x="4610627" y="1432008"/>
-                  <a:pt x="4607773" y="1485309"/>
-                </a:cubicBezTo>
-                <a:cubicBezTo>
-                  <a:pt x="4604920" y="1517288"/>
-                  <a:pt x="4593508" y="1527948"/>
-                  <a:pt x="4579242" y="1535055"/>
-                </a:cubicBezTo>
-                <a:cubicBezTo>
-                  <a:pt x="4776107" y="1538608"/>
-                  <a:pt x="5383820" y="1574142"/>
-                  <a:pt x="5278255" y="1609676"/>
-                </a:cubicBezTo>
-                <a:cubicBezTo>
-                  <a:pt x="5418057" y="1698511"/>
-                  <a:pt x="5623481" y="1609676"/>
-                  <a:pt x="5771843" y="1630997"/>
-                </a:cubicBezTo>
-                <a:cubicBezTo>
-                  <a:pt x="5925911" y="1652316"/>
-                  <a:pt x="6171278" y="1719830"/>
-                  <a:pt x="6105656" y="1748257"/>
-                </a:cubicBezTo>
-                <a:cubicBezTo>
-                  <a:pt x="6031475" y="1780238"/>
-                  <a:pt x="5766136" y="2146235"/>
-                  <a:pt x="5691955" y="2167555"/>
-                </a:cubicBezTo>
-                <a:cubicBezTo>
-                  <a:pt x="5606362" y="2188875"/>
-                  <a:pt x="5589243" y="2217302"/>
-                  <a:pt x="5475118" y="2348776"/>
-                </a:cubicBezTo>
-                <a:cubicBezTo>
-                  <a:pt x="5398085" y="2437610"/>
-                  <a:pt x="5709074" y="2238623"/>
-                  <a:pt x="5826051" y="2291922"/>
-                </a:cubicBezTo>
-                <a:cubicBezTo>
-                  <a:pt x="5868848" y="2309690"/>
-                  <a:pt x="5552153" y="2554872"/>
-                  <a:pt x="5552153" y="2597513"/>
-                </a:cubicBezTo>
-                <a:cubicBezTo>
-                  <a:pt x="5549300" y="2640153"/>
-                  <a:pt x="5577831" y="2647260"/>
-                  <a:pt x="5603508" y="2647260"/>
-                </a:cubicBezTo>
-                <a:cubicBezTo>
-                  <a:pt x="5660571" y="2647260"/>
-                  <a:pt x="5640599" y="2686346"/>
-                  <a:pt x="5700515" y="2679240"/>
-                </a:cubicBezTo>
-                <a:cubicBezTo>
-                  <a:pt x="5523622" y="2800055"/>
-                  <a:pt x="5418057" y="2778734"/>
-                  <a:pt x="5246870" y="2888889"/>
-                </a:cubicBezTo>
-                <a:cubicBezTo>
-                  <a:pt x="5164130" y="2942189"/>
-                  <a:pt x="4921615" y="3119857"/>
-                  <a:pt x="4836022" y="3169605"/>
-                </a:cubicBezTo>
-                <a:cubicBezTo>
-                  <a:pt x="4801785" y="3187371"/>
-                  <a:pt x="4758988" y="3173158"/>
-                  <a:pt x="4736163" y="3233565"/>
-                </a:cubicBezTo>
-                <a:cubicBezTo>
-                  <a:pt x="4770400" y="3279759"/>
-                  <a:pt x="4816050" y="3254885"/>
-                  <a:pt x="4853141" y="3233565"/>
-                </a:cubicBezTo>
-                <a:cubicBezTo>
-                  <a:pt x="4944440" y="3176711"/>
-                  <a:pt x="4935881" y="3190925"/>
-                  <a:pt x="4944440" y="3226459"/>
-                </a:cubicBezTo>
-                <a:cubicBezTo>
-                  <a:pt x="4972972" y="3350827"/>
-                  <a:pt x="5044300" y="3308186"/>
-                  <a:pt x="5109921" y="3283313"/>
-                </a:cubicBezTo>
-                <a:cubicBezTo>
-                  <a:pt x="5303932" y="3208692"/>
-                  <a:pt x="5500797" y="3215799"/>
-                  <a:pt x="5694809" y="3141178"/>
-                </a:cubicBezTo>
-                <a:cubicBezTo>
-                  <a:pt x="5714781" y="3134070"/>
-                  <a:pt x="5612068" y="3283313"/>
-                  <a:pt x="5566419" y="3301079"/>
-                </a:cubicBezTo>
-                <a:cubicBezTo>
-                  <a:pt x="5515063" y="3322399"/>
-                  <a:pt x="5452294" y="3311739"/>
-                  <a:pt x="5415203" y="3397020"/>
-                </a:cubicBezTo>
-                <a:cubicBezTo>
-                  <a:pt x="5477972" y="3414787"/>
-                  <a:pt x="5552153" y="3372147"/>
-                  <a:pt x="5612068" y="3432554"/>
-                </a:cubicBezTo>
-                <a:cubicBezTo>
-                  <a:pt x="5469413" y="3528494"/>
-                  <a:pt x="5329610" y="3535601"/>
-                  <a:pt x="5206927" y="3599562"/>
-                </a:cubicBezTo>
-                <a:cubicBezTo>
-                  <a:pt x="5192661" y="3706163"/>
-                  <a:pt x="5272548" y="3663523"/>
-                  <a:pt x="5301079" y="3723930"/>
-                </a:cubicBezTo>
-                <a:cubicBezTo>
-                  <a:pt x="5072830" y="3844745"/>
-                  <a:pt x="4564977" y="4232062"/>
-                  <a:pt x="4507915" y="4306683"/>
-                </a:cubicBezTo>
-                <a:cubicBezTo>
-                  <a:pt x="4390937" y="4463031"/>
-                  <a:pt x="3900202" y="4562525"/>
-                  <a:pt x="3982942" y="4587399"/>
-                </a:cubicBezTo>
-                <a:cubicBezTo>
-                  <a:pt x="4051417" y="4608719"/>
-                  <a:pt x="4119891" y="4587399"/>
-                  <a:pt x="4185513" y="4541205"/>
-                </a:cubicBezTo>
-                <a:cubicBezTo>
-                  <a:pt x="4291078" y="4466584"/>
-                  <a:pt x="5010062" y="4523438"/>
-                  <a:pt x="5212633" y="4455924"/>
-                </a:cubicBezTo>
-                <a:cubicBezTo>
-                  <a:pt x="5241164" y="4445264"/>
-                  <a:pt x="5283960" y="4409730"/>
-                  <a:pt x="5312492" y="4473691"/>
-                </a:cubicBezTo>
-                <a:cubicBezTo>
-                  <a:pt x="5098508" y="4704659"/>
-                  <a:pt x="4833169" y="4654913"/>
-                  <a:pt x="4596361" y="4818368"/>
-                </a:cubicBezTo>
-                <a:cubicBezTo>
-                  <a:pt x="4684807" y="4917861"/>
-                  <a:pt x="4776107" y="4907202"/>
-                  <a:pt x="4873113" y="4885882"/>
-                </a:cubicBezTo>
-                <a:cubicBezTo>
-                  <a:pt x="4895938" y="4878775"/>
-                  <a:pt x="4930175" y="4871668"/>
-                  <a:pt x="4935881" y="4914309"/>
-                </a:cubicBezTo>
-                <a:cubicBezTo>
-                  <a:pt x="4941587" y="4967609"/>
-                  <a:pt x="4898790" y="4978270"/>
-                  <a:pt x="4873113" y="5003143"/>
-                </a:cubicBezTo>
-                <a:cubicBezTo>
-                  <a:pt x="4833169" y="5038676"/>
-                  <a:pt x="4773254" y="4999590"/>
-                  <a:pt x="4721898" y="5095530"/>
-                </a:cubicBezTo>
-                <a:cubicBezTo>
-                  <a:pt x="4873113" y="5067104"/>
-                  <a:pt x="4998650" y="5020910"/>
-                  <a:pt x="5132745" y="4949842"/>
-                </a:cubicBezTo>
-                <a:cubicBezTo>
-                  <a:pt x="5121333" y="5006696"/>
-                  <a:pt x="5081390" y="5035123"/>
-                  <a:pt x="5101362" y="5081317"/>
-                </a:cubicBezTo>
-                <a:cubicBezTo>
-                  <a:pt x="5118480" y="5116850"/>
-                  <a:pt x="5164130" y="5131063"/>
-                  <a:pt x="5138452" y="5198578"/>
-                </a:cubicBezTo>
-                <a:cubicBezTo>
-                  <a:pt x="5067125" y="5273199"/>
-                  <a:pt x="4967265" y="5258986"/>
-                  <a:pt x="4904497" y="5362033"/>
-                </a:cubicBezTo>
-                <a:cubicBezTo>
-                  <a:pt x="4818903" y="5507721"/>
-                  <a:pt x="4684807" y="5564575"/>
-                  <a:pt x="4579242" y="5674729"/>
-                </a:cubicBezTo>
-                <a:cubicBezTo>
-                  <a:pt x="4545005" y="5713816"/>
-                  <a:pt x="4313903" y="5841738"/>
-                  <a:pt x="4253988" y="5884379"/>
-                </a:cubicBezTo>
-                <a:cubicBezTo>
-                  <a:pt x="4168395" y="5944786"/>
-                  <a:pt x="4071389" y="5966106"/>
-                  <a:pt x="3985795" y="6069153"/>
-                </a:cubicBezTo>
-                <a:cubicBezTo>
-                  <a:pt x="4065682" y="6086921"/>
-                  <a:pt x="4134157" y="5990979"/>
-                  <a:pt x="4231163" y="6030066"/>
-                </a:cubicBezTo>
-                <a:cubicBezTo>
-                  <a:pt x="4074242" y="6133114"/>
-                  <a:pt x="3931586" y="6182861"/>
-                  <a:pt x="3814609" y="6317889"/>
-                </a:cubicBezTo>
-                <a:cubicBezTo>
-                  <a:pt x="3800343" y="6335656"/>
-                  <a:pt x="3771812" y="6332102"/>
-                  <a:pt x="3751840" y="6339209"/>
-                </a:cubicBezTo>
-                <a:cubicBezTo>
-                  <a:pt x="3529298" y="6406723"/>
-                  <a:pt x="3309608" y="6467130"/>
-                  <a:pt x="3089919" y="6563071"/>
-                </a:cubicBezTo>
-                <a:cubicBezTo>
-                  <a:pt x="3041416" y="6584392"/>
-                  <a:pt x="2955823" y="6595052"/>
-                  <a:pt x="2961529" y="6662566"/>
-                </a:cubicBezTo>
-                <a:cubicBezTo>
-                  <a:pt x="2972941" y="6765613"/>
-                  <a:pt x="3055681" y="6687439"/>
-                  <a:pt x="3107038" y="6673226"/>
-                </a:cubicBezTo>
-                <a:cubicBezTo>
-                  <a:pt x="3269664" y="6634138"/>
-                  <a:pt x="3432292" y="6570178"/>
-                  <a:pt x="3594919" y="6591499"/>
-                </a:cubicBezTo>
-                <a:cubicBezTo>
-                  <a:pt x="3483648" y="6637693"/>
-                  <a:pt x="3372376" y="6680332"/>
-                  <a:pt x="3261106" y="6726527"/>
-                </a:cubicBezTo>
-                <a:cubicBezTo>
-                  <a:pt x="3386642" y="6705206"/>
-                  <a:pt x="3495061" y="6786934"/>
-                  <a:pt x="3620597" y="6740740"/>
-                </a:cubicBezTo>
-                <a:cubicBezTo>
-                  <a:pt x="3660541" y="6726527"/>
-                  <a:pt x="3700484" y="6765613"/>
-                  <a:pt x="3703337" y="6826020"/>
-                </a:cubicBezTo>
-                <a:cubicBezTo>
-                  <a:pt x="3706191" y="6847340"/>
-                  <a:pt x="3700484" y="6865108"/>
-                  <a:pt x="3689072" y="6879321"/>
-                </a:cubicBezTo>
-                <a:lnTo>
-                  <a:pt x="0" y="6879321"/>
-                </a:lnTo>
-                <a:close/>
-              </a:path>
-            </a:pathLst>
-          </a:custGeom>
-        </p:spPr>
-      </p:pic>
-      <mc:AlternateContent xmlns:mc="http://schemas.openxmlformats.org/markup-compatibility/2006">
-        <mc:Choice xmlns:a14="http://schemas.microsoft.com/office/drawing/2010/main" Requires="a14">
-          <p:sp>
-            <p:nvSpPr>
-              <p:cNvPr id="3" name="Espace réservé du contenu 2">
-                <a:extLst>
-                  <a:ext uri="{FF2B5EF4-FFF2-40B4-BE49-F238E27FC236}">
-                    <a16:creationId xmlns:a16="http://schemas.microsoft.com/office/drawing/2014/main" id="{D1119173-2AD3-4C96-841D-8677232655EA}"/>
-                  </a:ext>
-                </a:extLst>
-              </p:cNvPr>
-              <p:cNvSpPr>
-                <a:spLocks noGrp="1"/>
-              </p:cNvSpPr>
-              <p:nvPr>
-                <p:ph idx="1"/>
-              </p:nvPr>
-            </p:nvSpPr>
-            <p:spPr>
-              <a:xfrm>
-                <a:off x="6513788" y="2333297"/>
-                <a:ext cx="4840010" cy="3843666"/>
-              </a:xfrm>
-            </p:spPr>
-            <p:txBody>
-              <a:bodyPr>
-                <a:normAutofit/>
-              </a:bodyPr>
-              <a:lstStyle/>
-              <a:p>
-                <a:pPr marL="0" indent="0">
-                  <a:buNone/>
-                </a:pPr>
-                <a:r>
-                  <a:rPr lang="fr-FR" sz="2000" b="1" i="1" dirty="0"/>
-                  <a:t>Purpose : </a:t>
-                </a:r>
-                <a:r>
-                  <a:rPr lang="fr-FR" sz="2000" dirty="0" err="1"/>
-                  <a:t>Find</a:t>
-                </a:r>
-                <a:r>
-                  <a:rPr lang="fr-FR" sz="2000" dirty="0"/>
-                  <a:t> </a:t>
-                </a:r>
-                <a14:m>
-                  <m:oMath xmlns:m="http://schemas.openxmlformats.org/officeDocument/2006/math">
-                    <m:r>
-                      <a:rPr lang="fr-FR" sz="2000" b="0" i="1" smtClean="0">
-                        <a:latin typeface="Cambria Math" panose="02040503050406030204" pitchFamily="18" charset="0"/>
-                      </a:rPr>
-                      <m:t>𝐴</m:t>
-                    </m:r>
-                  </m:oMath>
-                </a14:m>
-                <a:r>
-                  <a:rPr lang="fr-FR" sz="2000" dirty="0"/>
-                  <a:t>, </a:t>
-                </a:r>
-                <a:r>
-                  <a:rPr lang="fr-FR" sz="2000" dirty="0" err="1"/>
-                  <a:t>nondescript</a:t>
-                </a:r>
-                <a:r>
-                  <a:rPr lang="fr-FR" sz="2000" dirty="0"/>
-                  <a:t> matrix, </a:t>
-                </a:r>
-                <a:r>
-                  <a:rPr lang="fr-FR" sz="2000" dirty="0" err="1"/>
-                  <a:t>such</a:t>
-                </a:r>
-                <a:r>
-                  <a:rPr lang="fr-FR" sz="2000" dirty="0"/>
-                  <a:t> </a:t>
-                </a:r>
-                <a:r>
-                  <a:rPr lang="fr-FR" sz="2000" dirty="0" err="1"/>
-                  <a:t>that</a:t>
-                </a:r>
-                <a:r>
-                  <a:rPr lang="fr-FR" sz="2000" dirty="0"/>
-                  <a:t> </a:t>
-                </a:r>
-                <a14:m>
-                  <m:oMath xmlns:m="http://schemas.openxmlformats.org/officeDocument/2006/math">
-                    <m:r>
-                      <m:rPr>
-                        <m:sty m:val="p"/>
-                      </m:rPr>
-                      <a:rPr lang="fr-FR" sz="2000" b="0" i="0" smtClean="0">
-                        <a:latin typeface="Cambria Math" panose="02040503050406030204" pitchFamily="18" charset="0"/>
-                      </a:rPr>
-                      <m:t>A</m:t>
-                    </m:r>
-                    <m:r>
-                      <a:rPr lang="fr-FR" sz="2000" b="0" i="1">
-                        <a:latin typeface="Cambria Math" panose="02040503050406030204" pitchFamily="18" charset="0"/>
-                      </a:rPr>
-                      <m:t>𝑋</m:t>
-                    </m:r>
-                    <m:r>
-                      <a:rPr lang="fr-FR" sz="2000" b="0" i="1">
-                        <a:latin typeface="Cambria Math" panose="02040503050406030204" pitchFamily="18" charset="0"/>
-                      </a:rPr>
-                      <m:t>=</m:t>
-                    </m:r>
-                    <m:r>
-                      <a:rPr lang="fr-FR" sz="2000" b="0" i="1">
-                        <a:latin typeface="Cambria Math" panose="02040503050406030204" pitchFamily="18" charset="0"/>
-                      </a:rPr>
-                      <m:t>𝐵</m:t>
-                    </m:r>
-                  </m:oMath>
-                </a14:m>
-                <a:endParaRPr lang="fr-FR" sz="2000" b="1" i="1" dirty="0"/>
-              </a:p>
-              <a:p>
-                <a:pPr marL="0" indent="0">
-                  <a:buNone/>
-                </a:pPr>
-                <a:endParaRPr lang="fr-FR" sz="2000" b="1" i="1" dirty="0"/>
-              </a:p>
-              <a:p>
-                <a:pPr marL="0" indent="0">
-                  <a:buNone/>
-                </a:pPr>
-                <a:r>
-                  <a:rPr lang="fr-FR" sz="2000" b="1" i="1" dirty="0" err="1"/>
-                  <a:t>Result</a:t>
-                </a:r>
-                <a:r>
-                  <a:rPr lang="fr-FR" sz="2000" b="1" i="1" dirty="0"/>
-                  <a:t> :</a:t>
+                  <a:rPr lang="fr-FR" sz="1800"/>
+                  <a:t>MSE is much smaller than before</a:t>
                 </a:r>
               </a:p>
               <a:p>
                 <a:r>
-                  <a:rPr lang="fr-FR" sz="2000" dirty="0"/>
-                  <a:t>MSE : 0.13</a:t>
-                </a:r>
-              </a:p>
-              <a:p>
-                <a:endParaRPr lang="fr-FR" sz="2000" dirty="0"/>
-              </a:p>
-              <a:p>
-                <a:pPr marL="0" indent="0">
-                  <a:buNone/>
-                </a:pPr>
-                <a:r>
-                  <a:rPr lang="fr-FR" sz="2000" b="1" i="1" dirty="0" err="1"/>
-                  <a:t>Interpretation</a:t>
-                </a:r>
-                <a:r>
-                  <a:rPr lang="fr-FR" sz="2000" b="1" i="1" dirty="0"/>
-                  <a:t> :</a:t>
-                </a:r>
-              </a:p>
-              <a:p>
-                <a:r>
-                  <a:rPr lang="fr-FR" sz="2000" dirty="0"/>
-                  <a:t>MSE </a:t>
-                </a:r>
-                <a:r>
-                  <a:rPr lang="fr-FR" sz="2000" dirty="0" err="1"/>
-                  <a:t>so</a:t>
-                </a:r>
-                <a:r>
-                  <a:rPr lang="fr-FR" sz="2000" dirty="0"/>
-                  <a:t> </a:t>
-                </a:r>
-                <a:r>
-                  <a:rPr lang="fr-FR" sz="2000" dirty="0" err="1"/>
-                  <a:t>much</a:t>
-                </a:r>
-                <a:r>
-                  <a:rPr lang="fr-FR" sz="2000" dirty="0"/>
-                  <a:t> </a:t>
-                </a:r>
-                <a:r>
-                  <a:rPr lang="fr-FR" sz="2000" dirty="0" err="1"/>
-                  <a:t>smaller</a:t>
-                </a:r>
-                <a:endParaRPr lang="fr-FR" sz="2000" dirty="0"/>
-              </a:p>
-              <a:p>
-                <a:r>
-                  <a:rPr lang="fr-FR" sz="2000" dirty="0" err="1"/>
-                  <a:t>Interdependance</a:t>
-                </a:r>
-                <a:r>
-                  <a:rPr lang="fr-FR" sz="2000" dirty="0"/>
-                  <a:t> of </a:t>
-                </a:r>
-                <a:r>
-                  <a:rPr lang="fr-FR" sz="2000" dirty="0" err="1"/>
-                  <a:t>each</a:t>
-                </a:r>
-                <a:r>
-                  <a:rPr lang="fr-FR" sz="2000" dirty="0"/>
-                  <a:t> line</a:t>
+                  <a:rPr lang="fr-FR" sz="1800"/>
+                  <a:t>Each line has an adaptative traffic</a:t>
                 </a:r>
               </a:p>
             </p:txBody>
@@ -19703,13 +18654,13 @@
             </p:nvSpPr>
             <p:spPr>
               <a:xfrm>
-                <a:off x="6513788" y="2333297"/>
-                <a:ext cx="4840010" cy="3843666"/>
+                <a:off x="645066" y="2031101"/>
+                <a:ext cx="4282984" cy="3511943"/>
               </a:xfrm>
               <a:blipFill>
-                <a:blip r:embed="rId3"/>
+                <a:blip r:embed="rId2"/>
                 <a:stretch>
-                  <a:fillRect l="-1387" t="-1746"/>
+                  <a:fillRect l="-1282"/>
                 </a:stretch>
               </a:blipFill>
             </p:spPr>
@@ -19728,6 +18679,866 @@
           </p:sp>
         </mc:Fallback>
       </mc:AlternateContent>
+      <p:sp>
+        <p:nvSpPr>
+          <p:cNvPr id="1030" name="Rectangle 74">
+            <a:extLst>
+              <a:ext uri="{FF2B5EF4-FFF2-40B4-BE49-F238E27FC236}">
+                <a16:creationId xmlns:a16="http://schemas.microsoft.com/office/drawing/2014/main" id="{55222F96-971A-4F90-B841-6BAB416C7AC1}"/>
+              </a:ext>
+              <a:ext uri="{C183D7F6-B498-43B3-948B-1728B52AA6E4}">
+                <adec:decorative xmlns:adec="http://schemas.microsoft.com/office/drawing/2017/decorative" val="1"/>
+              </a:ext>
+            </a:extLst>
+          </p:cNvPr>
+          <p:cNvSpPr>
+            <a:spLocks noGrp="1" noRot="1" noChangeAspect="1" noMove="1" noResize="1" noEditPoints="1" noAdjustHandles="1" noChangeArrowheads="1" noChangeShapeType="1" noTextEdit="1"/>
+          </p:cNvSpPr>
+          <p:nvPr>
+            <p:extLst>
+              <p:ext uri="{386F3935-93C4-4BCD-93E2-E3B085C9AB24}">
+                <p16:designElem xmlns:p16="http://schemas.microsoft.com/office/powerpoint/2015/main" val="1"/>
+              </p:ext>
+            </p:extLst>
+          </p:nvPr>
+        </p:nvSpPr>
+        <p:spPr>
+          <a:xfrm rot="5400000">
+            <a:off x="-225843" y="6053360"/>
+            <a:ext cx="740664" cy="154124"/>
+          </a:xfrm>
+          <a:prstGeom prst="rect">
+            <a:avLst/>
+          </a:prstGeom>
+          <a:solidFill>
+            <a:schemeClr val="accent4"/>
+          </a:solidFill>
+          <a:ln>
+            <a:noFill/>
+          </a:ln>
+        </p:spPr>
+        <p:style>
+          <a:lnRef idx="2">
+            <a:schemeClr val="accent1">
+              <a:shade val="50000"/>
+            </a:schemeClr>
+          </a:lnRef>
+          <a:fillRef idx="1">
+            <a:schemeClr val="accent1"/>
+          </a:fillRef>
+          <a:effectRef idx="0">
+            <a:schemeClr val="accent1"/>
+          </a:effectRef>
+          <a:fontRef idx="minor">
+            <a:schemeClr val="lt1"/>
+          </a:fontRef>
+        </p:style>
+        <p:txBody>
+          <a:bodyPr rtlCol="0" anchor="ctr"/>
+          <a:lstStyle/>
+          <a:p>
+            <a:pPr algn="ctr"/>
+            <a:endParaRPr lang="en-US"/>
+          </a:p>
+        </p:txBody>
+      </p:sp>
+      <p:sp>
+        <p:nvSpPr>
+          <p:cNvPr id="1031" name="Rectangle 76">
+            <a:extLst>
+              <a:ext uri="{FF2B5EF4-FFF2-40B4-BE49-F238E27FC236}">
+                <a16:creationId xmlns:a16="http://schemas.microsoft.com/office/drawing/2014/main" id="{08980754-6F4B-43C9-B9BE-127B6BED6586}"/>
+              </a:ext>
+              <a:ext uri="{C183D7F6-B498-43B3-948B-1728B52AA6E4}">
+                <adec:decorative xmlns:adec="http://schemas.microsoft.com/office/drawing/2017/decorative" val="1"/>
+              </a:ext>
+            </a:extLst>
+          </p:cNvPr>
+          <p:cNvSpPr>
+            <a:spLocks noGrp="1" noRot="1" noChangeAspect="1" noMove="1" noResize="1" noEditPoints="1" noAdjustHandles="1" noChangeArrowheads="1" noChangeShapeType="1" noTextEdit="1"/>
+          </p:cNvSpPr>
+          <p:nvPr>
+            <p:extLst>
+              <p:ext uri="{386F3935-93C4-4BCD-93E2-E3B085C9AB24}">
+                <p16:designElem xmlns:p16="http://schemas.microsoft.com/office/powerpoint/2015/main" val="1"/>
+              </p:ext>
+            </p:extLst>
+          </p:nvPr>
+        </p:nvSpPr>
+        <p:spPr>
+          <a:xfrm rot="5400000">
+            <a:off x="5904923" y="215201"/>
+            <a:ext cx="740664" cy="11833491"/>
+          </a:xfrm>
+          <a:prstGeom prst="rect">
+            <a:avLst/>
+          </a:prstGeom>
+          <a:solidFill>
+            <a:schemeClr val="accent4"/>
+          </a:solidFill>
+          <a:ln>
+            <a:noFill/>
+          </a:ln>
+        </p:spPr>
+        <p:style>
+          <a:lnRef idx="2">
+            <a:schemeClr val="accent1">
+              <a:shade val="50000"/>
+            </a:schemeClr>
+          </a:lnRef>
+          <a:fillRef idx="1">
+            <a:schemeClr val="accent1"/>
+          </a:fillRef>
+          <a:effectRef idx="0">
+            <a:schemeClr val="accent1"/>
+          </a:effectRef>
+          <a:fontRef idx="minor">
+            <a:schemeClr val="lt1"/>
+          </a:fontRef>
+        </p:style>
+        <p:txBody>
+          <a:bodyPr rtlCol="0" anchor="ctr"/>
+          <a:lstStyle/>
+          <a:p>
+            <a:pPr algn="ctr"/>
+            <a:endParaRPr lang="en-US"/>
+          </a:p>
+        </p:txBody>
+      </p:sp>
+      <p:sp>
+        <p:nvSpPr>
+          <p:cNvPr id="1032" name="Rectangle 78">
+            <a:extLst>
+              <a:ext uri="{FF2B5EF4-FFF2-40B4-BE49-F238E27FC236}">
+                <a16:creationId xmlns:a16="http://schemas.microsoft.com/office/drawing/2014/main" id="{2C1BBA94-3F40-40AA-8BB9-E69E25E537C1}"/>
+              </a:ext>
+              <a:ext uri="{C183D7F6-B498-43B3-948B-1728B52AA6E4}">
+                <adec:decorative xmlns:adec="http://schemas.microsoft.com/office/drawing/2017/decorative" val="1"/>
+              </a:ext>
+            </a:extLst>
+          </p:cNvPr>
+          <p:cNvSpPr>
+            <a:spLocks noGrp="1" noRot="1" noChangeAspect="1" noMove="1" noResize="1" noEditPoints="1" noAdjustHandles="1" noChangeArrowheads="1" noChangeShapeType="1" noTextEdit="1"/>
+          </p:cNvSpPr>
+          <p:nvPr>
+            <p:extLst>
+              <p:ext uri="{386F3935-93C4-4BCD-93E2-E3B085C9AB24}">
+                <p16:designElem xmlns:p16="http://schemas.microsoft.com/office/powerpoint/2015/main" val="1"/>
+              </p:ext>
+            </p:extLst>
+          </p:nvPr>
+        </p:nvSpPr>
+        <p:spPr>
+          <a:xfrm>
+            <a:off x="5696793" y="354959"/>
+            <a:ext cx="6184973" cy="5915212"/>
+          </a:xfrm>
+          <a:prstGeom prst="rect">
+            <a:avLst/>
+          </a:prstGeom>
+          <a:solidFill>
+            <a:schemeClr val="bg1"/>
+          </a:solidFill>
+          <a:ln>
+            <a:noFill/>
+          </a:ln>
+          <a:effectLst>
+            <a:outerShdw blurRad="139700" dist="127000" dir="5400000" algn="t" rotWithShape="0">
+              <a:prstClr val="black">
+                <a:alpha val="15000"/>
+              </a:prstClr>
+            </a:outerShdw>
+          </a:effectLst>
+        </p:spPr>
+        <p:style>
+          <a:lnRef idx="2">
+            <a:schemeClr val="accent1">
+              <a:shade val="50000"/>
+            </a:schemeClr>
+          </a:lnRef>
+          <a:fillRef idx="1">
+            <a:schemeClr val="accent1"/>
+          </a:fillRef>
+          <a:effectRef idx="0">
+            <a:schemeClr val="accent1"/>
+          </a:effectRef>
+          <a:fontRef idx="minor">
+            <a:schemeClr val="lt1"/>
+          </a:fontRef>
+        </p:style>
+        <p:txBody>
+          <a:bodyPr rtlCol="0" anchor="ctr"/>
+          <a:lstStyle/>
+          <a:p>
+            <a:pPr algn="ctr"/>
+            <a:endParaRPr lang="en-US"/>
+          </a:p>
+        </p:txBody>
+      </p:sp>
+      <p:pic>
+        <p:nvPicPr>
+          <p:cNvPr id="1026" name="Picture 2" descr="Aucune description disponible.">
+            <a:extLst>
+              <a:ext uri="{FF2B5EF4-FFF2-40B4-BE49-F238E27FC236}">
+                <a16:creationId xmlns:a16="http://schemas.microsoft.com/office/drawing/2014/main" id="{594FAAD6-953E-4D03-BF78-94BC0661326A}"/>
+              </a:ext>
+            </a:extLst>
+          </p:cNvPr>
+          <p:cNvPicPr>
+            <a:picLocks noChangeAspect="1" noChangeArrowheads="1"/>
+          </p:cNvPicPr>
+          <p:nvPr/>
+        </p:nvPicPr>
+        <p:blipFill>
+          <a:blip r:embed="rId3">
+            <a:extLst>
+              <a:ext uri="{28A0092B-C50C-407E-A947-70E740481C1C}">
+                <a14:useLocalDpi xmlns:a14="http://schemas.microsoft.com/office/drawing/2010/main" val="0"/>
+              </a:ext>
+            </a:extLst>
+          </a:blip>
+          <a:stretch>
+            <a:fillRect/>
+          </a:stretch>
+        </p:blipFill>
+        <p:spPr bwMode="auto">
+          <a:xfrm>
+            <a:off x="5987738" y="1312526"/>
+            <a:ext cx="5628018" cy="4000078"/>
+          </a:xfrm>
+          <a:prstGeom prst="rect">
+            <a:avLst/>
+          </a:prstGeom>
+          <a:noFill/>
+          <a:extLst>
+            <a:ext uri="{909E8E84-426E-40DD-AFC4-6F175D3DCCD1}">
+              <a14:hiddenFill xmlns:a14="http://schemas.microsoft.com/office/drawing/2010/main">
+                <a:solidFill>
+                  <a:srgbClr val="FFFFFF"/>
+                </a:solidFill>
+              </a14:hiddenFill>
+            </a:ext>
+          </a:extLst>
+        </p:spPr>
+      </p:pic>
+    </p:spTree>
+    <p:extLst>
+      <p:ext uri="{BB962C8B-B14F-4D97-AF65-F5344CB8AC3E}">
+        <p14:creationId xmlns:p14="http://schemas.microsoft.com/office/powerpoint/2010/main" val="1298214868"/>
+      </p:ext>
+    </p:extLst>
+  </p:cSld>
+  <p:clrMapOvr>
+    <a:masterClrMapping/>
+  </p:clrMapOvr>
+</p:sld>
+</file>
+
+<file path=ppt/slides/slide8.xml><?xml version="1.0" encoding="utf-8"?>
+<p:sld xmlns:a="http://schemas.openxmlformats.org/drawingml/2006/main" xmlns:r="http://schemas.openxmlformats.org/officeDocument/2006/relationships" xmlns:p="http://schemas.openxmlformats.org/presentationml/2006/main">
+  <p:cSld>
+    <p:bg>
+      <p:bgPr>
+        <a:solidFill>
+          <a:schemeClr val="bg1"/>
+        </a:solidFill>
+        <a:effectLst/>
+      </p:bgPr>
+    </p:bg>
+    <p:spTree>
+      <p:nvGrpSpPr>
+        <p:cNvPr id="1" name=""/>
+        <p:cNvGrpSpPr/>
+        <p:nvPr/>
+      </p:nvGrpSpPr>
+      <p:grpSpPr>
+        <a:xfrm>
+          <a:off x="0" y="0"/>
+          <a:ext cx="0" cy="0"/>
+          <a:chOff x="0" y="0"/>
+          <a:chExt cx="0" cy="0"/>
+        </a:xfrm>
+      </p:grpSpPr>
+      <p:sp useBgFill="1">
+        <p:nvSpPr>
+          <p:cNvPr id="71" name="Rectangle 70">
+            <a:extLst>
+              <a:ext uri="{FF2B5EF4-FFF2-40B4-BE49-F238E27FC236}">
+                <a16:creationId xmlns:a16="http://schemas.microsoft.com/office/drawing/2014/main" id="{9A724DBA-D2D9-471E-8ED7-2015DDD950DF}"/>
+              </a:ext>
+              <a:ext uri="{C183D7F6-B498-43B3-948B-1728B52AA6E4}">
+                <adec:decorative xmlns:adec="http://schemas.microsoft.com/office/drawing/2017/decorative" val="1"/>
+              </a:ext>
+            </a:extLst>
+          </p:cNvPr>
+          <p:cNvSpPr>
+            <a:spLocks noGrp="1" noRot="1" noChangeAspect="1" noMove="1" noResize="1" noEditPoints="1" noAdjustHandles="1" noChangeArrowheads="1" noChangeShapeType="1" noTextEdit="1"/>
+          </p:cNvSpPr>
+          <p:nvPr>
+            <p:extLst>
+              <p:ext uri="{386F3935-93C4-4BCD-93E2-E3B085C9AB24}">
+                <p16:designElem xmlns:p16="http://schemas.microsoft.com/office/powerpoint/2015/main" val="1"/>
+              </p:ext>
+            </p:extLst>
+          </p:nvPr>
+        </p:nvSpPr>
+        <p:spPr>
+          <a:xfrm>
+            <a:off x="0" y="0"/>
+            <a:ext cx="12191999" cy="6857365"/>
+          </a:xfrm>
+          <a:prstGeom prst="rect">
+            <a:avLst/>
+          </a:prstGeom>
+          <a:ln>
+            <a:noFill/>
+          </a:ln>
+        </p:spPr>
+        <p:style>
+          <a:lnRef idx="2">
+            <a:schemeClr val="accent1">
+              <a:shade val="50000"/>
+            </a:schemeClr>
+          </a:lnRef>
+          <a:fillRef idx="1">
+            <a:schemeClr val="accent1"/>
+          </a:fillRef>
+          <a:effectRef idx="0">
+            <a:schemeClr val="accent1"/>
+          </a:effectRef>
+          <a:fontRef idx="minor">
+            <a:schemeClr val="lt1"/>
+          </a:fontRef>
+        </p:style>
+        <p:txBody>
+          <a:bodyPr rtlCol="0" anchor="ctr"/>
+          <a:lstStyle/>
+          <a:p>
+            <a:pPr algn="ctr"/>
+            <a:endParaRPr lang="en-US"/>
+          </a:p>
+        </p:txBody>
+      </p:sp>
+      <p:sp>
+        <p:nvSpPr>
+          <p:cNvPr id="2" name="Titre 1">
+            <a:extLst>
+              <a:ext uri="{FF2B5EF4-FFF2-40B4-BE49-F238E27FC236}">
+                <a16:creationId xmlns:a16="http://schemas.microsoft.com/office/drawing/2014/main" id="{86BC546B-4CDE-4620-A51C-83BF2AF3EA63}"/>
+              </a:ext>
+            </a:extLst>
+          </p:cNvPr>
+          <p:cNvSpPr>
+            <a:spLocks noGrp="1"/>
+          </p:cNvSpPr>
+          <p:nvPr>
+            <p:ph type="title"/>
+          </p:nvPr>
+        </p:nvSpPr>
+        <p:spPr>
+          <a:xfrm>
+            <a:off x="7239014" y="525982"/>
+            <a:ext cx="4282983" cy="1200361"/>
+          </a:xfrm>
+        </p:spPr>
+        <p:txBody>
+          <a:bodyPr anchor="b">
+            <a:normAutofit/>
+          </a:bodyPr>
+          <a:lstStyle/>
+          <a:p>
+            <a:r>
+              <a:rPr lang="fr-FR" sz="3600"/>
+              <a:t>Linear Regression in C++</a:t>
+            </a:r>
+          </a:p>
+        </p:txBody>
+      </p:sp>
+      <p:sp>
+        <p:nvSpPr>
+          <p:cNvPr id="73" name="Rectangle 72">
+            <a:extLst>
+              <a:ext uri="{FF2B5EF4-FFF2-40B4-BE49-F238E27FC236}">
+                <a16:creationId xmlns:a16="http://schemas.microsoft.com/office/drawing/2014/main" id="{08980754-6F4B-43C9-B9BE-127B6BED6586}"/>
+              </a:ext>
+              <a:ext uri="{C183D7F6-B498-43B3-948B-1728B52AA6E4}">
+                <adec:decorative xmlns:adec="http://schemas.microsoft.com/office/drawing/2017/decorative" val="1"/>
+              </a:ext>
+            </a:extLst>
+          </p:cNvPr>
+          <p:cNvSpPr>
+            <a:spLocks noGrp="1" noRot="1" noChangeAspect="1" noMove="1" noResize="1" noEditPoints="1" noAdjustHandles="1" noChangeArrowheads="1" noChangeShapeType="1" noTextEdit="1"/>
+          </p:cNvSpPr>
+          <p:nvPr>
+            <p:extLst>
+              <p:ext uri="{386F3935-93C4-4BCD-93E2-E3B085C9AB24}">
+                <p16:designElem xmlns:p16="http://schemas.microsoft.com/office/powerpoint/2015/main" val="1"/>
+              </p:ext>
+            </p:extLst>
+          </p:nvPr>
+        </p:nvSpPr>
+        <p:spPr>
+          <a:xfrm rot="5400000">
+            <a:off x="5546413" y="215201"/>
+            <a:ext cx="740664" cy="11833491"/>
+          </a:xfrm>
+          <a:prstGeom prst="rect">
+            <a:avLst/>
+          </a:prstGeom>
+          <a:solidFill>
+            <a:schemeClr val="accent4"/>
+          </a:solidFill>
+          <a:ln>
+            <a:noFill/>
+          </a:ln>
+        </p:spPr>
+        <p:style>
+          <a:lnRef idx="2">
+            <a:schemeClr val="accent1">
+              <a:shade val="50000"/>
+            </a:schemeClr>
+          </a:lnRef>
+          <a:fillRef idx="1">
+            <a:schemeClr val="accent1"/>
+          </a:fillRef>
+          <a:effectRef idx="0">
+            <a:schemeClr val="accent1"/>
+          </a:effectRef>
+          <a:fontRef idx="minor">
+            <a:schemeClr val="lt1"/>
+          </a:fontRef>
+        </p:style>
+        <p:txBody>
+          <a:bodyPr rtlCol="0" anchor="ctr"/>
+          <a:lstStyle/>
+          <a:p>
+            <a:pPr algn="ctr"/>
+            <a:endParaRPr lang="en-US"/>
+          </a:p>
+        </p:txBody>
+      </p:sp>
+      <p:sp>
+        <p:nvSpPr>
+          <p:cNvPr id="75" name="Rectangle 74">
+            <a:extLst>
+              <a:ext uri="{FF2B5EF4-FFF2-40B4-BE49-F238E27FC236}">
+                <a16:creationId xmlns:a16="http://schemas.microsoft.com/office/drawing/2014/main" id="{2C1BBA94-3F40-40AA-8BB9-E69E25E537C1}"/>
+              </a:ext>
+              <a:ext uri="{C183D7F6-B498-43B3-948B-1728B52AA6E4}">
+                <adec:decorative xmlns:adec="http://schemas.microsoft.com/office/drawing/2017/decorative" val="1"/>
+              </a:ext>
+            </a:extLst>
+          </p:cNvPr>
+          <p:cNvSpPr>
+            <a:spLocks noGrp="1" noRot="1" noChangeAspect="1" noMove="1" noResize="1" noEditPoints="1" noAdjustHandles="1" noChangeArrowheads="1" noChangeShapeType="1" noTextEdit="1"/>
+          </p:cNvSpPr>
+          <p:nvPr>
+            <p:extLst>
+              <p:ext uri="{386F3935-93C4-4BCD-93E2-E3B085C9AB24}">
+                <p16:designElem xmlns:p16="http://schemas.microsoft.com/office/powerpoint/2015/main" val="1"/>
+              </p:ext>
+            </p:extLst>
+          </p:nvPr>
+        </p:nvSpPr>
+        <p:spPr>
+          <a:xfrm>
+            <a:off x="310234" y="354959"/>
+            <a:ext cx="6184973" cy="5915212"/>
+          </a:xfrm>
+          <a:prstGeom prst="rect">
+            <a:avLst/>
+          </a:prstGeom>
+          <a:solidFill>
+            <a:schemeClr val="bg1"/>
+          </a:solidFill>
+          <a:ln>
+            <a:noFill/>
+          </a:ln>
+          <a:effectLst>
+            <a:outerShdw blurRad="139700" dist="127000" dir="5400000" algn="t" rotWithShape="0">
+              <a:prstClr val="black">
+                <a:alpha val="15000"/>
+              </a:prstClr>
+            </a:outerShdw>
+          </a:effectLst>
+        </p:spPr>
+        <p:style>
+          <a:lnRef idx="2">
+            <a:schemeClr val="accent1">
+              <a:shade val="50000"/>
+            </a:schemeClr>
+          </a:lnRef>
+          <a:fillRef idx="1">
+            <a:schemeClr val="accent1"/>
+          </a:fillRef>
+          <a:effectRef idx="0">
+            <a:schemeClr val="accent1"/>
+          </a:effectRef>
+          <a:fontRef idx="minor">
+            <a:schemeClr val="lt1"/>
+          </a:fontRef>
+        </p:style>
+        <p:txBody>
+          <a:bodyPr rtlCol="0" anchor="ctr"/>
+          <a:lstStyle/>
+          <a:p>
+            <a:pPr algn="ctr"/>
+            <a:endParaRPr lang="en-US"/>
+          </a:p>
+        </p:txBody>
+      </p:sp>
+      <p:pic>
+        <p:nvPicPr>
+          <p:cNvPr id="2050" name="Picture 2" descr="Aucune description disponible.">
+            <a:extLst>
+              <a:ext uri="{FF2B5EF4-FFF2-40B4-BE49-F238E27FC236}">
+                <a16:creationId xmlns:a16="http://schemas.microsoft.com/office/drawing/2014/main" id="{FFBD56B3-4857-422B-8F4F-D554B00DB699}"/>
+              </a:ext>
+            </a:extLst>
+          </p:cNvPr>
+          <p:cNvPicPr>
+            <a:picLocks noChangeAspect="1" noChangeArrowheads="1"/>
+          </p:cNvPicPr>
+          <p:nvPr/>
+        </p:nvPicPr>
+        <p:blipFill>
+          <a:blip r:embed="rId2">
+            <a:extLst>
+              <a:ext uri="{28A0092B-C50C-407E-A947-70E740481C1C}">
+                <a14:useLocalDpi xmlns:a14="http://schemas.microsoft.com/office/drawing/2010/main" val="0"/>
+              </a:ext>
+            </a:extLst>
+          </a:blip>
+          <a:stretch>
+            <a:fillRect/>
+          </a:stretch>
+        </p:blipFill>
+        <p:spPr bwMode="auto">
+          <a:xfrm>
+            <a:off x="576244" y="1385262"/>
+            <a:ext cx="5628018" cy="3854606"/>
+          </a:xfrm>
+          <a:prstGeom prst="rect">
+            <a:avLst/>
+          </a:prstGeom>
+          <a:noFill/>
+          <a:extLst>
+            <a:ext uri="{909E8E84-426E-40DD-AFC4-6F175D3DCCD1}">
+              <a14:hiddenFill xmlns:a14="http://schemas.microsoft.com/office/drawing/2010/main">
+                <a:solidFill>
+                  <a:srgbClr val="FFFFFF"/>
+                </a:solidFill>
+              </a14:hiddenFill>
+            </a:ext>
+          </a:extLst>
+        </p:spPr>
+      </p:pic>
+      <p:sp>
+        <p:nvSpPr>
+          <p:cNvPr id="77" name="Rectangle 76">
+            <a:extLst>
+              <a:ext uri="{FF2B5EF4-FFF2-40B4-BE49-F238E27FC236}">
+                <a16:creationId xmlns:a16="http://schemas.microsoft.com/office/drawing/2014/main" id="{169CC832-2974-4E8D-90ED-3E2941BA7336}"/>
+              </a:ext>
+              <a:ext uri="{C183D7F6-B498-43B3-948B-1728B52AA6E4}">
+                <adec:decorative xmlns:adec="http://schemas.microsoft.com/office/drawing/2017/decorative" val="1"/>
+              </a:ext>
+            </a:extLst>
+          </p:cNvPr>
+          <p:cNvSpPr>
+            <a:spLocks noGrp="1" noRot="1" noChangeAspect="1" noMove="1" noResize="1" noEditPoints="1" noAdjustHandles="1" noChangeArrowheads="1" noChangeShapeType="1" noTextEdit="1"/>
+          </p:cNvSpPr>
+          <p:nvPr>
+            <p:extLst>
+              <p:ext uri="{386F3935-93C4-4BCD-93E2-E3B085C9AB24}">
+                <p16:designElem xmlns:p16="http://schemas.microsoft.com/office/powerpoint/2015/main" val="1"/>
+              </p:ext>
+            </p:extLst>
+          </p:nvPr>
+        </p:nvSpPr>
+        <p:spPr>
+          <a:xfrm flipH="1">
+            <a:off x="7277786" y="1944913"/>
+            <a:ext cx="4023360" cy="27432"/>
+          </a:xfrm>
+          <a:prstGeom prst="rect">
+            <a:avLst/>
+          </a:prstGeom>
+          <a:solidFill>
+            <a:schemeClr val="accent4"/>
+          </a:solidFill>
+          <a:ln>
+            <a:noFill/>
+          </a:ln>
+        </p:spPr>
+        <p:style>
+          <a:lnRef idx="2">
+            <a:schemeClr val="accent1">
+              <a:shade val="50000"/>
+            </a:schemeClr>
+          </a:lnRef>
+          <a:fillRef idx="1">
+            <a:schemeClr val="accent1"/>
+          </a:fillRef>
+          <a:effectRef idx="0">
+            <a:schemeClr val="accent1"/>
+          </a:effectRef>
+          <a:fontRef idx="minor">
+            <a:schemeClr val="lt1"/>
+          </a:fontRef>
+        </p:style>
+        <p:txBody>
+          <a:bodyPr rtlCol="0" anchor="ctr"/>
+          <a:lstStyle/>
+          <a:p>
+            <a:pPr algn="ctr"/>
+            <a:endParaRPr lang="en-US"/>
+          </a:p>
+        </p:txBody>
+      </p:sp>
+      <mc:AlternateContent xmlns:mc="http://schemas.openxmlformats.org/markup-compatibility/2006">
+        <mc:Choice xmlns:a14="http://schemas.microsoft.com/office/drawing/2010/main" Requires="a14">
+          <p:sp>
+            <p:nvSpPr>
+              <p:cNvPr id="3" name="Espace réservé du contenu 2">
+                <a:extLst>
+                  <a:ext uri="{FF2B5EF4-FFF2-40B4-BE49-F238E27FC236}">
+                    <a16:creationId xmlns:a16="http://schemas.microsoft.com/office/drawing/2014/main" id="{D1119173-2AD3-4C96-841D-8677232655EA}"/>
+                  </a:ext>
+                </a:extLst>
+              </p:cNvPr>
+              <p:cNvSpPr>
+                <a:spLocks noGrp="1"/>
+              </p:cNvSpPr>
+              <p:nvPr>
+                <p:ph idx="1"/>
+              </p:nvPr>
+            </p:nvSpPr>
+            <p:spPr>
+              <a:xfrm>
+                <a:off x="7239012" y="2031101"/>
+                <a:ext cx="4282984" cy="3511943"/>
+              </a:xfrm>
+            </p:spPr>
+            <p:txBody>
+              <a:bodyPr anchor="ctr">
+                <a:normAutofit/>
+              </a:bodyPr>
+              <a:lstStyle/>
+              <a:p>
+                <a:pPr marL="0" indent="0">
+                  <a:buNone/>
+                </a:pPr>
+                <a:r>
+                  <a:rPr lang="fr-FR" sz="1800" b="1" i="1"/>
+                  <a:t>Purpose : </a:t>
+                </a:r>
+                <a:r>
+                  <a:rPr lang="fr-FR" sz="1800"/>
+                  <a:t>Find </a:t>
+                </a:r>
+                <a14:m>
+                  <m:oMath xmlns:m="http://schemas.openxmlformats.org/officeDocument/2006/math">
+                    <m:r>
+                      <a:rPr lang="fr-FR" sz="1800" b="0" i="1">
+                        <a:latin typeface="Cambria Math" panose="02040503050406030204" pitchFamily="18" charset="0"/>
+                      </a:rPr>
+                      <m:t>𝐴</m:t>
+                    </m:r>
+                  </m:oMath>
+                </a14:m>
+                <a:r>
+                  <a:rPr lang="fr-FR" sz="1800"/>
+                  <a:t>, nondescript matrix, such that </a:t>
+                </a:r>
+                <a14:m>
+                  <m:oMath xmlns:m="http://schemas.openxmlformats.org/officeDocument/2006/math">
+                    <m:r>
+                      <m:rPr>
+                        <m:sty m:val="p"/>
+                      </m:rPr>
+                      <a:rPr lang="fr-FR" sz="1800" b="0" i="0">
+                        <a:latin typeface="Cambria Math" panose="02040503050406030204" pitchFamily="18" charset="0"/>
+                      </a:rPr>
+                      <m:t>A</m:t>
+                    </m:r>
+                    <m:r>
+                      <a:rPr lang="fr-FR" sz="1800" b="0" i="1">
+                        <a:latin typeface="Cambria Math" panose="02040503050406030204" pitchFamily="18" charset="0"/>
+                      </a:rPr>
+                      <m:t>𝑋</m:t>
+                    </m:r>
+                    <m:r>
+                      <a:rPr lang="fr-FR" sz="1800" b="0" i="1">
+                        <a:latin typeface="Cambria Math" panose="02040503050406030204" pitchFamily="18" charset="0"/>
+                      </a:rPr>
+                      <m:t>=</m:t>
+                    </m:r>
+                    <m:r>
+                      <a:rPr lang="fr-FR" sz="1800" b="0" i="1">
+                        <a:latin typeface="Cambria Math" panose="02040503050406030204" pitchFamily="18" charset="0"/>
+                      </a:rPr>
+                      <m:t>𝐵</m:t>
+                    </m:r>
+                  </m:oMath>
+                </a14:m>
+                <a:endParaRPr lang="fr-FR" sz="1800" b="1" i="1"/>
+              </a:p>
+              <a:p>
+                <a:pPr marL="0" indent="0">
+                  <a:buNone/>
+                </a:pPr>
+                <a:endParaRPr lang="fr-FR" sz="1800" b="1" i="1"/>
+              </a:p>
+              <a:p>
+                <a:pPr marL="0" indent="0">
+                  <a:buNone/>
+                </a:pPr>
+                <a:r>
+                  <a:rPr lang="fr-FR" sz="1800" b="1" i="1"/>
+                  <a:t>Result :</a:t>
+                </a:r>
+              </a:p>
+              <a:p>
+                <a:r>
+                  <a:rPr lang="fr-FR" sz="1800"/>
+                  <a:t>MSE : 0.13</a:t>
+                </a:r>
+              </a:p>
+              <a:p>
+                <a:endParaRPr lang="fr-FR" sz="1800"/>
+              </a:p>
+              <a:p>
+                <a:pPr marL="0" indent="0">
+                  <a:buNone/>
+                </a:pPr>
+                <a:r>
+                  <a:rPr lang="fr-FR" sz="1800" b="1" i="1"/>
+                  <a:t>Interpretation :</a:t>
+                </a:r>
+              </a:p>
+              <a:p>
+                <a:r>
+                  <a:rPr lang="fr-FR" sz="1800"/>
+                  <a:t>MSE so much smaller</a:t>
+                </a:r>
+              </a:p>
+              <a:p>
+                <a:r>
+                  <a:rPr lang="fr-FR" sz="1800"/>
+                  <a:t>Interdependance of each line</a:t>
+                </a:r>
+              </a:p>
+            </p:txBody>
+          </p:sp>
+        </mc:Choice>
+        <mc:Fallback>
+          <p:sp>
+            <p:nvSpPr>
+              <p:cNvPr id="3" name="Espace réservé du contenu 2">
+                <a:extLst>
+                  <a:ext uri="{FF2B5EF4-FFF2-40B4-BE49-F238E27FC236}">
+                    <a16:creationId xmlns:a16="http://schemas.microsoft.com/office/drawing/2014/main" id="{D1119173-2AD3-4C96-841D-8677232655EA}"/>
+                  </a:ext>
+                </a:extLst>
+              </p:cNvPr>
+              <p:cNvSpPr>
+                <a:spLocks noGrp="1" noRot="1" noChangeAspect="1" noMove="1" noResize="1" noEditPoints="1" noAdjustHandles="1" noChangeArrowheads="1" noChangeShapeType="1" noTextEdit="1"/>
+              </p:cNvSpPr>
+              <p:nvPr>
+                <p:ph idx="1"/>
+              </p:nvPr>
+            </p:nvSpPr>
+            <p:spPr>
+              <a:xfrm>
+                <a:off x="7239012" y="2031101"/>
+                <a:ext cx="4282984" cy="3511943"/>
+              </a:xfrm>
+              <a:blipFill>
+                <a:blip r:embed="rId3"/>
+                <a:stretch>
+                  <a:fillRect l="-1282"/>
+                </a:stretch>
+              </a:blipFill>
+            </p:spPr>
+            <p:txBody>
+              <a:bodyPr/>
+              <a:lstStyle/>
+              <a:p>
+                <a:r>
+                  <a:rPr lang="fr-FR">
+                    <a:noFill/>
+                  </a:rPr>
+                  <a:t> </a:t>
+                </a:r>
+              </a:p>
+            </p:txBody>
+          </p:sp>
+        </mc:Fallback>
+      </mc:AlternateContent>
+      <p:sp>
+        <p:nvSpPr>
+          <p:cNvPr id="79" name="Rectangle 78">
+            <a:extLst>
+              <a:ext uri="{FF2B5EF4-FFF2-40B4-BE49-F238E27FC236}">
+                <a16:creationId xmlns:a16="http://schemas.microsoft.com/office/drawing/2014/main" id="{55222F96-971A-4F90-B841-6BAB416C7AC1}"/>
+              </a:ext>
+              <a:ext uri="{C183D7F6-B498-43B3-948B-1728B52AA6E4}">
+                <adec:decorative xmlns:adec="http://schemas.microsoft.com/office/drawing/2017/decorative" val="1"/>
+              </a:ext>
+            </a:extLst>
+          </p:cNvPr>
+          <p:cNvSpPr>
+            <a:spLocks noGrp="1" noRot="1" noChangeAspect="1" noMove="1" noResize="1" noEditPoints="1" noAdjustHandles="1" noChangeArrowheads="1" noChangeShapeType="1" noTextEdit="1"/>
+          </p:cNvSpPr>
+          <p:nvPr>
+            <p:extLst>
+              <p:ext uri="{386F3935-93C4-4BCD-93E2-E3B085C9AB24}">
+                <p16:designElem xmlns:p16="http://schemas.microsoft.com/office/powerpoint/2015/main" val="1"/>
+              </p:ext>
+            </p:extLst>
+          </p:nvPr>
+        </p:nvSpPr>
+        <p:spPr>
+          <a:xfrm rot="5400000">
+            <a:off x="11677179" y="6053360"/>
+            <a:ext cx="740664" cy="154124"/>
+          </a:xfrm>
+          <a:prstGeom prst="rect">
+            <a:avLst/>
+          </a:prstGeom>
+          <a:solidFill>
+            <a:schemeClr val="accent4"/>
+          </a:solidFill>
+          <a:ln>
+            <a:noFill/>
+          </a:ln>
+        </p:spPr>
+        <p:style>
+          <a:lnRef idx="2">
+            <a:schemeClr val="accent1">
+              <a:shade val="50000"/>
+            </a:schemeClr>
+          </a:lnRef>
+          <a:fillRef idx="1">
+            <a:schemeClr val="accent1"/>
+          </a:fillRef>
+          <a:effectRef idx="0">
+            <a:schemeClr val="accent1"/>
+          </a:effectRef>
+          <a:fontRef idx="minor">
+            <a:schemeClr val="lt1"/>
+          </a:fontRef>
+        </p:style>
+        <p:txBody>
+          <a:bodyPr rtlCol="0" anchor="ctr"/>
+          <a:lstStyle/>
+          <a:p>
+            <a:pPr algn="ctr"/>
+            <a:endParaRPr lang="en-US"/>
+          </a:p>
+        </p:txBody>
+      </p:sp>
     </p:spTree>
     <p:extLst>
       <p:ext uri="{BB962C8B-B14F-4D97-AF65-F5344CB8AC3E}">

--- a/Presentation INF442.pptx
+++ b/Presentation INF442.pptx
@@ -1828,925 +1828,6 @@
       <a:schemeClr val="accent4"/>
       <a:schemeClr val="accent5"/>
       <a:schemeClr val="accent6"/>
-    </dgm:txFillClrLst>
-    <dgm:txEffectClrLst/>
-  </dgm:styleLbl>
-</dgm:colorsDef>
-</file>
-
-<file path=ppt/diagrams/colors3.xml><?xml version="1.0" encoding="utf-8"?>
-<dgm:colorsDef xmlns:dgm="http://schemas.openxmlformats.org/drawingml/2006/diagram" xmlns:a="http://schemas.openxmlformats.org/drawingml/2006/main" uniqueId="urn:microsoft.com/office/officeart/2005/8/colors/colorful1">
-  <dgm:title val=""/>
-  <dgm:desc val=""/>
-  <dgm:catLst>
-    <dgm:cat type="colorful" pri="10100"/>
-  </dgm:catLst>
-  <dgm:styleLbl name="node0">
-    <dgm:fillClrLst meth="repeat">
-      <a:schemeClr val="accent1"/>
-    </dgm:fillClrLst>
-    <dgm:linClrLst meth="repeat">
-      <a:schemeClr val="lt1"/>
-    </dgm:linClrLst>
-    <dgm:effectClrLst/>
-    <dgm:txLinClrLst/>
-    <dgm:txFillClrLst/>
-    <dgm:txEffectClrLst/>
-  </dgm:styleLbl>
-  <dgm:styleLbl name="node1">
-    <dgm:fillClrLst meth="repeat">
-      <a:schemeClr val="accent2"/>
-      <a:schemeClr val="accent3"/>
-      <a:schemeClr val="accent4"/>
-      <a:schemeClr val="accent5"/>
-      <a:schemeClr val="accent6"/>
-    </dgm:fillClrLst>
-    <dgm:linClrLst meth="repeat">
-      <a:schemeClr val="lt1"/>
-    </dgm:linClrLst>
-    <dgm:effectClrLst/>
-    <dgm:txLinClrLst/>
-    <dgm:txFillClrLst/>
-    <dgm:txEffectClrLst/>
-  </dgm:styleLbl>
-  <dgm:styleLbl name="alignNode1">
-    <dgm:fillClrLst meth="repeat">
-      <a:schemeClr val="accent2"/>
-      <a:schemeClr val="accent3"/>
-      <a:schemeClr val="accent4"/>
-      <a:schemeClr val="accent5"/>
-      <a:schemeClr val="accent6"/>
-    </dgm:fillClrLst>
-    <dgm:linClrLst meth="repeat">
-      <a:schemeClr val="accent2"/>
-      <a:schemeClr val="accent3"/>
-      <a:schemeClr val="accent4"/>
-      <a:schemeClr val="accent5"/>
-      <a:schemeClr val="accent6"/>
-    </dgm:linClrLst>
-    <dgm:effectClrLst/>
-    <dgm:txLinClrLst/>
-    <dgm:txFillClrLst/>
-    <dgm:txEffectClrLst/>
-  </dgm:styleLbl>
-  <dgm:styleLbl name="lnNode1">
-    <dgm:fillClrLst meth="repeat">
-      <a:schemeClr val="accent2"/>
-      <a:schemeClr val="accent3"/>
-      <a:schemeClr val="accent4"/>
-      <a:schemeClr val="accent5"/>
-      <a:schemeClr val="accent6"/>
-    </dgm:fillClrLst>
-    <dgm:linClrLst meth="repeat">
-      <a:schemeClr val="lt1"/>
-    </dgm:linClrLst>
-    <dgm:effectClrLst/>
-    <dgm:txLinClrLst/>
-    <dgm:txFillClrLst/>
-    <dgm:txEffectClrLst/>
-  </dgm:styleLbl>
-  <dgm:styleLbl name="vennNode1">
-    <dgm:fillClrLst meth="repeat">
-      <a:schemeClr val="accent2">
-        <a:alpha val="50000"/>
-      </a:schemeClr>
-      <a:schemeClr val="accent3">
-        <a:alpha val="50000"/>
-      </a:schemeClr>
-      <a:schemeClr val="accent4">
-        <a:alpha val="50000"/>
-      </a:schemeClr>
-      <a:schemeClr val="accent5">
-        <a:alpha val="50000"/>
-      </a:schemeClr>
-      <a:schemeClr val="accent6">
-        <a:alpha val="50000"/>
-      </a:schemeClr>
-    </dgm:fillClrLst>
-    <dgm:linClrLst meth="repeat">
-      <a:schemeClr val="lt1"/>
-    </dgm:linClrLst>
-    <dgm:effectClrLst/>
-    <dgm:txLinClrLst/>
-    <dgm:txFillClrLst/>
-    <dgm:txEffectClrLst/>
-  </dgm:styleLbl>
-  <dgm:styleLbl name="node2">
-    <dgm:fillClrLst>
-      <a:schemeClr val="accent2"/>
-    </dgm:fillClrLst>
-    <dgm:linClrLst meth="repeat">
-      <a:schemeClr val="lt1"/>
-    </dgm:linClrLst>
-    <dgm:effectClrLst/>
-    <dgm:txLinClrLst/>
-    <dgm:txFillClrLst/>
-    <dgm:txEffectClrLst/>
-  </dgm:styleLbl>
-  <dgm:styleLbl name="node3">
-    <dgm:fillClrLst>
-      <a:schemeClr val="accent3"/>
-    </dgm:fillClrLst>
-    <dgm:linClrLst meth="repeat">
-      <a:schemeClr val="lt1"/>
-    </dgm:linClrLst>
-    <dgm:effectClrLst/>
-    <dgm:txLinClrLst/>
-    <dgm:txFillClrLst/>
-    <dgm:txEffectClrLst/>
-  </dgm:styleLbl>
-  <dgm:styleLbl name="node4">
-    <dgm:fillClrLst>
-      <a:schemeClr val="accent4"/>
-    </dgm:fillClrLst>
-    <dgm:linClrLst meth="repeat">
-      <a:schemeClr val="lt1"/>
-    </dgm:linClrLst>
-    <dgm:effectClrLst/>
-    <dgm:txLinClrLst/>
-    <dgm:txFillClrLst/>
-    <dgm:txEffectClrLst/>
-  </dgm:styleLbl>
-  <dgm:styleLbl name="fgImgPlace1">
-    <dgm:fillClrLst meth="repeat">
-      <a:schemeClr val="accent2">
-        <a:tint val="50000"/>
-      </a:schemeClr>
-      <a:schemeClr val="accent3">
-        <a:tint val="50000"/>
-      </a:schemeClr>
-      <a:schemeClr val="accent4">
-        <a:tint val="50000"/>
-      </a:schemeClr>
-      <a:schemeClr val="accent5">
-        <a:tint val="50000"/>
-      </a:schemeClr>
-      <a:schemeClr val="accent6">
-        <a:tint val="50000"/>
-      </a:schemeClr>
-    </dgm:fillClrLst>
-    <dgm:linClrLst meth="repeat">
-      <a:schemeClr val="lt1"/>
-    </dgm:linClrLst>
-    <dgm:effectClrLst/>
-    <dgm:txLinClrLst/>
-    <dgm:txFillClrLst meth="repeat">
-      <a:schemeClr val="lt1"/>
-    </dgm:txFillClrLst>
-    <dgm:txEffectClrLst/>
-  </dgm:styleLbl>
-  <dgm:styleLbl name="alignImgPlace1">
-    <dgm:fillClrLst>
-      <a:schemeClr val="accent1">
-        <a:tint val="50000"/>
-      </a:schemeClr>
-      <a:schemeClr val="accent2">
-        <a:tint val="20000"/>
-      </a:schemeClr>
-    </dgm:fillClrLst>
-    <dgm:linClrLst meth="repeat">
-      <a:schemeClr val="lt1"/>
-    </dgm:linClrLst>
-    <dgm:effectClrLst/>
-    <dgm:txLinClrLst/>
-    <dgm:txFillClrLst meth="repeat">
-      <a:schemeClr val="lt1"/>
-    </dgm:txFillClrLst>
-    <dgm:txEffectClrLst/>
-  </dgm:styleLbl>
-  <dgm:styleLbl name="bgImgPlace1">
-    <dgm:fillClrLst>
-      <a:schemeClr val="accent1">
-        <a:tint val="50000"/>
-      </a:schemeClr>
-      <a:schemeClr val="accent2">
-        <a:tint val="20000"/>
-      </a:schemeClr>
-    </dgm:fillClrLst>
-    <dgm:linClrLst meth="repeat">
-      <a:schemeClr val="lt1"/>
-    </dgm:linClrLst>
-    <dgm:effectClrLst/>
-    <dgm:txLinClrLst/>
-    <dgm:txFillClrLst meth="repeat">
-      <a:schemeClr val="lt1"/>
-    </dgm:txFillClrLst>
-    <dgm:txEffectClrLst/>
-  </dgm:styleLbl>
-  <dgm:styleLbl name="sibTrans2D1">
-    <dgm:fillClrLst meth="repeat">
-      <a:schemeClr val="accent2"/>
-      <a:schemeClr val="accent3"/>
-      <a:schemeClr val="accent4"/>
-      <a:schemeClr val="accent5"/>
-      <a:schemeClr val="accent6"/>
-    </dgm:fillClrLst>
-    <dgm:linClrLst meth="cycle">
-      <a:schemeClr val="lt1"/>
-    </dgm:linClrLst>
-    <dgm:effectClrLst/>
-    <dgm:txLinClrLst/>
-    <dgm:txFillClrLst/>
-    <dgm:txEffectClrLst/>
-  </dgm:styleLbl>
-  <dgm:styleLbl name="fgSibTrans2D1">
-    <dgm:fillClrLst meth="repeat">
-      <a:schemeClr val="accent2"/>
-      <a:schemeClr val="accent3"/>
-      <a:schemeClr val="accent4"/>
-      <a:schemeClr val="accent5"/>
-      <a:schemeClr val="accent6"/>
-    </dgm:fillClrLst>
-    <dgm:linClrLst meth="cycle">
-      <a:schemeClr val="lt1"/>
-    </dgm:linClrLst>
-    <dgm:effectClrLst/>
-    <dgm:txLinClrLst/>
-    <dgm:txFillClrLst meth="repeat">
-      <a:schemeClr val="lt1"/>
-    </dgm:txFillClrLst>
-    <dgm:txEffectClrLst/>
-  </dgm:styleLbl>
-  <dgm:styleLbl name="bgSibTrans2D1">
-    <dgm:fillClrLst meth="repeat">
-      <a:schemeClr val="accent2"/>
-      <a:schemeClr val="accent3"/>
-      <a:schemeClr val="accent4"/>
-      <a:schemeClr val="accent5"/>
-      <a:schemeClr val="accent6"/>
-    </dgm:fillClrLst>
-    <dgm:linClrLst meth="cycle">
-      <a:schemeClr val="lt1"/>
-    </dgm:linClrLst>
-    <dgm:effectClrLst/>
-    <dgm:txLinClrLst/>
-    <dgm:txFillClrLst meth="repeat">
-      <a:schemeClr val="lt1"/>
-    </dgm:txFillClrLst>
-    <dgm:txEffectClrLst/>
-  </dgm:styleLbl>
-  <dgm:styleLbl name="sibTrans1D1">
-    <dgm:fillClrLst meth="repeat">
-      <a:schemeClr val="accent2"/>
-      <a:schemeClr val="accent3"/>
-      <a:schemeClr val="accent4"/>
-      <a:schemeClr val="accent5"/>
-      <a:schemeClr val="accent6"/>
-    </dgm:fillClrLst>
-    <dgm:linClrLst meth="repeat">
-      <a:schemeClr val="accent2"/>
-      <a:schemeClr val="accent3"/>
-      <a:schemeClr val="accent4"/>
-      <a:schemeClr val="accent5"/>
-      <a:schemeClr val="accent6"/>
-    </dgm:linClrLst>
-    <dgm:effectClrLst/>
-    <dgm:txLinClrLst/>
-    <dgm:txFillClrLst meth="repeat">
-      <a:schemeClr val="tx1"/>
-    </dgm:txFillClrLst>
-    <dgm:txEffectClrLst/>
-  </dgm:styleLbl>
-  <dgm:styleLbl name="callout">
-    <dgm:fillClrLst meth="repeat">
-      <a:schemeClr val="accent2"/>
-    </dgm:fillClrLst>
-    <dgm:linClrLst meth="repeat">
-      <a:schemeClr val="accent2">
-        <a:tint val="50000"/>
-      </a:schemeClr>
-    </dgm:linClrLst>
-    <dgm:effectClrLst/>
-    <dgm:txLinClrLst/>
-    <dgm:txFillClrLst meth="repeat">
-      <a:schemeClr val="tx1"/>
-    </dgm:txFillClrLst>
-    <dgm:txEffectClrLst/>
-  </dgm:styleLbl>
-  <dgm:styleLbl name="asst0">
-    <dgm:fillClrLst meth="repeat">
-      <a:schemeClr val="accent1"/>
-    </dgm:fillClrLst>
-    <dgm:linClrLst meth="repeat">
-      <a:schemeClr val="lt1"/>
-    </dgm:linClrLst>
-    <dgm:effectClrLst/>
-    <dgm:txLinClrLst/>
-    <dgm:txFillClrLst/>
-    <dgm:txEffectClrLst/>
-  </dgm:styleLbl>
-  <dgm:styleLbl name="asst1">
-    <dgm:fillClrLst meth="repeat">
-      <a:schemeClr val="accent2"/>
-    </dgm:fillClrLst>
-    <dgm:linClrLst meth="repeat">
-      <a:schemeClr val="lt1"/>
-    </dgm:linClrLst>
-    <dgm:effectClrLst/>
-    <dgm:txLinClrLst/>
-    <dgm:txFillClrLst/>
-    <dgm:txEffectClrLst/>
-  </dgm:styleLbl>
-  <dgm:styleLbl name="asst2">
-    <dgm:fillClrLst>
-      <a:schemeClr val="accent3"/>
-    </dgm:fillClrLst>
-    <dgm:linClrLst meth="repeat">
-      <a:schemeClr val="lt1"/>
-    </dgm:linClrLst>
-    <dgm:effectClrLst/>
-    <dgm:txLinClrLst/>
-    <dgm:txFillClrLst/>
-    <dgm:txEffectClrLst/>
-  </dgm:styleLbl>
-  <dgm:styleLbl name="asst3">
-    <dgm:fillClrLst>
-      <a:schemeClr val="accent4"/>
-    </dgm:fillClrLst>
-    <dgm:linClrLst meth="repeat">
-      <a:schemeClr val="lt1"/>
-    </dgm:linClrLst>
-    <dgm:effectClrLst/>
-    <dgm:txLinClrLst/>
-    <dgm:txFillClrLst/>
-    <dgm:txEffectClrLst/>
-  </dgm:styleLbl>
-  <dgm:styleLbl name="asst4">
-    <dgm:fillClrLst>
-      <a:schemeClr val="accent5"/>
-    </dgm:fillClrLst>
-    <dgm:linClrLst meth="repeat">
-      <a:schemeClr val="lt1"/>
-    </dgm:linClrLst>
-    <dgm:effectClrLst/>
-    <dgm:txLinClrLst/>
-    <dgm:txFillClrLst/>
-    <dgm:txEffectClrLst/>
-  </dgm:styleLbl>
-  <dgm:styleLbl name="parChTrans2D1">
-    <dgm:fillClrLst meth="repeat">
-      <a:schemeClr val="accent2"/>
-    </dgm:fillClrLst>
-    <dgm:linClrLst meth="repeat">
-      <a:schemeClr val="lt1"/>
-    </dgm:linClrLst>
-    <dgm:effectClrLst/>
-    <dgm:txLinClrLst/>
-    <dgm:txFillClrLst meth="repeat">
-      <a:schemeClr val="lt1"/>
-    </dgm:txFillClrLst>
-    <dgm:txEffectClrLst/>
-  </dgm:styleLbl>
-  <dgm:styleLbl name="parChTrans2D2">
-    <dgm:fillClrLst meth="repeat">
-      <a:schemeClr val="accent3"/>
-    </dgm:fillClrLst>
-    <dgm:linClrLst meth="repeat">
-      <a:schemeClr val="lt1"/>
-    </dgm:linClrLst>
-    <dgm:effectClrLst/>
-    <dgm:txLinClrLst/>
-    <dgm:txFillClrLst/>
-    <dgm:txEffectClrLst/>
-  </dgm:styleLbl>
-  <dgm:styleLbl name="parChTrans2D3">
-    <dgm:fillClrLst meth="repeat">
-      <a:schemeClr val="accent4"/>
-    </dgm:fillClrLst>
-    <dgm:linClrLst meth="repeat">
-      <a:schemeClr val="lt1"/>
-    </dgm:linClrLst>
-    <dgm:effectClrLst/>
-    <dgm:txLinClrLst/>
-    <dgm:txFillClrLst/>
-    <dgm:txEffectClrLst/>
-  </dgm:styleLbl>
-  <dgm:styleLbl name="parChTrans2D4">
-    <dgm:fillClrLst meth="repeat">
-      <a:schemeClr val="accent5"/>
-    </dgm:fillClrLst>
-    <dgm:linClrLst meth="repeat">
-      <a:schemeClr val="lt1"/>
-    </dgm:linClrLst>
-    <dgm:effectClrLst/>
-    <dgm:txLinClrLst/>
-    <dgm:txFillClrLst meth="repeat">
-      <a:schemeClr val="lt1"/>
-    </dgm:txFillClrLst>
-    <dgm:txEffectClrLst/>
-  </dgm:styleLbl>
-  <dgm:styleLbl name="parChTrans1D1">
-    <dgm:fillClrLst meth="repeat">
-      <a:schemeClr val="accent2"/>
-    </dgm:fillClrLst>
-    <dgm:linClrLst meth="repeat">
-      <a:schemeClr val="accent1"/>
-    </dgm:linClrLst>
-    <dgm:effectClrLst/>
-    <dgm:txLinClrLst/>
-    <dgm:txFillClrLst meth="repeat">
-      <a:schemeClr val="tx1"/>
-    </dgm:txFillClrLst>
-    <dgm:txEffectClrLst/>
-  </dgm:styleLbl>
-  <dgm:styleLbl name="parChTrans1D2">
-    <dgm:fillClrLst meth="repeat">
-      <a:schemeClr val="accent3">
-        <a:tint val="90000"/>
-      </a:schemeClr>
-    </dgm:fillClrLst>
-    <dgm:linClrLst meth="repeat">
-      <a:schemeClr val="accent2"/>
-    </dgm:linClrLst>
-    <dgm:effectClrLst/>
-    <dgm:txLinClrLst/>
-    <dgm:txFillClrLst meth="repeat">
-      <a:schemeClr val="tx1"/>
-    </dgm:txFillClrLst>
-    <dgm:txEffectClrLst/>
-  </dgm:styleLbl>
-  <dgm:styleLbl name="parChTrans1D3">
-    <dgm:fillClrLst meth="repeat">
-      <a:schemeClr val="accent4">
-        <a:tint val="70000"/>
-      </a:schemeClr>
-    </dgm:fillClrLst>
-    <dgm:linClrLst meth="repeat">
-      <a:schemeClr val="accent3"/>
-    </dgm:linClrLst>
-    <dgm:effectClrLst/>
-    <dgm:txLinClrLst/>
-    <dgm:txFillClrLst meth="repeat">
-      <a:schemeClr val="tx1"/>
-    </dgm:txFillClrLst>
-    <dgm:txEffectClrLst/>
-  </dgm:styleLbl>
-  <dgm:styleLbl name="parChTrans1D4">
-    <dgm:fillClrLst meth="repeat">
-      <a:schemeClr val="accent5">
-        <a:tint val="50000"/>
-      </a:schemeClr>
-    </dgm:fillClrLst>
-    <dgm:linClrLst meth="repeat">
-      <a:schemeClr val="accent4"/>
-    </dgm:linClrLst>
-    <dgm:effectClrLst/>
-    <dgm:txLinClrLst/>
-    <dgm:txFillClrLst meth="repeat">
-      <a:schemeClr val="tx1"/>
-    </dgm:txFillClrLst>
-    <dgm:txEffectClrLst/>
-  </dgm:styleLbl>
-  <dgm:styleLbl name="fgAcc1">
-    <dgm:fillClrLst meth="repeat">
-      <a:schemeClr val="lt1">
-        <a:alpha val="90000"/>
-      </a:schemeClr>
-    </dgm:fillClrLst>
-    <dgm:linClrLst meth="repeat">
-      <a:schemeClr val="accent2"/>
-      <a:schemeClr val="accent3"/>
-      <a:schemeClr val="accent4"/>
-      <a:schemeClr val="accent5"/>
-      <a:schemeClr val="accent6"/>
-    </dgm:linClrLst>
-    <dgm:effectClrLst/>
-    <dgm:txLinClrLst/>
-    <dgm:txFillClrLst meth="repeat">
-      <a:schemeClr val="dk1"/>
-    </dgm:txFillClrLst>
-    <dgm:txEffectClrLst/>
-  </dgm:styleLbl>
-  <dgm:styleLbl name="conFgAcc1">
-    <dgm:fillClrLst meth="repeat">
-      <a:schemeClr val="lt1">
-        <a:alpha val="90000"/>
-      </a:schemeClr>
-    </dgm:fillClrLst>
-    <dgm:linClrLst meth="repeat">
-      <a:schemeClr val="accent2"/>
-      <a:schemeClr val="accent3"/>
-      <a:schemeClr val="accent4"/>
-      <a:schemeClr val="accent5"/>
-      <a:schemeClr val="accent6"/>
-    </dgm:linClrLst>
-    <dgm:effectClrLst/>
-    <dgm:txLinClrLst/>
-    <dgm:txFillClrLst meth="repeat">
-      <a:schemeClr val="dk1"/>
-    </dgm:txFillClrLst>
-    <dgm:txEffectClrLst/>
-  </dgm:styleLbl>
-  <dgm:styleLbl name="alignAcc1">
-    <dgm:fillClrLst meth="repeat">
-      <a:schemeClr val="lt1">
-        <a:alpha val="90000"/>
-      </a:schemeClr>
-    </dgm:fillClrLst>
-    <dgm:linClrLst meth="repeat">
-      <a:schemeClr val="accent2"/>
-      <a:schemeClr val="accent3"/>
-      <a:schemeClr val="accent4"/>
-      <a:schemeClr val="accent5"/>
-      <a:schemeClr val="accent6"/>
-    </dgm:linClrLst>
-    <dgm:effectClrLst/>
-    <dgm:txLinClrLst/>
-    <dgm:txFillClrLst meth="repeat">
-      <a:schemeClr val="dk1"/>
-    </dgm:txFillClrLst>
-    <dgm:txEffectClrLst/>
-  </dgm:styleLbl>
-  <dgm:styleLbl name="trAlignAcc1">
-    <dgm:fillClrLst meth="repeat">
-      <a:schemeClr val="lt1">
-        <a:alpha val="40000"/>
-      </a:schemeClr>
-    </dgm:fillClrLst>
-    <dgm:linClrLst meth="repeat">
-      <a:schemeClr val="accent1"/>
-    </dgm:linClrLst>
-    <dgm:effectClrLst/>
-    <dgm:txLinClrLst/>
-    <dgm:txFillClrLst meth="repeat">
-      <a:schemeClr val="dk1"/>
-    </dgm:txFillClrLst>
-    <dgm:txEffectClrLst/>
-  </dgm:styleLbl>
-  <dgm:styleLbl name="bgAcc1">
-    <dgm:fillClrLst meth="repeat">
-      <a:schemeClr val="lt1">
-        <a:alpha val="90000"/>
-      </a:schemeClr>
-    </dgm:fillClrLst>
-    <dgm:linClrLst meth="repeat">
-      <a:schemeClr val="accent2"/>
-      <a:schemeClr val="accent3"/>
-      <a:schemeClr val="accent4"/>
-      <a:schemeClr val="accent5"/>
-      <a:schemeClr val="accent6"/>
-    </dgm:linClrLst>
-    <dgm:effectClrLst/>
-    <dgm:txLinClrLst/>
-    <dgm:txFillClrLst meth="repeat">
-      <a:schemeClr val="dk1"/>
-    </dgm:txFillClrLst>
-    <dgm:txEffectClrLst/>
-  </dgm:styleLbl>
-  <dgm:styleLbl name="solidFgAcc1">
-    <dgm:fillClrLst meth="repeat">
-      <a:schemeClr val="lt1"/>
-    </dgm:fillClrLst>
-    <dgm:linClrLst meth="repeat">
-      <a:schemeClr val="accent2"/>
-      <a:schemeClr val="accent3"/>
-      <a:schemeClr val="accent4"/>
-      <a:schemeClr val="accent5"/>
-      <a:schemeClr val="accent6"/>
-    </dgm:linClrLst>
-    <dgm:effectClrLst/>
-    <dgm:txLinClrLst/>
-    <dgm:txFillClrLst meth="repeat">
-      <a:schemeClr val="dk1"/>
-    </dgm:txFillClrLst>
-    <dgm:txEffectClrLst/>
-  </dgm:styleLbl>
-  <dgm:styleLbl name="solidAlignAcc1">
-    <dgm:fillClrLst meth="repeat">
-      <a:schemeClr val="lt1"/>
-    </dgm:fillClrLst>
-    <dgm:linClrLst meth="repeat">
-      <a:schemeClr val="accent2"/>
-      <a:schemeClr val="accent3"/>
-      <a:schemeClr val="accent4"/>
-      <a:schemeClr val="accent5"/>
-      <a:schemeClr val="accent6"/>
-    </dgm:linClrLst>
-    <dgm:effectClrLst/>
-    <dgm:txLinClrLst/>
-    <dgm:txFillClrLst meth="repeat">
-      <a:schemeClr val="dk1"/>
-    </dgm:txFillClrLst>
-    <dgm:txEffectClrLst/>
-  </dgm:styleLbl>
-  <dgm:styleLbl name="solidBgAcc1">
-    <dgm:fillClrLst meth="repeat">
-      <a:schemeClr val="lt1"/>
-    </dgm:fillClrLst>
-    <dgm:linClrLst meth="repeat">
-      <a:schemeClr val="accent2"/>
-      <a:schemeClr val="accent3"/>
-      <a:schemeClr val="accent4"/>
-      <a:schemeClr val="accent5"/>
-      <a:schemeClr val="accent6"/>
-    </dgm:linClrLst>
-    <dgm:effectClrLst/>
-    <dgm:txLinClrLst/>
-    <dgm:txFillClrLst meth="repeat">
-      <a:schemeClr val="dk1"/>
-    </dgm:txFillClrLst>
-    <dgm:txEffectClrLst/>
-  </dgm:styleLbl>
-  <dgm:styleLbl name="fgAccFollowNode1">
-    <dgm:fillClrLst meth="repeat">
-      <a:schemeClr val="accent2">
-        <a:tint val="40000"/>
-        <a:alpha val="90000"/>
-      </a:schemeClr>
-      <a:schemeClr val="accent3">
-        <a:tint val="40000"/>
-        <a:alpha val="90000"/>
-      </a:schemeClr>
-      <a:schemeClr val="accent4">
-        <a:tint val="40000"/>
-        <a:alpha val="90000"/>
-      </a:schemeClr>
-      <a:schemeClr val="accent5">
-        <a:tint val="40000"/>
-        <a:alpha val="90000"/>
-      </a:schemeClr>
-      <a:schemeClr val="accent6">
-        <a:tint val="40000"/>
-        <a:alpha val="90000"/>
-      </a:schemeClr>
-    </dgm:fillClrLst>
-    <dgm:linClrLst meth="repeat">
-      <a:schemeClr val="accent2">
-        <a:tint val="40000"/>
-        <a:alpha val="90000"/>
-      </a:schemeClr>
-      <a:schemeClr val="accent3">
-        <a:tint val="40000"/>
-        <a:alpha val="90000"/>
-      </a:schemeClr>
-      <a:schemeClr val="accent4">
-        <a:tint val="40000"/>
-        <a:alpha val="90000"/>
-      </a:schemeClr>
-      <a:schemeClr val="accent5">
-        <a:tint val="40000"/>
-        <a:alpha val="90000"/>
-      </a:schemeClr>
-      <a:schemeClr val="accent6">
-        <a:tint val="40000"/>
-        <a:alpha val="90000"/>
-      </a:schemeClr>
-    </dgm:linClrLst>
-    <dgm:effectClrLst/>
-    <dgm:txLinClrLst/>
-    <dgm:txFillClrLst meth="repeat">
-      <a:schemeClr val="dk1"/>
-    </dgm:txFillClrLst>
-    <dgm:txEffectClrLst/>
-  </dgm:styleLbl>
-  <dgm:styleLbl name="alignAccFollowNode1">
-    <dgm:fillClrLst meth="repeat">
-      <a:schemeClr val="accent2">
-        <a:tint val="40000"/>
-        <a:alpha val="90000"/>
-      </a:schemeClr>
-      <a:schemeClr val="accent3">
-        <a:tint val="40000"/>
-        <a:alpha val="90000"/>
-      </a:schemeClr>
-      <a:schemeClr val="accent4">
-        <a:tint val="40000"/>
-        <a:alpha val="90000"/>
-      </a:schemeClr>
-      <a:schemeClr val="accent5">
-        <a:tint val="40000"/>
-        <a:alpha val="90000"/>
-      </a:schemeClr>
-      <a:schemeClr val="accent6">
-        <a:tint val="40000"/>
-        <a:alpha val="90000"/>
-      </a:schemeClr>
-    </dgm:fillClrLst>
-    <dgm:linClrLst meth="repeat">
-      <a:schemeClr val="accent2">
-        <a:tint val="40000"/>
-        <a:alpha val="90000"/>
-      </a:schemeClr>
-      <a:schemeClr val="accent3">
-        <a:tint val="40000"/>
-        <a:alpha val="90000"/>
-      </a:schemeClr>
-      <a:schemeClr val="accent4">
-        <a:tint val="40000"/>
-        <a:alpha val="90000"/>
-      </a:schemeClr>
-      <a:schemeClr val="accent5">
-        <a:tint val="40000"/>
-        <a:alpha val="90000"/>
-      </a:schemeClr>
-      <a:schemeClr val="accent6">
-        <a:tint val="40000"/>
-        <a:alpha val="90000"/>
-      </a:schemeClr>
-    </dgm:linClrLst>
-    <dgm:effectClrLst/>
-    <dgm:txLinClrLst/>
-    <dgm:txFillClrLst meth="repeat">
-      <a:schemeClr val="dk1"/>
-    </dgm:txFillClrLst>
-    <dgm:txEffectClrLst/>
-  </dgm:styleLbl>
-  <dgm:styleLbl name="bgAccFollowNode1">
-    <dgm:fillClrLst meth="repeat">
-      <a:schemeClr val="accent2">
-        <a:tint val="40000"/>
-        <a:alpha val="90000"/>
-      </a:schemeClr>
-      <a:schemeClr val="accent3">
-        <a:tint val="40000"/>
-        <a:alpha val="90000"/>
-      </a:schemeClr>
-      <a:schemeClr val="accent4">
-        <a:tint val="40000"/>
-        <a:alpha val="90000"/>
-      </a:schemeClr>
-      <a:schemeClr val="accent5">
-        <a:tint val="40000"/>
-        <a:alpha val="90000"/>
-      </a:schemeClr>
-      <a:schemeClr val="accent6">
-        <a:tint val="40000"/>
-        <a:alpha val="90000"/>
-      </a:schemeClr>
-    </dgm:fillClrLst>
-    <dgm:linClrLst meth="repeat">
-      <a:schemeClr val="accent2">
-        <a:tint val="40000"/>
-        <a:alpha val="90000"/>
-      </a:schemeClr>
-      <a:schemeClr val="accent3">
-        <a:tint val="40000"/>
-        <a:alpha val="90000"/>
-      </a:schemeClr>
-      <a:schemeClr val="accent4">
-        <a:tint val="40000"/>
-        <a:alpha val="90000"/>
-      </a:schemeClr>
-      <a:schemeClr val="accent5">
-        <a:tint val="40000"/>
-        <a:alpha val="90000"/>
-      </a:schemeClr>
-      <a:schemeClr val="accent6">
-        <a:tint val="40000"/>
-        <a:alpha val="90000"/>
-      </a:schemeClr>
-    </dgm:linClrLst>
-    <dgm:effectClrLst/>
-    <dgm:txLinClrLst/>
-    <dgm:txFillClrLst meth="repeat">
-      <a:schemeClr val="dk1"/>
-    </dgm:txFillClrLst>
-    <dgm:txEffectClrLst/>
-  </dgm:styleLbl>
-  <dgm:styleLbl name="fgAcc0">
-    <dgm:fillClrLst meth="repeat">
-      <a:schemeClr val="lt1">
-        <a:alpha val="90000"/>
-      </a:schemeClr>
-    </dgm:fillClrLst>
-    <dgm:linClrLst>
-      <a:schemeClr val="accent1"/>
-    </dgm:linClrLst>
-    <dgm:effectClrLst/>
-    <dgm:txLinClrLst/>
-    <dgm:txFillClrLst meth="repeat">
-      <a:schemeClr val="dk1"/>
-    </dgm:txFillClrLst>
-    <dgm:txEffectClrLst/>
-  </dgm:styleLbl>
-  <dgm:styleLbl name="fgAcc2">
-    <dgm:fillClrLst meth="repeat">
-      <a:schemeClr val="lt1">
-        <a:alpha val="90000"/>
-      </a:schemeClr>
-    </dgm:fillClrLst>
-    <dgm:linClrLst>
-      <a:schemeClr val="accent2"/>
-    </dgm:linClrLst>
-    <dgm:effectClrLst/>
-    <dgm:txLinClrLst/>
-    <dgm:txFillClrLst meth="repeat">
-      <a:schemeClr val="dk1"/>
-    </dgm:txFillClrLst>
-    <dgm:txEffectClrLst/>
-  </dgm:styleLbl>
-  <dgm:styleLbl name="fgAcc3">
-    <dgm:fillClrLst meth="repeat">
-      <a:schemeClr val="lt1">
-        <a:alpha val="90000"/>
-      </a:schemeClr>
-    </dgm:fillClrLst>
-    <dgm:linClrLst>
-      <a:schemeClr val="accent3"/>
-    </dgm:linClrLst>
-    <dgm:effectClrLst/>
-    <dgm:txLinClrLst/>
-    <dgm:txFillClrLst meth="repeat">
-      <a:schemeClr val="dk1"/>
-    </dgm:txFillClrLst>
-    <dgm:txEffectClrLst/>
-  </dgm:styleLbl>
-  <dgm:styleLbl name="fgAcc4">
-    <dgm:fillClrLst meth="repeat">
-      <a:schemeClr val="lt1">
-        <a:alpha val="90000"/>
-      </a:schemeClr>
-    </dgm:fillClrLst>
-    <dgm:linClrLst>
-      <a:schemeClr val="accent4"/>
-    </dgm:linClrLst>
-    <dgm:effectClrLst/>
-    <dgm:txLinClrLst/>
-    <dgm:txFillClrLst meth="repeat">
-      <a:schemeClr val="dk1"/>
-    </dgm:txFillClrLst>
-    <dgm:txEffectClrLst/>
-  </dgm:styleLbl>
-  <dgm:styleLbl name="bgShp">
-    <dgm:fillClrLst meth="repeat">
-      <a:schemeClr val="accent2">
-        <a:tint val="40000"/>
-      </a:schemeClr>
-    </dgm:fillClrLst>
-    <dgm:linClrLst meth="repeat">
-      <a:schemeClr val="dk1"/>
-    </dgm:linClrLst>
-    <dgm:effectClrLst/>
-    <dgm:txLinClrLst/>
-    <dgm:txFillClrLst meth="repeat">
-      <a:schemeClr val="dk1"/>
-    </dgm:txFillClrLst>
-    <dgm:txEffectClrLst/>
-  </dgm:styleLbl>
-  <dgm:styleLbl name="dkBgShp">
-    <dgm:fillClrLst meth="repeat">
-      <a:schemeClr val="accent2">
-        <a:shade val="90000"/>
-      </a:schemeClr>
-    </dgm:fillClrLst>
-    <dgm:linClrLst meth="repeat">
-      <a:schemeClr val="dk1"/>
-    </dgm:linClrLst>
-    <dgm:effectClrLst/>
-    <dgm:txLinClrLst/>
-    <dgm:txFillClrLst meth="repeat">
-      <a:schemeClr val="lt1"/>
-    </dgm:txFillClrLst>
-    <dgm:txEffectClrLst/>
-  </dgm:styleLbl>
-  <dgm:styleLbl name="trBgShp">
-    <dgm:fillClrLst meth="repeat">
-      <a:schemeClr val="accent1">
-        <a:tint val="50000"/>
-        <a:alpha val="40000"/>
-      </a:schemeClr>
-    </dgm:fillClrLst>
-    <dgm:linClrLst meth="repeat">
-      <a:schemeClr val="accent2"/>
-    </dgm:linClrLst>
-    <dgm:effectClrLst/>
-    <dgm:txLinClrLst/>
-    <dgm:txFillClrLst meth="repeat">
-      <a:schemeClr val="lt1"/>
-    </dgm:txFillClrLst>
-    <dgm:txEffectClrLst/>
-  </dgm:styleLbl>
-  <dgm:styleLbl name="fgShp">
-    <dgm:fillClrLst meth="repeat">
-      <a:schemeClr val="accent2">
-        <a:tint val="40000"/>
-      </a:schemeClr>
-    </dgm:fillClrLst>
-    <dgm:linClrLst meth="repeat">
-      <a:schemeClr val="lt1"/>
-    </dgm:linClrLst>
-    <dgm:effectClrLst/>
-    <dgm:txLinClrLst/>
-    <dgm:txFillClrLst meth="repeat">
-      <a:schemeClr val="dk1"/>
-    </dgm:txFillClrLst>
-    <dgm:txEffectClrLst/>
-  </dgm:styleLbl>
-  <dgm:styleLbl name="revTx">
-    <dgm:fillClrLst meth="repeat">
-      <a:schemeClr val="lt1">
-        <a:alpha val="0"/>
-      </a:schemeClr>
-    </dgm:fillClrLst>
-    <dgm:linClrLst meth="repeat">
-      <a:schemeClr val="dk1">
-        <a:alpha val="0"/>
-      </a:schemeClr>
-    </dgm:linClrLst>
-    <dgm:effectClrLst/>
-    <dgm:txLinClrLst/>
-    <dgm:txFillClrLst meth="repeat">
-      <a:schemeClr val="tx1"/>
     </dgm:txFillClrLst>
     <dgm:txEffectClrLst/>
   </dgm:styleLbl>
@@ -3738,255 +2819,6 @@
 </dgm:dataModel>
 </file>
 
-<file path=ppt/diagrams/data3.xml><?xml version="1.0" encoding="utf-8"?>
-<dgm:dataModel xmlns:dgm="http://schemas.openxmlformats.org/drawingml/2006/diagram" xmlns:a="http://schemas.openxmlformats.org/drawingml/2006/main">
-  <dgm:ptLst>
-    <dgm:pt modelId="{654A328E-794A-4290-BCB9-3524D4790CDE}" type="doc">
-      <dgm:prSet loTypeId="urn:microsoft.com/office/officeart/2005/8/layout/hList1" loCatId="list" qsTypeId="urn:microsoft.com/office/officeart/2005/8/quickstyle/simple1" qsCatId="simple" csTypeId="urn:microsoft.com/office/officeart/2005/8/colors/colorful1" csCatId="colorful"/>
-      <dgm:spPr/>
-      <dgm:t>
-        <a:bodyPr/>
-        <a:lstStyle/>
-        <a:p>
-          <a:endParaRPr lang="en-US"/>
-        </a:p>
-      </dgm:t>
-    </dgm:pt>
-    <dgm:pt modelId="{6BA0CAAB-703A-41D1-A0AA-91C818C8A6EF}">
-      <dgm:prSet/>
-      <dgm:spPr/>
-      <dgm:t>
-        <a:bodyPr/>
-        <a:lstStyle/>
-        <a:p>
-          <a:r>
-            <a:rPr lang="fr-FR"/>
-            <a:t>Linear regression models are better than fitting models</a:t>
-          </a:r>
-          <a:endParaRPr lang="en-US"/>
-        </a:p>
-      </dgm:t>
-    </dgm:pt>
-    <dgm:pt modelId="{5D3F43E6-66F1-45A9-912D-E9495424E276}" type="parTrans" cxnId="{8C4A66CA-312A-426A-B5B4-B3E89004A287}">
-      <dgm:prSet/>
-      <dgm:spPr/>
-      <dgm:t>
-        <a:bodyPr/>
-        <a:lstStyle/>
-        <a:p>
-          <a:endParaRPr lang="en-US"/>
-        </a:p>
-      </dgm:t>
-    </dgm:pt>
-    <dgm:pt modelId="{2E9A34C1-47CD-4A23-8980-524FA06111F7}" type="sibTrans" cxnId="{8C4A66CA-312A-426A-B5B4-B3E89004A287}">
-      <dgm:prSet/>
-      <dgm:spPr/>
-      <dgm:t>
-        <a:bodyPr/>
-        <a:lstStyle/>
-        <a:p>
-          <a:endParaRPr lang="en-US"/>
-        </a:p>
-      </dgm:t>
-    </dgm:pt>
-    <dgm:pt modelId="{57E5DCA1-ADD0-48EB-A72E-A66E3F905847}">
-      <dgm:prSet/>
-      <dgm:spPr/>
-      <dgm:t>
-        <a:bodyPr/>
-        <a:lstStyle/>
-        <a:p>
-          <a:r>
-            <a:rPr lang="fr-FR"/>
-            <a:t>Due to a lack of data</a:t>
-          </a:r>
-          <a:endParaRPr lang="en-US"/>
-        </a:p>
-      </dgm:t>
-    </dgm:pt>
-    <dgm:pt modelId="{89F4E0DF-02C8-4D85-818C-3607804C899D}" type="parTrans" cxnId="{E4965903-1D80-4900-8E73-FD2ADA409B4D}">
-      <dgm:prSet/>
-      <dgm:spPr/>
-      <dgm:t>
-        <a:bodyPr/>
-        <a:lstStyle/>
-        <a:p>
-          <a:endParaRPr lang="en-US"/>
-        </a:p>
-      </dgm:t>
-    </dgm:pt>
-    <dgm:pt modelId="{268A296A-3621-4BB5-96BF-C07ABA6D9DF3}" type="sibTrans" cxnId="{E4965903-1D80-4900-8E73-FD2ADA409B4D}">
-      <dgm:prSet/>
-      <dgm:spPr/>
-      <dgm:t>
-        <a:bodyPr/>
-        <a:lstStyle/>
-        <a:p>
-          <a:endParaRPr lang="en-US"/>
-        </a:p>
-      </dgm:t>
-    </dgm:pt>
-    <dgm:pt modelId="{E17C1F20-4165-44C8-9566-E1D809114C2C}">
-      <dgm:prSet/>
-      <dgm:spPr/>
-      <dgm:t>
-        <a:bodyPr/>
-        <a:lstStyle/>
-        <a:p>
-          <a:r>
-            <a:rPr lang="fr-FR"/>
-            <a:t>Correlation between the different ratp lines</a:t>
-          </a:r>
-          <a:endParaRPr lang="en-US"/>
-        </a:p>
-      </dgm:t>
-    </dgm:pt>
-    <dgm:pt modelId="{9D0AF885-D24B-4E7B-A0E8-109453BF7463}" type="parTrans" cxnId="{D5A3E893-F13E-440B-931C-C2E628833FD6}">
-      <dgm:prSet/>
-      <dgm:spPr/>
-      <dgm:t>
-        <a:bodyPr/>
-        <a:lstStyle/>
-        <a:p>
-          <a:endParaRPr lang="en-US"/>
-        </a:p>
-      </dgm:t>
-    </dgm:pt>
-    <dgm:pt modelId="{8850AF84-0B80-42D1-8A5C-D24220770B87}" type="sibTrans" cxnId="{D5A3E893-F13E-440B-931C-C2E628833FD6}">
-      <dgm:prSet/>
-      <dgm:spPr/>
-      <dgm:t>
-        <a:bodyPr/>
-        <a:lstStyle/>
-        <a:p>
-          <a:endParaRPr lang="en-US"/>
-        </a:p>
-      </dgm:t>
-    </dgm:pt>
-    <dgm:pt modelId="{02D79A6D-5FD7-465B-BBD1-BD12F4709401}">
-      <dgm:prSet/>
-      <dgm:spPr/>
-      <dgm:t>
-        <a:bodyPr/>
-        <a:lstStyle/>
-        <a:p>
-          <a:r>
-            <a:rPr lang="fr-FR"/>
-            <a:t>We can predict the reduction of the traffic</a:t>
-          </a:r>
-          <a:endParaRPr lang="en-US"/>
-        </a:p>
-      </dgm:t>
-    </dgm:pt>
-    <dgm:pt modelId="{67D3C9DC-3BD7-4062-BB55-C15A56B73638}" type="parTrans" cxnId="{CC151DDA-7605-4F8C-B37B-289C28BEB128}">
-      <dgm:prSet/>
-      <dgm:spPr/>
-      <dgm:t>
-        <a:bodyPr/>
-        <a:lstStyle/>
-        <a:p>
-          <a:endParaRPr lang="en-US"/>
-        </a:p>
-      </dgm:t>
-    </dgm:pt>
-    <dgm:pt modelId="{14F93421-2072-4645-8F7B-A4D96CD9E0AB}" type="sibTrans" cxnId="{CC151DDA-7605-4F8C-B37B-289C28BEB128}">
-      <dgm:prSet/>
-      <dgm:spPr/>
-      <dgm:t>
-        <a:bodyPr/>
-        <a:lstStyle/>
-        <a:p>
-          <a:endParaRPr lang="en-US"/>
-        </a:p>
-      </dgm:t>
-    </dgm:pt>
-    <dgm:pt modelId="{B36EEA88-7A63-4CF9-ACFB-85A05224E61F}" type="pres">
-      <dgm:prSet presAssocID="{654A328E-794A-4290-BCB9-3524D4790CDE}" presName="Name0" presStyleCnt="0">
-        <dgm:presLayoutVars>
-          <dgm:dir/>
-          <dgm:animLvl val="lvl"/>
-          <dgm:resizeHandles val="exact"/>
-        </dgm:presLayoutVars>
-      </dgm:prSet>
-      <dgm:spPr/>
-    </dgm:pt>
-    <dgm:pt modelId="{A8A9995D-194C-4169-BFEE-6778220229E7}" type="pres">
-      <dgm:prSet presAssocID="{6BA0CAAB-703A-41D1-A0AA-91C818C8A6EF}" presName="composite" presStyleCnt="0"/>
-      <dgm:spPr/>
-    </dgm:pt>
-    <dgm:pt modelId="{94381099-CDBF-46A0-8D3C-948F7A9B06A0}" type="pres">
-      <dgm:prSet presAssocID="{6BA0CAAB-703A-41D1-A0AA-91C818C8A6EF}" presName="parTx" presStyleLbl="alignNode1" presStyleIdx="0" presStyleCnt="2">
-        <dgm:presLayoutVars>
-          <dgm:chMax val="0"/>
-          <dgm:chPref val="0"/>
-          <dgm:bulletEnabled val="1"/>
-        </dgm:presLayoutVars>
-      </dgm:prSet>
-      <dgm:spPr/>
-    </dgm:pt>
-    <dgm:pt modelId="{0841FEA8-77C9-4F02-B79F-A9668AC5E264}" type="pres">
-      <dgm:prSet presAssocID="{6BA0CAAB-703A-41D1-A0AA-91C818C8A6EF}" presName="desTx" presStyleLbl="alignAccFollowNode1" presStyleIdx="0" presStyleCnt="2">
-        <dgm:presLayoutVars>
-          <dgm:bulletEnabled val="1"/>
-        </dgm:presLayoutVars>
-      </dgm:prSet>
-      <dgm:spPr/>
-    </dgm:pt>
-    <dgm:pt modelId="{2C73E068-0234-4ADC-8AC3-DFC5B0B1AF11}" type="pres">
-      <dgm:prSet presAssocID="{2E9A34C1-47CD-4A23-8980-524FA06111F7}" presName="space" presStyleCnt="0"/>
-      <dgm:spPr/>
-    </dgm:pt>
-    <dgm:pt modelId="{FF2BADAD-DACD-499A-80B3-58445F7ACA0D}" type="pres">
-      <dgm:prSet presAssocID="{E17C1F20-4165-44C8-9566-E1D809114C2C}" presName="composite" presStyleCnt="0"/>
-      <dgm:spPr/>
-    </dgm:pt>
-    <dgm:pt modelId="{955F8588-0DB7-4506-ADE9-EC0216D13366}" type="pres">
-      <dgm:prSet presAssocID="{E17C1F20-4165-44C8-9566-E1D809114C2C}" presName="parTx" presStyleLbl="alignNode1" presStyleIdx="1" presStyleCnt="2">
-        <dgm:presLayoutVars>
-          <dgm:chMax val="0"/>
-          <dgm:chPref val="0"/>
-          <dgm:bulletEnabled val="1"/>
-        </dgm:presLayoutVars>
-      </dgm:prSet>
-      <dgm:spPr/>
-    </dgm:pt>
-    <dgm:pt modelId="{0A731462-8EE5-4ED5-BB02-85B31C5BE916}" type="pres">
-      <dgm:prSet presAssocID="{E17C1F20-4165-44C8-9566-E1D809114C2C}" presName="desTx" presStyleLbl="alignAccFollowNode1" presStyleIdx="1" presStyleCnt="2">
-        <dgm:presLayoutVars>
-          <dgm:bulletEnabled val="1"/>
-        </dgm:presLayoutVars>
-      </dgm:prSet>
-      <dgm:spPr/>
-    </dgm:pt>
-  </dgm:ptLst>
-  <dgm:cxnLst>
-    <dgm:cxn modelId="{E4965903-1D80-4900-8E73-FD2ADA409B4D}" srcId="{6BA0CAAB-703A-41D1-A0AA-91C818C8A6EF}" destId="{57E5DCA1-ADD0-48EB-A72E-A66E3F905847}" srcOrd="0" destOrd="0" parTransId="{89F4E0DF-02C8-4D85-818C-3607804C899D}" sibTransId="{268A296A-3621-4BB5-96BF-C07ABA6D9DF3}"/>
-    <dgm:cxn modelId="{41FCD33C-7D6A-4CB9-A6C2-7A8D2D51D1F0}" type="presOf" srcId="{654A328E-794A-4290-BCB9-3524D4790CDE}" destId="{B36EEA88-7A63-4CF9-ACFB-85A05224E61F}" srcOrd="0" destOrd="0" presId="urn:microsoft.com/office/officeart/2005/8/layout/hList1"/>
-    <dgm:cxn modelId="{93F97D47-328A-444F-878E-7CD355221563}" type="presOf" srcId="{E17C1F20-4165-44C8-9566-E1D809114C2C}" destId="{955F8588-0DB7-4506-ADE9-EC0216D13366}" srcOrd="0" destOrd="0" presId="urn:microsoft.com/office/officeart/2005/8/layout/hList1"/>
-    <dgm:cxn modelId="{35263B53-25C8-4ABD-8263-79E1E71C5846}" type="presOf" srcId="{6BA0CAAB-703A-41D1-A0AA-91C818C8A6EF}" destId="{94381099-CDBF-46A0-8D3C-948F7A9B06A0}" srcOrd="0" destOrd="0" presId="urn:microsoft.com/office/officeart/2005/8/layout/hList1"/>
-    <dgm:cxn modelId="{7382237A-4313-47E3-A6A2-7A395E3E2A54}" type="presOf" srcId="{57E5DCA1-ADD0-48EB-A72E-A66E3F905847}" destId="{0841FEA8-77C9-4F02-B79F-A9668AC5E264}" srcOrd="0" destOrd="0" presId="urn:microsoft.com/office/officeart/2005/8/layout/hList1"/>
-    <dgm:cxn modelId="{AB90DB91-EA65-42EE-82A5-E490003C3726}" type="presOf" srcId="{02D79A6D-5FD7-465B-BBD1-BD12F4709401}" destId="{0A731462-8EE5-4ED5-BB02-85B31C5BE916}" srcOrd="0" destOrd="0" presId="urn:microsoft.com/office/officeart/2005/8/layout/hList1"/>
-    <dgm:cxn modelId="{D5A3E893-F13E-440B-931C-C2E628833FD6}" srcId="{654A328E-794A-4290-BCB9-3524D4790CDE}" destId="{E17C1F20-4165-44C8-9566-E1D809114C2C}" srcOrd="1" destOrd="0" parTransId="{9D0AF885-D24B-4E7B-A0E8-109453BF7463}" sibTransId="{8850AF84-0B80-42D1-8A5C-D24220770B87}"/>
-    <dgm:cxn modelId="{8C4A66CA-312A-426A-B5B4-B3E89004A287}" srcId="{654A328E-794A-4290-BCB9-3524D4790CDE}" destId="{6BA0CAAB-703A-41D1-A0AA-91C818C8A6EF}" srcOrd="0" destOrd="0" parTransId="{5D3F43E6-66F1-45A9-912D-E9495424E276}" sibTransId="{2E9A34C1-47CD-4A23-8980-524FA06111F7}"/>
-    <dgm:cxn modelId="{CC151DDA-7605-4F8C-B37B-289C28BEB128}" srcId="{E17C1F20-4165-44C8-9566-E1D809114C2C}" destId="{02D79A6D-5FD7-465B-BBD1-BD12F4709401}" srcOrd="0" destOrd="0" parTransId="{67D3C9DC-3BD7-4062-BB55-C15A56B73638}" sibTransId="{14F93421-2072-4645-8F7B-A4D96CD9E0AB}"/>
-    <dgm:cxn modelId="{6AE0A61E-822C-45D6-AFC6-140BBBBFDD37}" type="presParOf" srcId="{B36EEA88-7A63-4CF9-ACFB-85A05224E61F}" destId="{A8A9995D-194C-4169-BFEE-6778220229E7}" srcOrd="0" destOrd="0" presId="urn:microsoft.com/office/officeart/2005/8/layout/hList1"/>
-    <dgm:cxn modelId="{B4905B3F-5657-4D1D-85B7-7D00945634FB}" type="presParOf" srcId="{A8A9995D-194C-4169-BFEE-6778220229E7}" destId="{94381099-CDBF-46A0-8D3C-948F7A9B06A0}" srcOrd="0" destOrd="0" presId="urn:microsoft.com/office/officeart/2005/8/layout/hList1"/>
-    <dgm:cxn modelId="{458197B1-22C2-4BE5-86A5-44D29A92CF91}" type="presParOf" srcId="{A8A9995D-194C-4169-BFEE-6778220229E7}" destId="{0841FEA8-77C9-4F02-B79F-A9668AC5E264}" srcOrd="1" destOrd="0" presId="urn:microsoft.com/office/officeart/2005/8/layout/hList1"/>
-    <dgm:cxn modelId="{80D6A64E-775A-40D2-9D99-B727684DBC07}" type="presParOf" srcId="{B36EEA88-7A63-4CF9-ACFB-85A05224E61F}" destId="{2C73E068-0234-4ADC-8AC3-DFC5B0B1AF11}" srcOrd="1" destOrd="0" presId="urn:microsoft.com/office/officeart/2005/8/layout/hList1"/>
-    <dgm:cxn modelId="{D223EE77-6113-4978-94D1-E94DC55E9093}" type="presParOf" srcId="{B36EEA88-7A63-4CF9-ACFB-85A05224E61F}" destId="{FF2BADAD-DACD-499A-80B3-58445F7ACA0D}" srcOrd="2" destOrd="0" presId="urn:microsoft.com/office/officeart/2005/8/layout/hList1"/>
-    <dgm:cxn modelId="{33B22F01-FF36-403A-A832-9E68D789625F}" type="presParOf" srcId="{FF2BADAD-DACD-499A-80B3-58445F7ACA0D}" destId="{955F8588-0DB7-4506-ADE9-EC0216D13366}" srcOrd="0" destOrd="0" presId="urn:microsoft.com/office/officeart/2005/8/layout/hList1"/>
-    <dgm:cxn modelId="{EFE3457A-41D1-440B-946D-0E44DF143D02}" type="presParOf" srcId="{FF2BADAD-DACD-499A-80B3-58445F7ACA0D}" destId="{0A731462-8EE5-4ED5-BB02-85B31C5BE916}" srcOrd="1" destOrd="0" presId="urn:microsoft.com/office/officeart/2005/8/layout/hList1"/>
-  </dgm:cxnLst>
-  <dgm:bg/>
-  <dgm:whole/>
-  <dgm:extLst>
-    <a:ext uri="http://schemas.microsoft.com/office/drawing/2008/diagram">
-      <dsp:dataModelExt xmlns:dsp="http://schemas.microsoft.com/office/drawing/2008/diagram" relId="rId6" minVer="http://schemas.openxmlformats.org/drawingml/2006/diagram"/>
-    </a:ext>
-  </dgm:extLst>
-</dgm:dataModel>
-</file>
-
 <file path=ppt/diagrams/drawing1.xml><?xml version="1.0" encoding="utf-8"?>
 <dsp:drawing xmlns:dgm="http://schemas.openxmlformats.org/drawingml/2006/diagram" xmlns:dsp="http://schemas.microsoft.com/office/drawing/2008/diagram" xmlns:a="http://schemas.openxmlformats.org/drawingml/2006/main">
   <dsp:spTree>
@@ -5146,338 +3978,6 @@
 </dsp:drawing>
 </file>
 
-<file path=ppt/diagrams/drawing3.xml><?xml version="1.0" encoding="utf-8"?>
-<dsp:drawing xmlns:dgm="http://schemas.openxmlformats.org/drawingml/2006/diagram" xmlns:dsp="http://schemas.microsoft.com/office/drawing/2008/diagram" xmlns:a="http://schemas.openxmlformats.org/drawingml/2006/main">
-  <dsp:spTree>
-    <dsp:nvGrpSpPr>
-      <dsp:cNvPr id="0" name=""/>
-      <dsp:cNvGrpSpPr/>
-    </dsp:nvGrpSpPr>
-    <dsp:grpSpPr/>
-    <dsp:sp modelId="{94381099-CDBF-46A0-8D3C-948F7A9B06A0}">
-      <dsp:nvSpPr>
-        <dsp:cNvPr id="0" name=""/>
-        <dsp:cNvSpPr/>
-      </dsp:nvSpPr>
-      <dsp:spPr>
-        <a:xfrm>
-          <a:off x="51" y="95598"/>
-          <a:ext cx="4913783" cy="1965513"/>
-        </a:xfrm>
-        <a:prstGeom prst="rect">
-          <a:avLst/>
-        </a:prstGeom>
-        <a:solidFill>
-          <a:schemeClr val="accent2">
-            <a:hueOff val="0"/>
-            <a:satOff val="0"/>
-            <a:lumOff val="0"/>
-            <a:alphaOff val="0"/>
-          </a:schemeClr>
-        </a:solidFill>
-        <a:ln w="12700" cap="flat" cmpd="sng" algn="ctr">
-          <a:solidFill>
-            <a:schemeClr val="accent2">
-              <a:hueOff val="0"/>
-              <a:satOff val="0"/>
-              <a:lumOff val="0"/>
-              <a:alphaOff val="0"/>
-            </a:schemeClr>
-          </a:solidFill>
-          <a:prstDash val="solid"/>
-          <a:miter lim="800000"/>
-        </a:ln>
-        <a:effectLst/>
-      </dsp:spPr>
-      <dsp:style>
-        <a:lnRef idx="2">
-          <a:scrgbClr r="0" g="0" b="0"/>
-        </a:lnRef>
-        <a:fillRef idx="1">
-          <a:scrgbClr r="0" g="0" b="0"/>
-        </a:fillRef>
-        <a:effectRef idx="0">
-          <a:scrgbClr r="0" g="0" b="0"/>
-        </a:effectRef>
-        <a:fontRef idx="minor">
-          <a:schemeClr val="lt1"/>
-        </a:fontRef>
-      </dsp:style>
-      <dsp:txBody>
-        <a:bodyPr spcFirstLastPara="0" vert="horz" wrap="square" lIns="277368" tIns="158496" rIns="277368" bIns="158496" numCol="1" spcCol="1270" anchor="ctr" anchorCtr="0">
-          <a:noAutofit/>
-        </a:bodyPr>
-        <a:lstStyle/>
-        <a:p>
-          <a:pPr marL="0" lvl="0" indent="0" algn="ctr" defTabSz="1733550">
-            <a:lnSpc>
-              <a:spcPct val="90000"/>
-            </a:lnSpc>
-            <a:spcBef>
-              <a:spcPct val="0"/>
-            </a:spcBef>
-            <a:spcAft>
-              <a:spcPct val="35000"/>
-            </a:spcAft>
-            <a:buNone/>
-          </a:pPr>
-          <a:r>
-            <a:rPr lang="fr-FR" sz="3900" kern="1200"/>
-            <a:t>Linear regression models are better than fitting models</a:t>
-          </a:r>
-          <a:endParaRPr lang="en-US" sz="3900" kern="1200"/>
-        </a:p>
-      </dsp:txBody>
-      <dsp:txXfrm>
-        <a:off x="51" y="95598"/>
-        <a:ext cx="4913783" cy="1965513"/>
-      </dsp:txXfrm>
-    </dsp:sp>
-    <dsp:sp modelId="{0841FEA8-77C9-4F02-B79F-A9668AC5E264}">
-      <dsp:nvSpPr>
-        <dsp:cNvPr id="0" name=""/>
-        <dsp:cNvSpPr/>
-      </dsp:nvSpPr>
-      <dsp:spPr>
-        <a:xfrm>
-          <a:off x="51" y="2061112"/>
-          <a:ext cx="4913783" cy="2194627"/>
-        </a:xfrm>
-        <a:prstGeom prst="rect">
-          <a:avLst/>
-        </a:prstGeom>
-        <a:solidFill>
-          <a:schemeClr val="accent2">
-            <a:tint val="40000"/>
-            <a:alpha val="90000"/>
-            <a:hueOff val="0"/>
-            <a:satOff val="0"/>
-            <a:lumOff val="0"/>
-            <a:alphaOff val="0"/>
-          </a:schemeClr>
-        </a:solidFill>
-        <a:ln w="12700" cap="flat" cmpd="sng" algn="ctr">
-          <a:solidFill>
-            <a:schemeClr val="accent2">
-              <a:tint val="40000"/>
-              <a:alpha val="90000"/>
-              <a:hueOff val="0"/>
-              <a:satOff val="0"/>
-              <a:lumOff val="0"/>
-              <a:alphaOff val="0"/>
-            </a:schemeClr>
-          </a:solidFill>
-          <a:prstDash val="solid"/>
-          <a:miter lim="800000"/>
-        </a:ln>
-        <a:effectLst/>
-      </dsp:spPr>
-      <dsp:style>
-        <a:lnRef idx="2">
-          <a:scrgbClr r="0" g="0" b="0"/>
-        </a:lnRef>
-        <a:fillRef idx="1">
-          <a:scrgbClr r="0" g="0" b="0"/>
-        </a:fillRef>
-        <a:effectRef idx="0">
-          <a:scrgbClr r="0" g="0" b="0"/>
-        </a:effectRef>
-        <a:fontRef idx="minor"/>
-      </dsp:style>
-      <dsp:txBody>
-        <a:bodyPr spcFirstLastPara="0" vert="horz" wrap="square" lIns="208026" tIns="208026" rIns="277368" bIns="312039" numCol="1" spcCol="1270" anchor="t" anchorCtr="0">
-          <a:noAutofit/>
-        </a:bodyPr>
-        <a:lstStyle/>
-        <a:p>
-          <a:pPr marL="285750" lvl="1" indent="-285750" algn="l" defTabSz="1733550">
-            <a:lnSpc>
-              <a:spcPct val="90000"/>
-            </a:lnSpc>
-            <a:spcBef>
-              <a:spcPct val="0"/>
-            </a:spcBef>
-            <a:spcAft>
-              <a:spcPct val="15000"/>
-            </a:spcAft>
-            <a:buChar char="•"/>
-          </a:pPr>
-          <a:r>
-            <a:rPr lang="fr-FR" sz="3900" kern="1200"/>
-            <a:t>Due to a lack of data</a:t>
-          </a:r>
-          <a:endParaRPr lang="en-US" sz="3900" kern="1200"/>
-        </a:p>
-      </dsp:txBody>
-      <dsp:txXfrm>
-        <a:off x="51" y="2061112"/>
-        <a:ext cx="4913783" cy="2194627"/>
-      </dsp:txXfrm>
-    </dsp:sp>
-    <dsp:sp modelId="{955F8588-0DB7-4506-ADE9-EC0216D13366}">
-      <dsp:nvSpPr>
-        <dsp:cNvPr id="0" name=""/>
-        <dsp:cNvSpPr/>
-      </dsp:nvSpPr>
-      <dsp:spPr>
-        <a:xfrm>
-          <a:off x="5601764" y="95598"/>
-          <a:ext cx="4913783" cy="1965513"/>
-        </a:xfrm>
-        <a:prstGeom prst="rect">
-          <a:avLst/>
-        </a:prstGeom>
-        <a:solidFill>
-          <a:schemeClr val="accent3">
-            <a:hueOff val="0"/>
-            <a:satOff val="0"/>
-            <a:lumOff val="0"/>
-            <a:alphaOff val="0"/>
-          </a:schemeClr>
-        </a:solidFill>
-        <a:ln w="12700" cap="flat" cmpd="sng" algn="ctr">
-          <a:solidFill>
-            <a:schemeClr val="accent3">
-              <a:hueOff val="0"/>
-              <a:satOff val="0"/>
-              <a:lumOff val="0"/>
-              <a:alphaOff val="0"/>
-            </a:schemeClr>
-          </a:solidFill>
-          <a:prstDash val="solid"/>
-          <a:miter lim="800000"/>
-        </a:ln>
-        <a:effectLst/>
-      </dsp:spPr>
-      <dsp:style>
-        <a:lnRef idx="2">
-          <a:scrgbClr r="0" g="0" b="0"/>
-        </a:lnRef>
-        <a:fillRef idx="1">
-          <a:scrgbClr r="0" g="0" b="0"/>
-        </a:fillRef>
-        <a:effectRef idx="0">
-          <a:scrgbClr r="0" g="0" b="0"/>
-        </a:effectRef>
-        <a:fontRef idx="minor">
-          <a:schemeClr val="lt1"/>
-        </a:fontRef>
-      </dsp:style>
-      <dsp:txBody>
-        <a:bodyPr spcFirstLastPara="0" vert="horz" wrap="square" lIns="277368" tIns="158496" rIns="277368" bIns="158496" numCol="1" spcCol="1270" anchor="ctr" anchorCtr="0">
-          <a:noAutofit/>
-        </a:bodyPr>
-        <a:lstStyle/>
-        <a:p>
-          <a:pPr marL="0" lvl="0" indent="0" algn="ctr" defTabSz="1733550">
-            <a:lnSpc>
-              <a:spcPct val="90000"/>
-            </a:lnSpc>
-            <a:spcBef>
-              <a:spcPct val="0"/>
-            </a:spcBef>
-            <a:spcAft>
-              <a:spcPct val="35000"/>
-            </a:spcAft>
-            <a:buNone/>
-          </a:pPr>
-          <a:r>
-            <a:rPr lang="fr-FR" sz="3900" kern="1200"/>
-            <a:t>Correlation between the different ratp lines</a:t>
-          </a:r>
-          <a:endParaRPr lang="en-US" sz="3900" kern="1200"/>
-        </a:p>
-      </dsp:txBody>
-      <dsp:txXfrm>
-        <a:off x="5601764" y="95598"/>
-        <a:ext cx="4913783" cy="1965513"/>
-      </dsp:txXfrm>
-    </dsp:sp>
-    <dsp:sp modelId="{0A731462-8EE5-4ED5-BB02-85B31C5BE916}">
-      <dsp:nvSpPr>
-        <dsp:cNvPr id="0" name=""/>
-        <dsp:cNvSpPr/>
-      </dsp:nvSpPr>
-      <dsp:spPr>
-        <a:xfrm>
-          <a:off x="5601764" y="2061112"/>
-          <a:ext cx="4913783" cy="2194627"/>
-        </a:xfrm>
-        <a:prstGeom prst="rect">
-          <a:avLst/>
-        </a:prstGeom>
-        <a:solidFill>
-          <a:schemeClr val="accent3">
-            <a:tint val="40000"/>
-            <a:alpha val="90000"/>
-            <a:hueOff val="0"/>
-            <a:satOff val="0"/>
-            <a:lumOff val="0"/>
-            <a:alphaOff val="0"/>
-          </a:schemeClr>
-        </a:solidFill>
-        <a:ln w="12700" cap="flat" cmpd="sng" algn="ctr">
-          <a:solidFill>
-            <a:schemeClr val="accent3">
-              <a:tint val="40000"/>
-              <a:alpha val="90000"/>
-              <a:hueOff val="0"/>
-              <a:satOff val="0"/>
-              <a:lumOff val="0"/>
-              <a:alphaOff val="0"/>
-            </a:schemeClr>
-          </a:solidFill>
-          <a:prstDash val="solid"/>
-          <a:miter lim="800000"/>
-        </a:ln>
-        <a:effectLst/>
-      </dsp:spPr>
-      <dsp:style>
-        <a:lnRef idx="2">
-          <a:scrgbClr r="0" g="0" b="0"/>
-        </a:lnRef>
-        <a:fillRef idx="1">
-          <a:scrgbClr r="0" g="0" b="0"/>
-        </a:fillRef>
-        <a:effectRef idx="0">
-          <a:scrgbClr r="0" g="0" b="0"/>
-        </a:effectRef>
-        <a:fontRef idx="minor"/>
-      </dsp:style>
-      <dsp:txBody>
-        <a:bodyPr spcFirstLastPara="0" vert="horz" wrap="square" lIns="208026" tIns="208026" rIns="277368" bIns="312039" numCol="1" spcCol="1270" anchor="t" anchorCtr="0">
-          <a:noAutofit/>
-        </a:bodyPr>
-        <a:lstStyle/>
-        <a:p>
-          <a:pPr marL="285750" lvl="1" indent="-285750" algn="l" defTabSz="1733550">
-            <a:lnSpc>
-              <a:spcPct val="90000"/>
-            </a:lnSpc>
-            <a:spcBef>
-              <a:spcPct val="0"/>
-            </a:spcBef>
-            <a:spcAft>
-              <a:spcPct val="15000"/>
-            </a:spcAft>
-            <a:buChar char="•"/>
-          </a:pPr>
-          <a:r>
-            <a:rPr lang="fr-FR" sz="3900" kern="1200"/>
-            <a:t>We can predict the reduction of the traffic</a:t>
-          </a:r>
-          <a:endParaRPr lang="en-US" sz="3900" kern="1200"/>
-        </a:p>
-      </dsp:txBody>
-      <dsp:txXfrm>
-        <a:off x="5601764" y="2061112"/>
-        <a:ext cx="4913783" cy="2194627"/>
-      </dsp:txXfrm>
-    </dsp:sp>
-  </dsp:spTree>
-</dsp:drawing>
-</file>
-
 <file path=ppt/diagrams/layout1.xml><?xml version="1.0" encoding="utf-8"?>
 <dgm:layoutDef xmlns:dgm="http://schemas.openxmlformats.org/drawingml/2006/diagram" xmlns:a="http://schemas.openxmlformats.org/drawingml/2006/main" uniqueId="urn:microsoft.com/office/officeart/2005/8/layout/list1">
   <dgm:title val=""/>
@@ -5930,223 +4430,6 @@
 </dgm:layoutDef>
 </file>
 
-<file path=ppt/diagrams/layout3.xml><?xml version="1.0" encoding="utf-8"?>
-<dgm:layoutDef xmlns:dgm="http://schemas.openxmlformats.org/drawingml/2006/diagram" xmlns:a="http://schemas.openxmlformats.org/drawingml/2006/main" uniqueId="urn:microsoft.com/office/officeart/2005/8/layout/hList1">
-  <dgm:title val=""/>
-  <dgm:desc val=""/>
-  <dgm:catLst>
-    <dgm:cat type="list" pri="5000"/>
-    <dgm:cat type="convert" pri="5000"/>
-  </dgm:catLst>
-  <dgm:sampData>
-    <dgm:dataModel>
-      <dgm:ptLst>
-        <dgm:pt modelId="0" type="doc"/>
-        <dgm:pt modelId="1">
-          <dgm:prSet phldr="1"/>
-        </dgm:pt>
-        <dgm:pt modelId="11">
-          <dgm:prSet phldr="1"/>
-        </dgm:pt>
-        <dgm:pt modelId="12">
-          <dgm:prSet phldr="1"/>
-        </dgm:pt>
-        <dgm:pt modelId="2">
-          <dgm:prSet phldr="1"/>
-        </dgm:pt>
-        <dgm:pt modelId="21">
-          <dgm:prSet phldr="1"/>
-        </dgm:pt>
-        <dgm:pt modelId="22">
-          <dgm:prSet phldr="1"/>
-        </dgm:pt>
-        <dgm:pt modelId="3">
-          <dgm:prSet phldr="1"/>
-        </dgm:pt>
-        <dgm:pt modelId="31">
-          <dgm:prSet phldr="1"/>
-        </dgm:pt>
-        <dgm:pt modelId="32">
-          <dgm:prSet phldr="1"/>
-        </dgm:pt>
-      </dgm:ptLst>
-      <dgm:cxnLst>
-        <dgm:cxn modelId="4" srcId="0" destId="1" srcOrd="0" destOrd="0"/>
-        <dgm:cxn modelId="5" srcId="0" destId="2" srcOrd="1" destOrd="0"/>
-        <dgm:cxn modelId="6" srcId="0" destId="3" srcOrd="2" destOrd="0"/>
-        <dgm:cxn modelId="13" srcId="1" destId="11" srcOrd="0" destOrd="0"/>
-        <dgm:cxn modelId="14" srcId="1" destId="12" srcOrd="1" destOrd="0"/>
-        <dgm:cxn modelId="23" srcId="2" destId="21" srcOrd="0" destOrd="0"/>
-        <dgm:cxn modelId="24" srcId="2" destId="22" srcOrd="1" destOrd="0"/>
-        <dgm:cxn modelId="33" srcId="3" destId="31" srcOrd="0" destOrd="0"/>
-        <dgm:cxn modelId="34" srcId="3" destId="32" srcOrd="1" destOrd="0"/>
-      </dgm:cxnLst>
-      <dgm:bg/>
-      <dgm:whole/>
-    </dgm:dataModel>
-  </dgm:sampData>
-  <dgm:styleData>
-    <dgm:dataModel>
-      <dgm:ptLst>
-        <dgm:pt modelId="0" type="doc"/>
-        <dgm:pt modelId="1">
-          <dgm:prSet phldr="1"/>
-        </dgm:pt>
-        <dgm:pt modelId="2">
-          <dgm:prSet phldr="1"/>
-        </dgm:pt>
-      </dgm:ptLst>
-      <dgm:cxnLst>
-        <dgm:cxn modelId="3" srcId="0" destId="1" srcOrd="0" destOrd="0"/>
-        <dgm:cxn modelId="4" srcId="0" destId="2" srcOrd="1" destOrd="0"/>
-      </dgm:cxnLst>
-      <dgm:bg/>
-      <dgm:whole/>
-    </dgm:dataModel>
-  </dgm:styleData>
-  <dgm:clrData>
-    <dgm:dataModel>
-      <dgm:ptLst>
-        <dgm:pt modelId="0" type="doc"/>
-        <dgm:pt modelId="1">
-          <dgm:prSet phldr="1"/>
-        </dgm:pt>
-        <dgm:pt modelId="2">
-          <dgm:prSet phldr="1"/>
-        </dgm:pt>
-        <dgm:pt modelId="3">
-          <dgm:prSet phldr="1"/>
-        </dgm:pt>
-        <dgm:pt modelId="4">
-          <dgm:prSet phldr="1"/>
-        </dgm:pt>
-      </dgm:ptLst>
-      <dgm:cxnLst>
-        <dgm:cxn modelId="5" srcId="0" destId="1" srcOrd="0" destOrd="0"/>
-        <dgm:cxn modelId="6" srcId="0" destId="2" srcOrd="1" destOrd="0"/>
-        <dgm:cxn modelId="7" srcId="0" destId="3" srcOrd="2" destOrd="0"/>
-        <dgm:cxn modelId="8" srcId="0" destId="4" srcOrd="3" destOrd="0"/>
-      </dgm:cxnLst>
-      <dgm:bg/>
-      <dgm:whole/>
-    </dgm:dataModel>
-  </dgm:clrData>
-  <dgm:layoutNode name="Name0">
-    <dgm:varLst>
-      <dgm:dir/>
-      <dgm:animLvl val="lvl"/>
-      <dgm:resizeHandles val="exact"/>
-    </dgm:varLst>
-    <dgm:choose name="Name1">
-      <dgm:if name="Name2" func="var" arg="dir" op="equ" val="norm">
-        <dgm:alg type="lin"/>
-      </dgm:if>
-      <dgm:else name="Name3">
-        <dgm:alg type="lin">
-          <dgm:param type="linDir" val="fromR"/>
-        </dgm:alg>
-      </dgm:else>
-    </dgm:choose>
-    <dgm:shape xmlns:r="http://schemas.openxmlformats.org/officeDocument/2006/relationships" r:blip="">
-      <dgm:adjLst/>
-    </dgm:shape>
-    <dgm:presOf/>
-    <dgm:constrLst>
-      <dgm:constr type="h" for="ch" forName="composite" refType="h"/>
-      <dgm:constr type="w" for="ch" forName="composite" refType="w"/>
-      <dgm:constr type="w" for="des" forName="parTx"/>
-      <dgm:constr type="h" for="des" forName="parTx" op="equ"/>
-      <dgm:constr type="w" for="des" forName="desTx"/>
-      <dgm:constr type="h" for="des" forName="desTx" op="equ"/>
-      <dgm:constr type="primFontSz" for="des" forName="parTx" val="65"/>
-      <dgm:constr type="secFontSz" for="des" forName="desTx" refType="primFontSz" refFor="des" refForName="parTx" op="equ"/>
-      <dgm:constr type="h" for="des" forName="parTx" refType="primFontSz" refFor="des" refForName="parTx" fact="0.8"/>
-      <dgm:constr type="h" for="des" forName="desTx" refType="primFontSz" refFor="des" refForName="parTx" fact="1.22"/>
-      <dgm:constr type="w" for="ch" forName="space" refType="w" refFor="ch" refForName="composite" op="equ" fact="0.14"/>
-    </dgm:constrLst>
-    <dgm:ruleLst>
-      <dgm:rule type="w" for="ch" forName="composite" val="0" fact="NaN" max="NaN"/>
-      <dgm:rule type="primFontSz" for="des" forName="parTx" val="5" fact="NaN" max="NaN"/>
-    </dgm:ruleLst>
-    <dgm:forEach name="Name4" axis="ch" ptType="node">
-      <dgm:layoutNode name="composite">
-        <dgm:alg type="composite"/>
-        <dgm:shape xmlns:r="http://schemas.openxmlformats.org/officeDocument/2006/relationships" r:blip="">
-          <dgm:adjLst/>
-        </dgm:shape>
-        <dgm:presOf/>
-        <dgm:constrLst>
-          <dgm:constr type="l" for="ch" forName="parTx"/>
-          <dgm:constr type="w" for="ch" forName="parTx" refType="w"/>
-          <dgm:constr type="t" for="ch" forName="parTx"/>
-          <dgm:constr type="l" for="ch" forName="desTx"/>
-          <dgm:constr type="w" for="ch" forName="desTx" refType="w" refFor="ch" refForName="parTx"/>
-          <dgm:constr type="t" for="ch" forName="desTx" refType="h" refFor="ch" refForName="parTx"/>
-        </dgm:constrLst>
-        <dgm:ruleLst>
-          <dgm:rule type="h" val="INF" fact="NaN" max="NaN"/>
-        </dgm:ruleLst>
-        <dgm:layoutNode name="parTx" styleLbl="alignNode1">
-          <dgm:varLst>
-            <dgm:chMax val="0"/>
-            <dgm:chPref val="0"/>
-            <dgm:bulletEnabled val="1"/>
-          </dgm:varLst>
-          <dgm:alg type="tx"/>
-          <dgm:shape xmlns:r="http://schemas.openxmlformats.org/officeDocument/2006/relationships" type="rect" r:blip="">
-            <dgm:adjLst/>
-          </dgm:shape>
-          <dgm:presOf axis="self" ptType="node"/>
-          <dgm:constrLst>
-            <dgm:constr type="h" refType="w" op="lte" fact="0.4"/>
-            <dgm:constr type="h"/>
-            <dgm:constr type="tMarg" refType="primFontSz" fact="0.32"/>
-            <dgm:constr type="bMarg" refType="primFontSz" fact="0.32"/>
-          </dgm:constrLst>
-          <dgm:ruleLst>
-            <dgm:rule type="h" val="INF" fact="NaN" max="NaN"/>
-          </dgm:ruleLst>
-        </dgm:layoutNode>
-        <dgm:layoutNode name="desTx" styleLbl="alignAccFollowNode1">
-          <dgm:varLst>
-            <dgm:bulletEnabled val="1"/>
-          </dgm:varLst>
-          <dgm:alg type="tx">
-            <dgm:param type="stBulletLvl" val="1"/>
-          </dgm:alg>
-          <dgm:shape xmlns:r="http://schemas.openxmlformats.org/officeDocument/2006/relationships" type="rect" r:blip="">
-            <dgm:adjLst/>
-          </dgm:shape>
-          <dgm:presOf axis="des" ptType="node"/>
-          <dgm:constrLst>
-            <dgm:constr type="secFontSz" val="65"/>
-            <dgm:constr type="primFontSz" refType="secFontSz"/>
-            <dgm:constr type="h"/>
-            <dgm:constr type="lMarg" refType="primFontSz" fact="0.42"/>
-            <dgm:constr type="tMarg" refType="primFontSz" fact="0.42"/>
-            <dgm:constr type="bMarg" refType="primFontSz" fact="0.63"/>
-          </dgm:constrLst>
-          <dgm:ruleLst>
-            <dgm:rule type="h" val="INF" fact="NaN" max="NaN"/>
-          </dgm:ruleLst>
-        </dgm:layoutNode>
-      </dgm:layoutNode>
-      <dgm:forEach name="Name5" axis="followSib" ptType="sibTrans" cnt="1">
-        <dgm:layoutNode name="space">
-          <dgm:alg type="sp"/>
-          <dgm:shape xmlns:r="http://schemas.openxmlformats.org/officeDocument/2006/relationships" r:blip="">
-            <dgm:adjLst/>
-          </dgm:shape>
-          <dgm:presOf/>
-          <dgm:constrLst/>
-          <dgm:ruleLst/>
-        </dgm:layoutNode>
-      </dgm:forEach>
-    </dgm:forEach>
-  </dgm:layoutNode>
-</dgm:layoutDef>
-</file>
-
 <file path=ppt/diagrams/quickStyle1.xml><?xml version="1.0" encoding="utf-8"?>
 <dgm:styleDef xmlns:dgm="http://schemas.openxmlformats.org/drawingml/2006/diagram" xmlns:a="http://schemas.openxmlformats.org/drawingml/2006/main" uniqueId="urn:microsoft.com/office/officeart/2005/8/quickstyle/simple1">
   <dgm:title val=""/>
@@ -7182,1040 +5465,6 @@
 </file>
 
 <file path=ppt/diagrams/quickStyle2.xml><?xml version="1.0" encoding="utf-8"?>
-<dgm:styleDef xmlns:dgm="http://schemas.openxmlformats.org/drawingml/2006/diagram" xmlns:a="http://schemas.openxmlformats.org/drawingml/2006/main" uniqueId="urn:microsoft.com/office/officeart/2005/8/quickstyle/simple1">
-  <dgm:title val=""/>
-  <dgm:desc val=""/>
-  <dgm:catLst>
-    <dgm:cat type="simple" pri="10100"/>
-  </dgm:catLst>
-  <dgm:scene3d>
-    <a:camera prst="orthographicFront"/>
-    <a:lightRig rig="threePt" dir="t"/>
-  </dgm:scene3d>
-  <dgm:styleLbl name="node0">
-    <dgm:scene3d>
-      <a:camera prst="orthographicFront"/>
-      <a:lightRig rig="threePt" dir="t"/>
-    </dgm:scene3d>
-    <dgm:sp3d/>
-    <dgm:txPr/>
-    <dgm:style>
-      <a:lnRef idx="2">
-        <a:scrgbClr r="0" g="0" b="0"/>
-      </a:lnRef>
-      <a:fillRef idx="1">
-        <a:scrgbClr r="0" g="0" b="0"/>
-      </a:fillRef>
-      <a:effectRef idx="0">
-        <a:scrgbClr r="0" g="0" b="0"/>
-      </a:effectRef>
-      <a:fontRef idx="minor">
-        <a:schemeClr val="lt1"/>
-      </a:fontRef>
-    </dgm:style>
-  </dgm:styleLbl>
-  <dgm:styleLbl name="lnNode1">
-    <dgm:scene3d>
-      <a:camera prst="orthographicFront"/>
-      <a:lightRig rig="threePt" dir="t"/>
-    </dgm:scene3d>
-    <dgm:sp3d/>
-    <dgm:txPr/>
-    <dgm:style>
-      <a:lnRef idx="2">
-        <a:scrgbClr r="0" g="0" b="0"/>
-      </a:lnRef>
-      <a:fillRef idx="1">
-        <a:scrgbClr r="0" g="0" b="0"/>
-      </a:fillRef>
-      <a:effectRef idx="0">
-        <a:scrgbClr r="0" g="0" b="0"/>
-      </a:effectRef>
-      <a:fontRef idx="minor">
-        <a:schemeClr val="lt1"/>
-      </a:fontRef>
-    </dgm:style>
-  </dgm:styleLbl>
-  <dgm:styleLbl name="vennNode1">
-    <dgm:scene3d>
-      <a:camera prst="orthographicFront"/>
-      <a:lightRig rig="threePt" dir="t"/>
-    </dgm:scene3d>
-    <dgm:sp3d/>
-    <dgm:txPr/>
-    <dgm:style>
-      <a:lnRef idx="2">
-        <a:scrgbClr r="0" g="0" b="0"/>
-      </a:lnRef>
-      <a:fillRef idx="1">
-        <a:scrgbClr r="0" g="0" b="0"/>
-      </a:fillRef>
-      <a:effectRef idx="0">
-        <a:scrgbClr r="0" g="0" b="0"/>
-      </a:effectRef>
-      <a:fontRef idx="minor">
-        <a:schemeClr val="tx1"/>
-      </a:fontRef>
-    </dgm:style>
-  </dgm:styleLbl>
-  <dgm:styleLbl name="alignNode1">
-    <dgm:scene3d>
-      <a:camera prst="orthographicFront"/>
-      <a:lightRig rig="threePt" dir="t"/>
-    </dgm:scene3d>
-    <dgm:sp3d/>
-    <dgm:txPr/>
-    <dgm:style>
-      <a:lnRef idx="2">
-        <a:scrgbClr r="0" g="0" b="0"/>
-      </a:lnRef>
-      <a:fillRef idx="1">
-        <a:scrgbClr r="0" g="0" b="0"/>
-      </a:fillRef>
-      <a:effectRef idx="0">
-        <a:scrgbClr r="0" g="0" b="0"/>
-      </a:effectRef>
-      <a:fontRef idx="minor">
-        <a:schemeClr val="lt1"/>
-      </a:fontRef>
-    </dgm:style>
-  </dgm:styleLbl>
-  <dgm:styleLbl name="node1">
-    <dgm:scene3d>
-      <a:camera prst="orthographicFront"/>
-      <a:lightRig rig="threePt" dir="t"/>
-    </dgm:scene3d>
-    <dgm:sp3d/>
-    <dgm:txPr/>
-    <dgm:style>
-      <a:lnRef idx="2">
-        <a:scrgbClr r="0" g="0" b="0"/>
-      </a:lnRef>
-      <a:fillRef idx="1">
-        <a:scrgbClr r="0" g="0" b="0"/>
-      </a:fillRef>
-      <a:effectRef idx="0">
-        <a:scrgbClr r="0" g="0" b="0"/>
-      </a:effectRef>
-      <a:fontRef idx="minor">
-        <a:schemeClr val="lt1"/>
-      </a:fontRef>
-    </dgm:style>
-  </dgm:styleLbl>
-  <dgm:styleLbl name="node2">
-    <dgm:scene3d>
-      <a:camera prst="orthographicFront"/>
-      <a:lightRig rig="threePt" dir="t"/>
-    </dgm:scene3d>
-    <dgm:sp3d/>
-    <dgm:txPr/>
-    <dgm:style>
-      <a:lnRef idx="2">
-        <a:scrgbClr r="0" g="0" b="0"/>
-      </a:lnRef>
-      <a:fillRef idx="1">
-        <a:scrgbClr r="0" g="0" b="0"/>
-      </a:fillRef>
-      <a:effectRef idx="0">
-        <a:scrgbClr r="0" g="0" b="0"/>
-      </a:effectRef>
-      <a:fontRef idx="minor">
-        <a:schemeClr val="lt1"/>
-      </a:fontRef>
-    </dgm:style>
-  </dgm:styleLbl>
-  <dgm:styleLbl name="node3">
-    <dgm:scene3d>
-      <a:camera prst="orthographicFront"/>
-      <a:lightRig rig="threePt" dir="t"/>
-    </dgm:scene3d>
-    <dgm:sp3d/>
-    <dgm:txPr/>
-    <dgm:style>
-      <a:lnRef idx="2">
-        <a:scrgbClr r="0" g="0" b="0"/>
-      </a:lnRef>
-      <a:fillRef idx="1">
-        <a:scrgbClr r="0" g="0" b="0"/>
-      </a:fillRef>
-      <a:effectRef idx="0">
-        <a:scrgbClr r="0" g="0" b="0"/>
-      </a:effectRef>
-      <a:fontRef idx="minor">
-        <a:schemeClr val="lt1"/>
-      </a:fontRef>
-    </dgm:style>
-  </dgm:styleLbl>
-  <dgm:styleLbl name="node4">
-    <dgm:scene3d>
-      <a:camera prst="orthographicFront"/>
-      <a:lightRig rig="threePt" dir="t"/>
-    </dgm:scene3d>
-    <dgm:sp3d/>
-    <dgm:txPr/>
-    <dgm:style>
-      <a:lnRef idx="2">
-        <a:scrgbClr r="0" g="0" b="0"/>
-      </a:lnRef>
-      <a:fillRef idx="1">
-        <a:scrgbClr r="0" g="0" b="0"/>
-      </a:fillRef>
-      <a:effectRef idx="0">
-        <a:scrgbClr r="0" g="0" b="0"/>
-      </a:effectRef>
-      <a:fontRef idx="minor">
-        <a:schemeClr val="lt1"/>
-      </a:fontRef>
-    </dgm:style>
-  </dgm:styleLbl>
-  <dgm:styleLbl name="fgImgPlace1">
-    <dgm:scene3d>
-      <a:camera prst="orthographicFront"/>
-      <a:lightRig rig="threePt" dir="t"/>
-    </dgm:scene3d>
-    <dgm:sp3d/>
-    <dgm:txPr/>
-    <dgm:style>
-      <a:lnRef idx="2">
-        <a:scrgbClr r="0" g="0" b="0"/>
-      </a:lnRef>
-      <a:fillRef idx="1">
-        <a:scrgbClr r="0" g="0" b="0"/>
-      </a:fillRef>
-      <a:effectRef idx="0">
-        <a:scrgbClr r="0" g="0" b="0"/>
-      </a:effectRef>
-      <a:fontRef idx="minor"/>
-    </dgm:style>
-  </dgm:styleLbl>
-  <dgm:styleLbl name="alignImgPlace1">
-    <dgm:scene3d>
-      <a:camera prst="orthographicFront"/>
-      <a:lightRig rig="threePt" dir="t"/>
-    </dgm:scene3d>
-    <dgm:sp3d/>
-    <dgm:txPr/>
-    <dgm:style>
-      <a:lnRef idx="2">
-        <a:scrgbClr r="0" g="0" b="0"/>
-      </a:lnRef>
-      <a:fillRef idx="1">
-        <a:scrgbClr r="0" g="0" b="0"/>
-      </a:fillRef>
-      <a:effectRef idx="0">
-        <a:scrgbClr r="0" g="0" b="0"/>
-      </a:effectRef>
-      <a:fontRef idx="minor"/>
-    </dgm:style>
-  </dgm:styleLbl>
-  <dgm:styleLbl name="bgImgPlace1">
-    <dgm:scene3d>
-      <a:camera prst="orthographicFront"/>
-      <a:lightRig rig="threePt" dir="t"/>
-    </dgm:scene3d>
-    <dgm:sp3d/>
-    <dgm:txPr/>
-    <dgm:style>
-      <a:lnRef idx="2">
-        <a:scrgbClr r="0" g="0" b="0"/>
-      </a:lnRef>
-      <a:fillRef idx="1">
-        <a:scrgbClr r="0" g="0" b="0"/>
-      </a:fillRef>
-      <a:effectRef idx="0">
-        <a:scrgbClr r="0" g="0" b="0"/>
-      </a:effectRef>
-      <a:fontRef idx="minor"/>
-    </dgm:style>
-  </dgm:styleLbl>
-  <dgm:styleLbl name="sibTrans2D1">
-    <dgm:scene3d>
-      <a:camera prst="orthographicFront"/>
-      <a:lightRig rig="threePt" dir="t"/>
-    </dgm:scene3d>
-    <dgm:sp3d/>
-    <dgm:txPr/>
-    <dgm:style>
-      <a:lnRef idx="0">
-        <a:scrgbClr r="0" g="0" b="0"/>
-      </a:lnRef>
-      <a:fillRef idx="1">
-        <a:scrgbClr r="0" g="0" b="0"/>
-      </a:fillRef>
-      <a:effectRef idx="0">
-        <a:scrgbClr r="0" g="0" b="0"/>
-      </a:effectRef>
-      <a:fontRef idx="minor">
-        <a:schemeClr val="lt1"/>
-      </a:fontRef>
-    </dgm:style>
-  </dgm:styleLbl>
-  <dgm:styleLbl name="fgSibTrans2D1">
-    <dgm:scene3d>
-      <a:camera prst="orthographicFront"/>
-      <a:lightRig rig="threePt" dir="t"/>
-    </dgm:scene3d>
-    <dgm:sp3d/>
-    <dgm:txPr/>
-    <dgm:style>
-      <a:lnRef idx="0">
-        <a:scrgbClr r="0" g="0" b="0"/>
-      </a:lnRef>
-      <a:fillRef idx="1">
-        <a:scrgbClr r="0" g="0" b="0"/>
-      </a:fillRef>
-      <a:effectRef idx="0">
-        <a:scrgbClr r="0" g="0" b="0"/>
-      </a:effectRef>
-      <a:fontRef idx="minor">
-        <a:schemeClr val="lt1"/>
-      </a:fontRef>
-    </dgm:style>
-  </dgm:styleLbl>
-  <dgm:styleLbl name="bgSibTrans2D1">
-    <dgm:scene3d>
-      <a:camera prst="orthographicFront"/>
-      <a:lightRig rig="threePt" dir="t"/>
-    </dgm:scene3d>
-    <dgm:sp3d/>
-    <dgm:txPr/>
-    <dgm:style>
-      <a:lnRef idx="0">
-        <a:scrgbClr r="0" g="0" b="0"/>
-      </a:lnRef>
-      <a:fillRef idx="1">
-        <a:scrgbClr r="0" g="0" b="0"/>
-      </a:fillRef>
-      <a:effectRef idx="0">
-        <a:scrgbClr r="0" g="0" b="0"/>
-      </a:effectRef>
-      <a:fontRef idx="minor">
-        <a:schemeClr val="lt1"/>
-      </a:fontRef>
-    </dgm:style>
-  </dgm:styleLbl>
-  <dgm:styleLbl name="sibTrans1D1">
-    <dgm:scene3d>
-      <a:camera prst="orthographicFront"/>
-      <a:lightRig rig="threePt" dir="t"/>
-    </dgm:scene3d>
-    <dgm:sp3d/>
-    <dgm:txPr/>
-    <dgm:style>
-      <a:lnRef idx="1">
-        <a:scrgbClr r="0" g="0" b="0"/>
-      </a:lnRef>
-      <a:fillRef idx="0">
-        <a:scrgbClr r="0" g="0" b="0"/>
-      </a:fillRef>
-      <a:effectRef idx="0">
-        <a:scrgbClr r="0" g="0" b="0"/>
-      </a:effectRef>
-      <a:fontRef idx="minor"/>
-    </dgm:style>
-  </dgm:styleLbl>
-  <dgm:styleLbl name="callout">
-    <dgm:scene3d>
-      <a:camera prst="orthographicFront"/>
-      <a:lightRig rig="threePt" dir="t"/>
-    </dgm:scene3d>
-    <dgm:sp3d/>
-    <dgm:txPr/>
-    <dgm:style>
-      <a:lnRef idx="2">
-        <a:scrgbClr r="0" g="0" b="0"/>
-      </a:lnRef>
-      <a:fillRef idx="1">
-        <a:scrgbClr r="0" g="0" b="0"/>
-      </a:fillRef>
-      <a:effectRef idx="0">
-        <a:scrgbClr r="0" g="0" b="0"/>
-      </a:effectRef>
-      <a:fontRef idx="minor"/>
-    </dgm:style>
-  </dgm:styleLbl>
-  <dgm:styleLbl name="asst0">
-    <dgm:scene3d>
-      <a:camera prst="orthographicFront"/>
-      <a:lightRig rig="threePt" dir="t"/>
-    </dgm:scene3d>
-    <dgm:sp3d/>
-    <dgm:txPr/>
-    <dgm:style>
-      <a:lnRef idx="2">
-        <a:scrgbClr r="0" g="0" b="0"/>
-      </a:lnRef>
-      <a:fillRef idx="1">
-        <a:scrgbClr r="0" g="0" b="0"/>
-      </a:fillRef>
-      <a:effectRef idx="0">
-        <a:scrgbClr r="0" g="0" b="0"/>
-      </a:effectRef>
-      <a:fontRef idx="minor">
-        <a:schemeClr val="lt1"/>
-      </a:fontRef>
-    </dgm:style>
-  </dgm:styleLbl>
-  <dgm:styleLbl name="asst1">
-    <dgm:scene3d>
-      <a:camera prst="orthographicFront"/>
-      <a:lightRig rig="threePt" dir="t"/>
-    </dgm:scene3d>
-    <dgm:sp3d/>
-    <dgm:txPr/>
-    <dgm:style>
-      <a:lnRef idx="2">
-        <a:scrgbClr r="0" g="0" b="0"/>
-      </a:lnRef>
-      <a:fillRef idx="1">
-        <a:scrgbClr r="0" g="0" b="0"/>
-      </a:fillRef>
-      <a:effectRef idx="0">
-        <a:scrgbClr r="0" g="0" b="0"/>
-      </a:effectRef>
-      <a:fontRef idx="minor">
-        <a:schemeClr val="lt1"/>
-      </a:fontRef>
-    </dgm:style>
-  </dgm:styleLbl>
-  <dgm:styleLbl name="asst2">
-    <dgm:scene3d>
-      <a:camera prst="orthographicFront"/>
-      <a:lightRig rig="threePt" dir="t"/>
-    </dgm:scene3d>
-    <dgm:sp3d/>
-    <dgm:txPr/>
-    <dgm:style>
-      <a:lnRef idx="2">
-        <a:scrgbClr r="0" g="0" b="0"/>
-      </a:lnRef>
-      <a:fillRef idx="1">
-        <a:scrgbClr r="0" g="0" b="0"/>
-      </a:fillRef>
-      <a:effectRef idx="0">
-        <a:scrgbClr r="0" g="0" b="0"/>
-      </a:effectRef>
-      <a:fontRef idx="minor">
-        <a:schemeClr val="lt1"/>
-      </a:fontRef>
-    </dgm:style>
-  </dgm:styleLbl>
-  <dgm:styleLbl name="asst3">
-    <dgm:scene3d>
-      <a:camera prst="orthographicFront"/>
-      <a:lightRig rig="threePt" dir="t"/>
-    </dgm:scene3d>
-    <dgm:sp3d/>
-    <dgm:txPr/>
-    <dgm:style>
-      <a:lnRef idx="2">
-        <a:scrgbClr r="0" g="0" b="0"/>
-      </a:lnRef>
-      <a:fillRef idx="1">
-        <a:scrgbClr r="0" g="0" b="0"/>
-      </a:fillRef>
-      <a:effectRef idx="0">
-        <a:scrgbClr r="0" g="0" b="0"/>
-      </a:effectRef>
-      <a:fontRef idx="minor">
-        <a:schemeClr val="lt1"/>
-      </a:fontRef>
-    </dgm:style>
-  </dgm:styleLbl>
-  <dgm:styleLbl name="asst4">
-    <dgm:scene3d>
-      <a:camera prst="orthographicFront"/>
-      <a:lightRig rig="threePt" dir="t"/>
-    </dgm:scene3d>
-    <dgm:sp3d/>
-    <dgm:txPr/>
-    <dgm:style>
-      <a:lnRef idx="2">
-        <a:scrgbClr r="0" g="0" b="0"/>
-      </a:lnRef>
-      <a:fillRef idx="1">
-        <a:scrgbClr r="0" g="0" b="0"/>
-      </a:fillRef>
-      <a:effectRef idx="0">
-        <a:scrgbClr r="0" g="0" b="0"/>
-      </a:effectRef>
-      <a:fontRef idx="minor">
-        <a:schemeClr val="lt1"/>
-      </a:fontRef>
-    </dgm:style>
-  </dgm:styleLbl>
-  <dgm:styleLbl name="parChTrans2D1">
-    <dgm:scene3d>
-      <a:camera prst="orthographicFront"/>
-      <a:lightRig rig="threePt" dir="t"/>
-    </dgm:scene3d>
-    <dgm:sp3d/>
-    <dgm:txPr/>
-    <dgm:style>
-      <a:lnRef idx="2">
-        <a:scrgbClr r="0" g="0" b="0"/>
-      </a:lnRef>
-      <a:fillRef idx="1">
-        <a:scrgbClr r="0" g="0" b="0"/>
-      </a:fillRef>
-      <a:effectRef idx="0">
-        <a:scrgbClr r="0" g="0" b="0"/>
-      </a:effectRef>
-      <a:fontRef idx="minor">
-        <a:schemeClr val="lt1"/>
-      </a:fontRef>
-    </dgm:style>
-  </dgm:styleLbl>
-  <dgm:styleLbl name="parChTrans2D2">
-    <dgm:scene3d>
-      <a:camera prst="orthographicFront"/>
-      <a:lightRig rig="threePt" dir="t"/>
-    </dgm:scene3d>
-    <dgm:sp3d/>
-    <dgm:txPr/>
-    <dgm:style>
-      <a:lnRef idx="2">
-        <a:scrgbClr r="0" g="0" b="0"/>
-      </a:lnRef>
-      <a:fillRef idx="1">
-        <a:scrgbClr r="0" g="0" b="0"/>
-      </a:fillRef>
-      <a:effectRef idx="0">
-        <a:scrgbClr r="0" g="0" b="0"/>
-      </a:effectRef>
-      <a:fontRef idx="minor">
-        <a:schemeClr val="lt1"/>
-      </a:fontRef>
-    </dgm:style>
-  </dgm:styleLbl>
-  <dgm:styleLbl name="parChTrans2D3">
-    <dgm:scene3d>
-      <a:camera prst="orthographicFront"/>
-      <a:lightRig rig="threePt" dir="t"/>
-    </dgm:scene3d>
-    <dgm:sp3d/>
-    <dgm:txPr/>
-    <dgm:style>
-      <a:lnRef idx="2">
-        <a:scrgbClr r="0" g="0" b="0"/>
-      </a:lnRef>
-      <a:fillRef idx="1">
-        <a:scrgbClr r="0" g="0" b="0"/>
-      </a:fillRef>
-      <a:effectRef idx="0">
-        <a:scrgbClr r="0" g="0" b="0"/>
-      </a:effectRef>
-      <a:fontRef idx="minor">
-        <a:schemeClr val="lt1"/>
-      </a:fontRef>
-    </dgm:style>
-  </dgm:styleLbl>
-  <dgm:styleLbl name="parChTrans2D4">
-    <dgm:scene3d>
-      <a:camera prst="orthographicFront"/>
-      <a:lightRig rig="threePt" dir="t"/>
-    </dgm:scene3d>
-    <dgm:sp3d/>
-    <dgm:txPr/>
-    <dgm:style>
-      <a:lnRef idx="2">
-        <a:scrgbClr r="0" g="0" b="0"/>
-      </a:lnRef>
-      <a:fillRef idx="1">
-        <a:scrgbClr r="0" g="0" b="0"/>
-      </a:fillRef>
-      <a:effectRef idx="0">
-        <a:scrgbClr r="0" g="0" b="0"/>
-      </a:effectRef>
-      <a:fontRef idx="minor">
-        <a:schemeClr val="lt1"/>
-      </a:fontRef>
-    </dgm:style>
-  </dgm:styleLbl>
-  <dgm:styleLbl name="parChTrans1D1">
-    <dgm:scene3d>
-      <a:camera prst="orthographicFront"/>
-      <a:lightRig rig="threePt" dir="t"/>
-    </dgm:scene3d>
-    <dgm:sp3d/>
-    <dgm:txPr/>
-    <dgm:style>
-      <a:lnRef idx="2">
-        <a:scrgbClr r="0" g="0" b="0"/>
-      </a:lnRef>
-      <a:fillRef idx="0">
-        <a:scrgbClr r="0" g="0" b="0"/>
-      </a:fillRef>
-      <a:effectRef idx="0">
-        <a:scrgbClr r="0" g="0" b="0"/>
-      </a:effectRef>
-      <a:fontRef idx="minor"/>
-    </dgm:style>
-  </dgm:styleLbl>
-  <dgm:styleLbl name="parChTrans1D2">
-    <dgm:scene3d>
-      <a:camera prst="orthographicFront"/>
-      <a:lightRig rig="threePt" dir="t"/>
-    </dgm:scene3d>
-    <dgm:sp3d/>
-    <dgm:txPr/>
-    <dgm:style>
-      <a:lnRef idx="2">
-        <a:scrgbClr r="0" g="0" b="0"/>
-      </a:lnRef>
-      <a:fillRef idx="0">
-        <a:scrgbClr r="0" g="0" b="0"/>
-      </a:fillRef>
-      <a:effectRef idx="0">
-        <a:scrgbClr r="0" g="0" b="0"/>
-      </a:effectRef>
-      <a:fontRef idx="minor"/>
-    </dgm:style>
-  </dgm:styleLbl>
-  <dgm:styleLbl name="parChTrans1D3">
-    <dgm:scene3d>
-      <a:camera prst="orthographicFront"/>
-      <a:lightRig rig="threePt" dir="t"/>
-    </dgm:scene3d>
-    <dgm:sp3d/>
-    <dgm:txPr/>
-    <dgm:style>
-      <a:lnRef idx="2">
-        <a:scrgbClr r="0" g="0" b="0"/>
-      </a:lnRef>
-      <a:fillRef idx="0">
-        <a:scrgbClr r="0" g="0" b="0"/>
-      </a:fillRef>
-      <a:effectRef idx="0">
-        <a:scrgbClr r="0" g="0" b="0"/>
-      </a:effectRef>
-      <a:fontRef idx="minor"/>
-    </dgm:style>
-  </dgm:styleLbl>
-  <dgm:styleLbl name="parChTrans1D4">
-    <dgm:scene3d>
-      <a:camera prst="orthographicFront"/>
-      <a:lightRig rig="threePt" dir="t"/>
-    </dgm:scene3d>
-    <dgm:sp3d/>
-    <dgm:txPr/>
-    <dgm:style>
-      <a:lnRef idx="2">
-        <a:scrgbClr r="0" g="0" b="0"/>
-      </a:lnRef>
-      <a:fillRef idx="0">
-        <a:scrgbClr r="0" g="0" b="0"/>
-      </a:fillRef>
-      <a:effectRef idx="0">
-        <a:scrgbClr r="0" g="0" b="0"/>
-      </a:effectRef>
-      <a:fontRef idx="minor"/>
-    </dgm:style>
-  </dgm:styleLbl>
-  <dgm:styleLbl name="fgAcc1">
-    <dgm:scene3d>
-      <a:camera prst="orthographicFront"/>
-      <a:lightRig rig="threePt" dir="t"/>
-    </dgm:scene3d>
-    <dgm:sp3d/>
-    <dgm:txPr/>
-    <dgm:style>
-      <a:lnRef idx="2">
-        <a:scrgbClr r="0" g="0" b="0"/>
-      </a:lnRef>
-      <a:fillRef idx="1">
-        <a:scrgbClr r="0" g="0" b="0"/>
-      </a:fillRef>
-      <a:effectRef idx="0">
-        <a:scrgbClr r="0" g="0" b="0"/>
-      </a:effectRef>
-      <a:fontRef idx="minor"/>
-    </dgm:style>
-  </dgm:styleLbl>
-  <dgm:styleLbl name="conFgAcc1">
-    <dgm:scene3d>
-      <a:camera prst="orthographicFront"/>
-      <a:lightRig rig="threePt" dir="t"/>
-    </dgm:scene3d>
-    <dgm:sp3d/>
-    <dgm:txPr/>
-    <dgm:style>
-      <a:lnRef idx="2">
-        <a:scrgbClr r="0" g="0" b="0"/>
-      </a:lnRef>
-      <a:fillRef idx="1">
-        <a:scrgbClr r="0" g="0" b="0"/>
-      </a:fillRef>
-      <a:effectRef idx="0">
-        <a:scrgbClr r="0" g="0" b="0"/>
-      </a:effectRef>
-      <a:fontRef idx="minor"/>
-    </dgm:style>
-  </dgm:styleLbl>
-  <dgm:styleLbl name="alignAcc1">
-    <dgm:scene3d>
-      <a:camera prst="orthographicFront"/>
-      <a:lightRig rig="threePt" dir="t"/>
-    </dgm:scene3d>
-    <dgm:sp3d/>
-    <dgm:txPr/>
-    <dgm:style>
-      <a:lnRef idx="2">
-        <a:scrgbClr r="0" g="0" b="0"/>
-      </a:lnRef>
-      <a:fillRef idx="1">
-        <a:scrgbClr r="0" g="0" b="0"/>
-      </a:fillRef>
-      <a:effectRef idx="0">
-        <a:scrgbClr r="0" g="0" b="0"/>
-      </a:effectRef>
-      <a:fontRef idx="minor"/>
-    </dgm:style>
-  </dgm:styleLbl>
-  <dgm:styleLbl name="trAlignAcc1">
-    <dgm:scene3d>
-      <a:camera prst="orthographicFront"/>
-      <a:lightRig rig="threePt" dir="t"/>
-    </dgm:scene3d>
-    <dgm:sp3d/>
-    <dgm:txPr/>
-    <dgm:style>
-      <a:lnRef idx="1">
-        <a:scrgbClr r="0" g="0" b="0"/>
-      </a:lnRef>
-      <a:fillRef idx="1">
-        <a:scrgbClr r="0" g="0" b="0"/>
-      </a:fillRef>
-      <a:effectRef idx="0">
-        <a:scrgbClr r="0" g="0" b="0"/>
-      </a:effectRef>
-      <a:fontRef idx="minor"/>
-    </dgm:style>
-  </dgm:styleLbl>
-  <dgm:styleLbl name="bgAcc1">
-    <dgm:scene3d>
-      <a:camera prst="orthographicFront"/>
-      <a:lightRig rig="threePt" dir="t"/>
-    </dgm:scene3d>
-    <dgm:sp3d/>
-    <dgm:txPr/>
-    <dgm:style>
-      <a:lnRef idx="2">
-        <a:scrgbClr r="0" g="0" b="0"/>
-      </a:lnRef>
-      <a:fillRef idx="1">
-        <a:scrgbClr r="0" g="0" b="0"/>
-      </a:fillRef>
-      <a:effectRef idx="0">
-        <a:scrgbClr r="0" g="0" b="0"/>
-      </a:effectRef>
-      <a:fontRef idx="minor"/>
-    </dgm:style>
-  </dgm:styleLbl>
-  <dgm:styleLbl name="solidFgAcc1">
-    <dgm:scene3d>
-      <a:camera prst="orthographicFront"/>
-      <a:lightRig rig="threePt" dir="t"/>
-    </dgm:scene3d>
-    <dgm:sp3d/>
-    <dgm:txPr/>
-    <dgm:style>
-      <a:lnRef idx="2">
-        <a:scrgbClr r="0" g="0" b="0"/>
-      </a:lnRef>
-      <a:fillRef idx="1">
-        <a:scrgbClr r="0" g="0" b="0"/>
-      </a:fillRef>
-      <a:effectRef idx="0">
-        <a:scrgbClr r="0" g="0" b="0"/>
-      </a:effectRef>
-      <a:fontRef idx="minor"/>
-    </dgm:style>
-  </dgm:styleLbl>
-  <dgm:styleLbl name="solidAlignAcc1">
-    <dgm:scene3d>
-      <a:camera prst="orthographicFront"/>
-      <a:lightRig rig="threePt" dir="t"/>
-    </dgm:scene3d>
-    <dgm:sp3d/>
-    <dgm:txPr/>
-    <dgm:style>
-      <a:lnRef idx="2">
-        <a:scrgbClr r="0" g="0" b="0"/>
-      </a:lnRef>
-      <a:fillRef idx="1">
-        <a:scrgbClr r="0" g="0" b="0"/>
-      </a:fillRef>
-      <a:effectRef idx="0">
-        <a:scrgbClr r="0" g="0" b="0"/>
-      </a:effectRef>
-      <a:fontRef idx="minor"/>
-    </dgm:style>
-  </dgm:styleLbl>
-  <dgm:styleLbl name="solidBgAcc1">
-    <dgm:scene3d>
-      <a:camera prst="orthographicFront"/>
-      <a:lightRig rig="threePt" dir="t"/>
-    </dgm:scene3d>
-    <dgm:sp3d/>
-    <dgm:txPr/>
-    <dgm:style>
-      <a:lnRef idx="2">
-        <a:scrgbClr r="0" g="0" b="0"/>
-      </a:lnRef>
-      <a:fillRef idx="1">
-        <a:scrgbClr r="0" g="0" b="0"/>
-      </a:fillRef>
-      <a:effectRef idx="0">
-        <a:scrgbClr r="0" g="0" b="0"/>
-      </a:effectRef>
-      <a:fontRef idx="minor"/>
-    </dgm:style>
-  </dgm:styleLbl>
-  <dgm:styleLbl name="fgAccFollowNode1">
-    <dgm:scene3d>
-      <a:camera prst="orthographicFront"/>
-      <a:lightRig rig="threePt" dir="t"/>
-    </dgm:scene3d>
-    <dgm:sp3d/>
-    <dgm:txPr/>
-    <dgm:style>
-      <a:lnRef idx="2">
-        <a:scrgbClr r="0" g="0" b="0"/>
-      </a:lnRef>
-      <a:fillRef idx="1">
-        <a:scrgbClr r="0" g="0" b="0"/>
-      </a:fillRef>
-      <a:effectRef idx="0">
-        <a:scrgbClr r="0" g="0" b="0"/>
-      </a:effectRef>
-      <a:fontRef idx="minor"/>
-    </dgm:style>
-  </dgm:styleLbl>
-  <dgm:styleLbl name="alignAccFollowNode1">
-    <dgm:scene3d>
-      <a:camera prst="orthographicFront"/>
-      <a:lightRig rig="threePt" dir="t"/>
-    </dgm:scene3d>
-    <dgm:sp3d/>
-    <dgm:txPr/>
-    <dgm:style>
-      <a:lnRef idx="2">
-        <a:scrgbClr r="0" g="0" b="0"/>
-      </a:lnRef>
-      <a:fillRef idx="1">
-        <a:scrgbClr r="0" g="0" b="0"/>
-      </a:fillRef>
-      <a:effectRef idx="0">
-        <a:scrgbClr r="0" g="0" b="0"/>
-      </a:effectRef>
-      <a:fontRef idx="minor"/>
-    </dgm:style>
-  </dgm:styleLbl>
-  <dgm:styleLbl name="bgAccFollowNode1">
-    <dgm:scene3d>
-      <a:camera prst="orthographicFront"/>
-      <a:lightRig rig="threePt" dir="t"/>
-    </dgm:scene3d>
-    <dgm:sp3d/>
-    <dgm:txPr/>
-    <dgm:style>
-      <a:lnRef idx="2">
-        <a:scrgbClr r="0" g="0" b="0"/>
-      </a:lnRef>
-      <a:fillRef idx="1">
-        <a:scrgbClr r="0" g="0" b="0"/>
-      </a:fillRef>
-      <a:effectRef idx="0">
-        <a:scrgbClr r="0" g="0" b="0"/>
-      </a:effectRef>
-      <a:fontRef idx="minor"/>
-    </dgm:style>
-  </dgm:styleLbl>
-  <dgm:styleLbl name="fgAcc0">
-    <dgm:scene3d>
-      <a:camera prst="orthographicFront"/>
-      <a:lightRig rig="threePt" dir="t"/>
-    </dgm:scene3d>
-    <dgm:sp3d/>
-    <dgm:txPr/>
-    <dgm:style>
-      <a:lnRef idx="2">
-        <a:scrgbClr r="0" g="0" b="0"/>
-      </a:lnRef>
-      <a:fillRef idx="1">
-        <a:scrgbClr r="0" g="0" b="0"/>
-      </a:fillRef>
-      <a:effectRef idx="0">
-        <a:scrgbClr r="0" g="0" b="0"/>
-      </a:effectRef>
-      <a:fontRef idx="minor"/>
-    </dgm:style>
-  </dgm:styleLbl>
-  <dgm:styleLbl name="fgAcc2">
-    <dgm:scene3d>
-      <a:camera prst="orthographicFront"/>
-      <a:lightRig rig="threePt" dir="t"/>
-    </dgm:scene3d>
-    <dgm:sp3d/>
-    <dgm:txPr/>
-    <dgm:style>
-      <a:lnRef idx="2">
-        <a:scrgbClr r="0" g="0" b="0"/>
-      </a:lnRef>
-      <a:fillRef idx="1">
-        <a:scrgbClr r="0" g="0" b="0"/>
-      </a:fillRef>
-      <a:effectRef idx="0">
-        <a:scrgbClr r="0" g="0" b="0"/>
-      </a:effectRef>
-      <a:fontRef idx="minor"/>
-    </dgm:style>
-  </dgm:styleLbl>
-  <dgm:styleLbl name="fgAcc3">
-    <dgm:scene3d>
-      <a:camera prst="orthographicFront"/>
-      <a:lightRig rig="threePt" dir="t"/>
-    </dgm:scene3d>
-    <dgm:sp3d/>
-    <dgm:txPr/>
-    <dgm:style>
-      <a:lnRef idx="2">
-        <a:scrgbClr r="0" g="0" b="0"/>
-      </a:lnRef>
-      <a:fillRef idx="1">
-        <a:scrgbClr r="0" g="0" b="0"/>
-      </a:fillRef>
-      <a:effectRef idx="0">
-        <a:scrgbClr r="0" g="0" b="0"/>
-      </a:effectRef>
-      <a:fontRef idx="minor"/>
-    </dgm:style>
-  </dgm:styleLbl>
-  <dgm:styleLbl name="fgAcc4">
-    <dgm:scene3d>
-      <a:camera prst="orthographicFront"/>
-      <a:lightRig rig="threePt" dir="t"/>
-    </dgm:scene3d>
-    <dgm:sp3d/>
-    <dgm:txPr/>
-    <dgm:style>
-      <a:lnRef idx="2">
-        <a:scrgbClr r="0" g="0" b="0"/>
-      </a:lnRef>
-      <a:fillRef idx="1">
-        <a:scrgbClr r="0" g="0" b="0"/>
-      </a:fillRef>
-      <a:effectRef idx="0">
-        <a:scrgbClr r="0" g="0" b="0"/>
-      </a:effectRef>
-      <a:fontRef idx="minor"/>
-    </dgm:style>
-  </dgm:styleLbl>
-  <dgm:styleLbl name="bgShp">
-    <dgm:scene3d>
-      <a:camera prst="orthographicFront"/>
-      <a:lightRig rig="threePt" dir="t"/>
-    </dgm:scene3d>
-    <dgm:sp3d/>
-    <dgm:txPr/>
-    <dgm:style>
-      <a:lnRef idx="0">
-        <a:scrgbClr r="0" g="0" b="0"/>
-      </a:lnRef>
-      <a:fillRef idx="1">
-        <a:scrgbClr r="0" g="0" b="0"/>
-      </a:fillRef>
-      <a:effectRef idx="0">
-        <a:scrgbClr r="0" g="0" b="0"/>
-      </a:effectRef>
-      <a:fontRef idx="minor"/>
-    </dgm:style>
-  </dgm:styleLbl>
-  <dgm:styleLbl name="dkBgShp">
-    <dgm:scene3d>
-      <a:camera prst="orthographicFront"/>
-      <a:lightRig rig="threePt" dir="t"/>
-    </dgm:scene3d>
-    <dgm:sp3d/>
-    <dgm:txPr/>
-    <dgm:style>
-      <a:lnRef idx="0">
-        <a:scrgbClr r="0" g="0" b="0"/>
-      </a:lnRef>
-      <a:fillRef idx="1">
-        <a:scrgbClr r="0" g="0" b="0"/>
-      </a:fillRef>
-      <a:effectRef idx="0">
-        <a:scrgbClr r="0" g="0" b="0"/>
-      </a:effectRef>
-      <a:fontRef idx="minor"/>
-    </dgm:style>
-  </dgm:styleLbl>
-  <dgm:styleLbl name="trBgShp">
-    <dgm:scene3d>
-      <a:camera prst="orthographicFront"/>
-      <a:lightRig rig="threePt" dir="t"/>
-    </dgm:scene3d>
-    <dgm:sp3d/>
-    <dgm:txPr/>
-    <dgm:style>
-      <a:lnRef idx="0">
-        <a:scrgbClr r="0" g="0" b="0"/>
-      </a:lnRef>
-      <a:fillRef idx="1">
-        <a:scrgbClr r="0" g="0" b="0"/>
-      </a:fillRef>
-      <a:effectRef idx="0">
-        <a:scrgbClr r="0" g="0" b="0"/>
-      </a:effectRef>
-      <a:fontRef idx="minor"/>
-    </dgm:style>
-  </dgm:styleLbl>
-  <dgm:styleLbl name="fgShp">
-    <dgm:scene3d>
-      <a:camera prst="orthographicFront"/>
-      <a:lightRig rig="threePt" dir="t"/>
-    </dgm:scene3d>
-    <dgm:sp3d/>
-    <dgm:txPr/>
-    <dgm:style>
-      <a:lnRef idx="2">
-        <a:scrgbClr r="0" g="0" b="0"/>
-      </a:lnRef>
-      <a:fillRef idx="1">
-        <a:scrgbClr r="0" g="0" b="0"/>
-      </a:fillRef>
-      <a:effectRef idx="0">
-        <a:scrgbClr r="0" g="0" b="0"/>
-      </a:effectRef>
-      <a:fontRef idx="minor"/>
-    </dgm:style>
-  </dgm:styleLbl>
-  <dgm:styleLbl name="revTx">
-    <dgm:scene3d>
-      <a:camera prst="orthographicFront"/>
-      <a:lightRig rig="threePt" dir="t"/>
-    </dgm:scene3d>
-    <dgm:sp3d/>
-    <dgm:txPr/>
-    <dgm:style>
-      <a:lnRef idx="0">
-        <a:scrgbClr r="0" g="0" b="0"/>
-      </a:lnRef>
-      <a:fillRef idx="0">
-        <a:scrgbClr r="0" g="0" b="0"/>
-      </a:fillRef>
-      <a:effectRef idx="0">
-        <a:scrgbClr r="0" g="0" b="0"/>
-      </a:effectRef>
-      <a:fontRef idx="minor"/>
-    </dgm:style>
-  </dgm:styleLbl>
-</dgm:styleDef>
-</file>
-
-<file path=ppt/diagrams/quickStyle3.xml><?xml version="1.0" encoding="utf-8"?>
 <dgm:styleDef xmlns:dgm="http://schemas.openxmlformats.org/drawingml/2006/diagram" xmlns:a="http://schemas.openxmlformats.org/drawingml/2006/main" uniqueId="urn:microsoft.com/office/officeart/2005/8/quickstyle/simple1">
   <dgm:title val=""/>
   <dgm:desc val=""/>
@@ -9396,7 +6645,7 @@
           <a:p>
             <a:fld id="{99DF9A35-D215-42DB-BDEA-4D8D103EA8E3}" type="datetimeFigureOut">
               <a:rPr lang="fr-FR" smtClean="0"/>
-              <a:t>25/05/2021</a:t>
+              <a:t>27/05/2021</a:t>
             </a:fld>
             <a:endParaRPr lang="fr-FR"/>
           </a:p>
@@ -9594,7 +6843,7 @@
           <a:p>
             <a:fld id="{99DF9A35-D215-42DB-BDEA-4D8D103EA8E3}" type="datetimeFigureOut">
               <a:rPr lang="fr-FR" smtClean="0"/>
-              <a:t>25/05/2021</a:t>
+              <a:t>27/05/2021</a:t>
             </a:fld>
             <a:endParaRPr lang="fr-FR"/>
           </a:p>
@@ -9802,7 +7051,7 @@
           <a:p>
             <a:fld id="{99DF9A35-D215-42DB-BDEA-4D8D103EA8E3}" type="datetimeFigureOut">
               <a:rPr lang="fr-FR" smtClean="0"/>
-              <a:t>25/05/2021</a:t>
+              <a:t>27/05/2021</a:t>
             </a:fld>
             <a:endParaRPr lang="fr-FR"/>
           </a:p>
@@ -10000,7 +7249,7 @@
           <a:p>
             <a:fld id="{99DF9A35-D215-42DB-BDEA-4D8D103EA8E3}" type="datetimeFigureOut">
               <a:rPr lang="fr-FR" smtClean="0"/>
-              <a:t>25/05/2021</a:t>
+              <a:t>27/05/2021</a:t>
             </a:fld>
             <a:endParaRPr lang="fr-FR"/>
           </a:p>
@@ -10275,7 +7524,7 @@
           <a:p>
             <a:fld id="{99DF9A35-D215-42DB-BDEA-4D8D103EA8E3}" type="datetimeFigureOut">
               <a:rPr lang="fr-FR" smtClean="0"/>
-              <a:t>25/05/2021</a:t>
+              <a:t>27/05/2021</a:t>
             </a:fld>
             <a:endParaRPr lang="fr-FR"/>
           </a:p>
@@ -10540,7 +7789,7 @@
           <a:p>
             <a:fld id="{99DF9A35-D215-42DB-BDEA-4D8D103EA8E3}" type="datetimeFigureOut">
               <a:rPr lang="fr-FR" smtClean="0"/>
-              <a:t>25/05/2021</a:t>
+              <a:t>27/05/2021</a:t>
             </a:fld>
             <a:endParaRPr lang="fr-FR"/>
           </a:p>
@@ -10952,7 +8201,7 @@
           <a:p>
             <a:fld id="{99DF9A35-D215-42DB-BDEA-4D8D103EA8E3}" type="datetimeFigureOut">
               <a:rPr lang="fr-FR" smtClean="0"/>
-              <a:t>25/05/2021</a:t>
+              <a:t>27/05/2021</a:t>
             </a:fld>
             <a:endParaRPr lang="fr-FR"/>
           </a:p>
@@ -11093,7 +8342,7 @@
           <a:p>
             <a:fld id="{99DF9A35-D215-42DB-BDEA-4D8D103EA8E3}" type="datetimeFigureOut">
               <a:rPr lang="fr-FR" smtClean="0"/>
-              <a:t>25/05/2021</a:t>
+              <a:t>27/05/2021</a:t>
             </a:fld>
             <a:endParaRPr lang="fr-FR"/>
           </a:p>
@@ -11206,7 +8455,7 @@
           <a:p>
             <a:fld id="{99DF9A35-D215-42DB-BDEA-4D8D103EA8E3}" type="datetimeFigureOut">
               <a:rPr lang="fr-FR" smtClean="0"/>
-              <a:t>25/05/2021</a:t>
+              <a:t>27/05/2021</a:t>
             </a:fld>
             <a:endParaRPr lang="fr-FR"/>
           </a:p>
@@ -11517,7 +8766,7 @@
           <a:p>
             <a:fld id="{99DF9A35-D215-42DB-BDEA-4D8D103EA8E3}" type="datetimeFigureOut">
               <a:rPr lang="fr-FR" smtClean="0"/>
-              <a:t>25/05/2021</a:t>
+              <a:t>27/05/2021</a:t>
             </a:fld>
             <a:endParaRPr lang="fr-FR"/>
           </a:p>
@@ -11805,7 +9054,7 @@
           <a:p>
             <a:fld id="{99DF9A35-D215-42DB-BDEA-4D8D103EA8E3}" type="datetimeFigureOut">
               <a:rPr lang="fr-FR" smtClean="0"/>
-              <a:t>25/05/2021</a:t>
+              <a:t>27/05/2021</a:t>
             </a:fld>
             <a:endParaRPr lang="fr-FR"/>
           </a:p>
@@ -12046,7 +9295,7 @@
           <a:p>
             <a:fld id="{99DF9A35-D215-42DB-BDEA-4D8D103EA8E3}" type="datetimeFigureOut">
               <a:rPr lang="fr-FR" smtClean="0"/>
-              <a:t>25/05/2021</a:t>
+              <a:t>27/05/2021</a:t>
             </a:fld>
             <a:endParaRPr lang="fr-FR"/>
           </a:p>
@@ -14425,12 +11674,12 @@
           <a:chExt cx="0" cy="0"/>
         </a:xfrm>
       </p:grpSpPr>
-      <p:sp>
+      <p:sp useBgFill="1">
         <p:nvSpPr>
-          <p:cNvPr id="9" name="Rectangle 8">
+          <p:cNvPr id="27" name="Rectangle 21">
             <a:extLst>
               <a:ext uri="{FF2B5EF4-FFF2-40B4-BE49-F238E27FC236}">
-                <a16:creationId xmlns:a16="http://schemas.microsoft.com/office/drawing/2014/main" id="{2B566528-1B12-4246-9431-5C2D7D081168}"/>
+                <a16:creationId xmlns:a16="http://schemas.microsoft.com/office/drawing/2014/main" id="{C2554CA6-288E-4202-BC52-2E5A8F0C0AED}"/>
               </a:ext>
               <a:ext uri="{C183D7F6-B498-43B3-948B-1728B52AA6E4}">
                 <adec:decorative xmlns:adec="http://schemas.microsoft.com/office/drawing/2017/decorative" val="1"/>
@@ -14450,15 +11699,12 @@
         </p:nvSpPr>
         <p:spPr>
           <a:xfrm>
-            <a:off x="0" y="0"/>
-            <a:ext cx="12192000" cy="6858000"/>
+            <a:off x="3048" y="0"/>
+            <a:ext cx="12188952" cy="6858000"/>
           </a:xfrm>
           <a:prstGeom prst="rect">
             <a:avLst/>
           </a:prstGeom>
-          <a:solidFill>
-            <a:schemeClr val="bg1"/>
-          </a:solidFill>
           <a:ln>
             <a:noFill/>
           </a:ln>
@@ -14484,51 +11730,16 @@
           <a:lstStyle/>
           <a:p>
             <a:pPr algn="ctr"/>
-            <a:endParaRPr lang="en-US" dirty="0"/>
+            <a:endParaRPr lang="en-US"/>
           </a:p>
         </p:txBody>
       </p:sp>
       <p:sp>
         <p:nvSpPr>
-          <p:cNvPr id="2" name="Titre 1">
+          <p:cNvPr id="29" name="Oval 23">
             <a:extLst>
               <a:ext uri="{FF2B5EF4-FFF2-40B4-BE49-F238E27FC236}">
-                <a16:creationId xmlns:a16="http://schemas.microsoft.com/office/drawing/2014/main" id="{4664FBA2-6C2A-4D46-8E7E-8E06017BA06E}"/>
-              </a:ext>
-            </a:extLst>
-          </p:cNvPr>
-          <p:cNvSpPr>
-            <a:spLocks noGrp="1"/>
-          </p:cNvSpPr>
-          <p:nvPr>
-            <p:ph type="title"/>
-          </p:nvPr>
-        </p:nvSpPr>
-        <p:spPr>
-          <a:xfrm>
-            <a:off x="643467" y="321734"/>
-            <a:ext cx="10905066" cy="1135737"/>
-          </a:xfrm>
-        </p:spPr>
-        <p:txBody>
-          <a:bodyPr>
-            <a:normAutofit/>
-          </a:bodyPr>
-          <a:lstStyle/>
-          <a:p>
-            <a:r>
-              <a:rPr lang="fr-FR" sz="3600"/>
-              <a:t>To put it in a nutshell</a:t>
-            </a:r>
-          </a:p>
-        </p:txBody>
-      </p:sp>
-      <p:sp>
-        <p:nvSpPr>
-          <p:cNvPr id="11" name="Rectangle 10">
-            <a:extLst>
-              <a:ext uri="{FF2B5EF4-FFF2-40B4-BE49-F238E27FC236}">
-                <a16:creationId xmlns:a16="http://schemas.microsoft.com/office/drawing/2014/main" id="{2E80C965-DB6D-4F81-9E9E-B027384D0BD6}"/>
+                <a16:creationId xmlns:a16="http://schemas.microsoft.com/office/drawing/2014/main" id="{B10BB131-AC8E-4A8E-A5D1-36260F720C3B}"/>
               </a:ext>
               <a:ext uri="{C183D7F6-B498-43B3-948B-1728B52AA6E4}">
                 <adec:decorative xmlns:adec="http://schemas.microsoft.com/office/drawing/2017/decorative" val="1"/>
@@ -14547,17 +11758,15 @@
           </p:nvPr>
         </p:nvSpPr>
         <p:spPr>
-          <a:xfrm rot="2700000">
-            <a:off x="11052629" y="2120024"/>
-            <a:ext cx="645368" cy="645368"/>
+          <a:xfrm>
+            <a:off x="489189" y="1119031"/>
+            <a:ext cx="4619938" cy="4619938"/>
           </a:xfrm>
-          <a:prstGeom prst="rect">
+          <a:prstGeom prst="ellipse">
             <a:avLst/>
           </a:prstGeom>
           <a:solidFill>
-            <a:schemeClr val="accent4">
-              <a:alpha val="30000"/>
-            </a:schemeClr>
+            <a:schemeClr val="accent2"/>
           </a:solidFill>
           <a:ln>
             <a:noFill/>
@@ -14590,10 +11799,49 @@
       </p:sp>
       <p:sp>
         <p:nvSpPr>
-          <p:cNvPr id="13" name="Isosceles Triangle 12">
+          <p:cNvPr id="2" name="Titre 1">
             <a:extLst>
               <a:ext uri="{FF2B5EF4-FFF2-40B4-BE49-F238E27FC236}">
-                <a16:creationId xmlns:a16="http://schemas.microsoft.com/office/drawing/2014/main" id="{A580F890-B085-4E95-96AA-55AEBEC5CE6E}"/>
+                <a16:creationId xmlns:a16="http://schemas.microsoft.com/office/drawing/2014/main" id="{4664FBA2-6C2A-4D46-8E7E-8E06017BA06E}"/>
+              </a:ext>
+            </a:extLst>
+          </p:cNvPr>
+          <p:cNvSpPr>
+            <a:spLocks noGrp="1"/>
+          </p:cNvSpPr>
+          <p:nvPr>
+            <p:ph type="title"/>
+          </p:nvPr>
+        </p:nvSpPr>
+        <p:spPr>
+          <a:xfrm>
+            <a:off x="1171074" y="1396686"/>
+            <a:ext cx="3240506" cy="4064628"/>
+          </a:xfrm>
+        </p:spPr>
+        <p:txBody>
+          <a:bodyPr>
+            <a:normAutofit/>
+          </a:bodyPr>
+          <a:lstStyle/>
+          <a:p>
+            <a:r>
+              <a:rPr lang="fr-FR">
+                <a:solidFill>
+                  <a:srgbClr val="FFFFFF"/>
+                </a:solidFill>
+              </a:rPr>
+              <a:t>To put it in a nutshell</a:t>
+            </a:r>
+          </a:p>
+        </p:txBody>
+      </p:sp>
+      <p:sp>
+        <p:nvSpPr>
+          <p:cNvPr id="26" name="Arc 25">
+            <a:extLst>
+              <a:ext uri="{FF2B5EF4-FFF2-40B4-BE49-F238E27FC236}">
+                <a16:creationId xmlns:a16="http://schemas.microsoft.com/office/drawing/2014/main" id="{5B7778FC-632E-4DCA-A7CB-0D7731CCF970}"/>
               </a:ext>
               <a:ext uri="{C183D7F6-B498-43B3-948B-1728B52AA6E4}">
                 <adec:decorative xmlns:adec="http://schemas.microsoft.com/office/drawing/2017/decorative" val="1"/>
@@ -14612,19 +11860,109 @@
           </p:nvPr>
         </p:nvSpPr>
         <p:spPr>
-          <a:xfrm rot="16200000">
-            <a:off x="10289068" y="1343027"/>
-            <a:ext cx="2532832" cy="1273032"/>
+          <a:xfrm rot="19809111">
+            <a:off x="8683720" y="941148"/>
+            <a:ext cx="2987899" cy="2987899"/>
           </a:xfrm>
-          <a:prstGeom prst="triangle">
+          <a:prstGeom prst="arc">
             <a:avLst>
-              <a:gd name="adj" fmla="val 50000"/>
+              <a:gd name="adj1" fmla="val 15817365"/>
+              <a:gd name="adj2" fmla="val 1781380"/>
             </a:avLst>
           </a:prstGeom>
+          <a:ln w="127000" cap="rnd">
+            <a:solidFill>
+              <a:schemeClr val="accent4"/>
+            </a:solidFill>
+            <a:prstDash val="dash"/>
+            <a:miter lim="800000"/>
+          </a:ln>
+        </p:spPr>
+        <p:style>
+          <a:lnRef idx="1">
+            <a:schemeClr val="accent1"/>
+          </a:lnRef>
+          <a:fillRef idx="0">
+            <a:schemeClr val="accent1"/>
+          </a:fillRef>
+          <a:effectRef idx="0">
+            <a:schemeClr val="accent1"/>
+          </a:effectRef>
+          <a:fontRef idx="minor">
+            <a:schemeClr val="tx1"/>
+          </a:fontRef>
+        </p:style>
+        <p:txBody>
+          <a:bodyPr rtlCol="0" anchor="ctr"/>
+          <a:lstStyle/>
+          <a:p>
+            <a:pPr marL="0" marR="0" lvl="0" indent="0" algn="ctr" defTabSz="914400" rtl="0" eaLnBrk="1" fontAlgn="auto" latinLnBrk="0" hangingPunct="1">
+              <a:lnSpc>
+                <a:spcPct val="100000"/>
+              </a:lnSpc>
+              <a:spcBef>
+                <a:spcPts val="0"/>
+              </a:spcBef>
+              <a:spcAft>
+                <a:spcPts val="0"/>
+              </a:spcAft>
+              <a:buClrTx/>
+              <a:buSzTx/>
+              <a:buFontTx/>
+              <a:buNone/>
+              <a:tabLst/>
+              <a:defRPr/>
+            </a:pPr>
+            <a:endParaRPr kumimoji="0" lang="en-US" sz="1800" b="0" i="0" u="none" strike="noStrike" kern="1200" cap="none" spc="0" normalizeH="0" baseline="0" noProof="0">
+              <a:ln>
+                <a:noFill/>
+              </a:ln>
+              <a:solidFill>
+                <a:srgbClr val="000000"/>
+              </a:solidFill>
+              <a:effectLst/>
+              <a:uLnTx/>
+              <a:uFillTx/>
+              <a:latin typeface="Calibri" panose="020F0502020204030204"/>
+              <a:ea typeface="+mn-ea"/>
+              <a:cs typeface="+mn-cs"/>
+            </a:endParaRPr>
+          </a:p>
+        </p:txBody>
+      </p:sp>
+      <p:sp>
+        <p:nvSpPr>
+          <p:cNvPr id="28" name="Oval 27">
+            <a:extLst>
+              <a:ext uri="{FF2B5EF4-FFF2-40B4-BE49-F238E27FC236}">
+                <a16:creationId xmlns:a16="http://schemas.microsoft.com/office/drawing/2014/main" id="{FA23A907-97FB-4A8F-880A-DD77401C4296}"/>
+              </a:ext>
+              <a:ext uri="{C183D7F6-B498-43B3-948B-1728B52AA6E4}">
+                <adec:decorative xmlns:adec="http://schemas.microsoft.com/office/drawing/2017/decorative" val="1"/>
+              </a:ext>
+            </a:extLst>
+          </p:cNvPr>
+          <p:cNvSpPr>
+            <a:spLocks noGrp="1" noRot="1" noChangeAspect="1" noMove="1" noResize="1" noEditPoints="1" noAdjustHandles="1" noChangeArrowheads="1" noChangeShapeType="1" noTextEdit="1"/>
+          </p:cNvSpPr>
+          <p:nvPr>
+            <p:extLst>
+              <p:ext uri="{386F3935-93C4-4BCD-93E2-E3B085C9AB24}">
+                <p16:designElem xmlns:p16="http://schemas.microsoft.com/office/powerpoint/2015/main" val="1"/>
+              </p:ext>
+            </p:extLst>
+          </p:nvPr>
+        </p:nvSpPr>
+        <p:spPr>
+          <a:xfrm>
+            <a:off x="910048" y="4780992"/>
+            <a:ext cx="546100" cy="546100"/>
+          </a:xfrm>
+          <a:prstGeom prst="ellipse">
+            <a:avLst/>
+          </a:prstGeom>
           <a:solidFill>
-            <a:schemeClr val="accent4">
-              <a:alpha val="30000"/>
-            </a:schemeClr>
+            <a:schemeClr val="accent5"/>
           </a:solidFill>
           <a:ln>
             <a:noFill/>
@@ -14650,174 +11988,172 @@
           <a:bodyPr rtlCol="0" anchor="ctr"/>
           <a:lstStyle/>
           <a:p>
-            <a:pPr algn="ctr"/>
-            <a:endParaRPr lang="en-US"/>
+            <a:pPr marL="0" marR="0" lvl="0" indent="0" algn="ctr" defTabSz="914400" rtl="0" eaLnBrk="1" fontAlgn="auto" latinLnBrk="0" hangingPunct="1">
+              <a:lnSpc>
+                <a:spcPct val="100000"/>
+              </a:lnSpc>
+              <a:spcBef>
+                <a:spcPts val="0"/>
+              </a:spcBef>
+              <a:spcAft>
+                <a:spcPts val="0"/>
+              </a:spcAft>
+              <a:buClrTx/>
+              <a:buSzTx/>
+              <a:buFontTx/>
+              <a:buNone/>
+              <a:tabLst/>
+              <a:defRPr/>
+            </a:pPr>
+            <a:endParaRPr kumimoji="0" lang="en-US" sz="1800" b="0" i="0" u="none" strike="noStrike" kern="1200" cap="none" spc="0" normalizeH="0" baseline="0" noProof="0">
+              <a:ln>
+                <a:noFill/>
+              </a:ln>
+              <a:solidFill>
+                <a:srgbClr val="FFFFFF"/>
+              </a:solidFill>
+              <a:effectLst/>
+              <a:uLnTx/>
+              <a:uFillTx/>
+              <a:latin typeface="Calibri" panose="020F0502020204030204"/>
+              <a:ea typeface="+mn-ea"/>
+              <a:cs typeface="+mn-cs"/>
+            </a:endParaRPr>
           </a:p>
         </p:txBody>
       </p:sp>
       <p:sp>
         <p:nvSpPr>
-          <p:cNvPr id="15" name="Isosceles Triangle 14">
+          <p:cNvPr id="7" name="Espace réservé du contenu 6">
             <a:extLst>
               <a:ext uri="{FF2B5EF4-FFF2-40B4-BE49-F238E27FC236}">
-                <a16:creationId xmlns:a16="http://schemas.microsoft.com/office/drawing/2014/main" id="{D3F51FEB-38FB-4F6C-9F7B-2F2AFAB65463}"/>
-              </a:ext>
-              <a:ext uri="{C183D7F6-B498-43B3-948B-1728B52AA6E4}">
-                <adec:decorative xmlns:adec="http://schemas.microsoft.com/office/drawing/2017/decorative" val="1"/>
+                <a16:creationId xmlns:a16="http://schemas.microsoft.com/office/drawing/2014/main" id="{9CA6A614-3115-4212-AF48-DD9EC64C2192}"/>
               </a:ext>
             </a:extLst>
           </p:cNvPr>
           <p:cNvSpPr>
-            <a:spLocks noGrp="1" noRot="1" noChangeAspect="1" noMove="1" noResize="1" noEditPoints="1" noAdjustHandles="1" noChangeArrowheads="1" noChangeShapeType="1" noTextEdit="1"/>
+            <a:spLocks noGrp="1"/>
           </p:cNvSpPr>
           <p:nvPr>
-            <p:extLst>
-              <p:ext uri="{386F3935-93C4-4BCD-93E2-E3B085C9AB24}">
-                <p16:designElem xmlns:p16="http://schemas.microsoft.com/office/powerpoint/2015/main" val="1"/>
-              </p:ext>
-            </p:extLst>
+            <p:ph idx="1"/>
           </p:nvPr>
         </p:nvSpPr>
         <p:spPr>
-          <a:xfrm rot="5400000">
-            <a:off x="-501760" y="5103257"/>
-            <a:ext cx="2017580" cy="1014060"/>
+          <a:xfrm>
+            <a:off x="5370153" y="1526033"/>
+            <a:ext cx="5536397" cy="3935281"/>
           </a:xfrm>
-          <a:prstGeom prst="triangle">
-            <a:avLst>
-              <a:gd name="adj" fmla="val 50000"/>
-            </a:avLst>
-          </a:prstGeom>
-          <a:solidFill>
-            <a:schemeClr val="accent1">
-              <a:alpha val="30000"/>
-            </a:schemeClr>
-          </a:solidFill>
-          <a:ln>
-            <a:noFill/>
-          </a:ln>
         </p:spPr>
-        <p:style>
-          <a:lnRef idx="2">
-            <a:schemeClr val="accent1">
-              <a:shade val="50000"/>
-            </a:schemeClr>
-          </a:lnRef>
-          <a:fillRef idx="1">
-            <a:schemeClr val="accent1"/>
-          </a:fillRef>
-          <a:effectRef idx="0">
-            <a:schemeClr val="accent1"/>
-          </a:effectRef>
-          <a:fontRef idx="minor">
-            <a:schemeClr val="lt1"/>
-          </a:fontRef>
-        </p:style>
         <p:txBody>
-          <a:bodyPr rtlCol="0" anchor="ctr"/>
+          <a:bodyPr>
+            <a:normAutofit/>
+          </a:bodyPr>
           <a:lstStyle/>
           <a:p>
-            <a:pPr algn="ctr"/>
-            <a:endParaRPr lang="en-US"/>
+            <a:pPr marL="0" indent="0">
+              <a:buNone/>
+            </a:pPr>
+            <a:r>
+              <a:rPr lang="fr-FR" dirty="0"/>
+              <a:t>Due to a </a:t>
+            </a:r>
+            <a:r>
+              <a:rPr lang="fr-FR" dirty="0" err="1"/>
+              <a:t>lack</a:t>
+            </a:r>
+            <a:r>
+              <a:rPr lang="fr-FR" dirty="0"/>
+              <a:t> of data :</a:t>
+            </a:r>
+          </a:p>
+          <a:p>
+            <a:pPr marL="0" indent="0">
+              <a:buNone/>
+            </a:pPr>
+            <a:endParaRPr lang="fr-FR" dirty="0"/>
+          </a:p>
+          <a:p>
+            <a:pPr lvl="1"/>
+            <a:r>
+              <a:rPr lang="fr-FR" dirty="0" err="1"/>
+              <a:t>Analytical</a:t>
+            </a:r>
+            <a:r>
+              <a:rPr lang="fr-FR" dirty="0"/>
+              <a:t> </a:t>
+            </a:r>
+            <a:r>
+              <a:rPr lang="fr-FR" dirty="0" err="1"/>
+              <a:t>linear</a:t>
+            </a:r>
+            <a:r>
+              <a:rPr lang="fr-FR" dirty="0"/>
+              <a:t> </a:t>
+            </a:r>
+            <a:r>
+              <a:rPr lang="fr-FR" dirty="0" err="1"/>
+              <a:t>regression</a:t>
+            </a:r>
+            <a:r>
+              <a:rPr lang="fr-FR" dirty="0"/>
+              <a:t> </a:t>
+            </a:r>
+            <a:r>
+              <a:rPr lang="fr-FR" dirty="0" err="1"/>
+              <a:t>models</a:t>
+            </a:r>
+            <a:r>
+              <a:rPr lang="fr-FR" dirty="0"/>
+              <a:t> are </a:t>
+            </a:r>
+            <a:r>
+              <a:rPr lang="fr-FR" dirty="0" err="1"/>
+              <a:t>better</a:t>
+            </a:r>
+            <a:r>
+              <a:rPr lang="fr-FR" dirty="0"/>
+              <a:t> </a:t>
+            </a:r>
+            <a:r>
+              <a:rPr lang="fr-FR" dirty="0" err="1"/>
+              <a:t>than</a:t>
+            </a:r>
+            <a:r>
+              <a:rPr lang="fr-FR" dirty="0"/>
+              <a:t> </a:t>
+            </a:r>
+            <a:r>
+              <a:rPr lang="fr-FR" dirty="0" err="1"/>
+              <a:t>fitting</a:t>
+            </a:r>
+            <a:r>
+              <a:rPr lang="fr-FR" dirty="0"/>
+              <a:t> </a:t>
+            </a:r>
+            <a:r>
+              <a:rPr lang="fr-FR" dirty="0" err="1"/>
+              <a:t>models</a:t>
+            </a:r>
+            <a:endParaRPr lang="fr-FR" dirty="0"/>
+          </a:p>
+          <a:p>
+            <a:pPr marL="457200" lvl="1" indent="0">
+              <a:buNone/>
+            </a:pPr>
+            <a:endParaRPr lang="en-US" dirty="0"/>
+          </a:p>
+          <a:p>
+            <a:pPr lvl="1"/>
+            <a:r>
+              <a:rPr lang="en-US" dirty="0"/>
+              <a:t>Overfitting</a:t>
+            </a:r>
+          </a:p>
+          <a:p>
+            <a:endParaRPr lang="fr-FR" dirty="0"/>
           </a:p>
         </p:txBody>
       </p:sp>
-      <p:sp>
-        <p:nvSpPr>
-          <p:cNvPr id="17" name="Rectangle 16">
-            <a:extLst>
-              <a:ext uri="{FF2B5EF4-FFF2-40B4-BE49-F238E27FC236}">
-                <a16:creationId xmlns:a16="http://schemas.microsoft.com/office/drawing/2014/main" id="{1E547BA6-BAE0-43BB-A7CA-60F69CE252F0}"/>
-              </a:ext>
-              <a:ext uri="{C183D7F6-B498-43B3-948B-1728B52AA6E4}">
-                <adec:decorative xmlns:adec="http://schemas.microsoft.com/office/drawing/2017/decorative" val="1"/>
-              </a:ext>
-            </a:extLst>
-          </p:cNvPr>
-          <p:cNvSpPr>
-            <a:spLocks noGrp="1" noRot="1" noChangeAspect="1" noMove="1" noResize="1" noEditPoints="1" noAdjustHandles="1" noChangeArrowheads="1" noChangeShapeType="1" noTextEdit="1"/>
-          </p:cNvSpPr>
-          <p:nvPr>
-            <p:extLst>
-              <p:ext uri="{386F3935-93C4-4BCD-93E2-E3B085C9AB24}">
-                <p16:designElem xmlns:p16="http://schemas.microsoft.com/office/powerpoint/2015/main" val="1"/>
-              </p:ext>
-            </p:extLst>
-          </p:nvPr>
-        </p:nvSpPr>
-        <p:spPr>
-          <a:xfrm rot="2700000">
-            <a:off x="427916" y="5728708"/>
-            <a:ext cx="485578" cy="485578"/>
-          </a:xfrm>
-          <a:prstGeom prst="rect">
-            <a:avLst/>
-          </a:prstGeom>
-          <a:solidFill>
-            <a:schemeClr val="accent1">
-              <a:alpha val="30000"/>
-            </a:schemeClr>
-          </a:solidFill>
-          <a:ln>
-            <a:noFill/>
-          </a:ln>
-        </p:spPr>
-        <p:style>
-          <a:lnRef idx="2">
-            <a:schemeClr val="accent1">
-              <a:shade val="50000"/>
-            </a:schemeClr>
-          </a:lnRef>
-          <a:fillRef idx="1">
-            <a:schemeClr val="accent1"/>
-          </a:fillRef>
-          <a:effectRef idx="0">
-            <a:schemeClr val="accent1"/>
-          </a:effectRef>
-          <a:fontRef idx="minor">
-            <a:schemeClr val="lt1"/>
-          </a:fontRef>
-        </p:style>
-        <p:txBody>
-          <a:bodyPr rtlCol="0" anchor="ctr"/>
-          <a:lstStyle/>
-          <a:p>
-            <a:pPr algn="ctr"/>
-            <a:endParaRPr lang="en-US"/>
-          </a:p>
-        </p:txBody>
-      </p:sp>
-      <p:graphicFrame>
-        <p:nvGraphicFramePr>
-          <p:cNvPr id="5" name="Espace réservé du contenu 2">
-            <a:extLst>
-              <a:ext uri="{FF2B5EF4-FFF2-40B4-BE49-F238E27FC236}">
-                <a16:creationId xmlns:a16="http://schemas.microsoft.com/office/drawing/2014/main" id="{18629664-4E68-43B4-B3C6-9FACD07B6B53}"/>
-              </a:ext>
-            </a:extLst>
-          </p:cNvPr>
-          <p:cNvGraphicFramePr>
-            <a:graphicFrameLocks noGrp="1"/>
-          </p:cNvGraphicFramePr>
-          <p:nvPr>
-            <p:ph idx="1"/>
-            <p:extLst>
-              <p:ext uri="{D42A27DB-BD31-4B8C-83A1-F6EECF244321}">
-                <p14:modId xmlns:p14="http://schemas.microsoft.com/office/powerpoint/2010/main" val="3138679682"/>
-              </p:ext>
-            </p:extLst>
-          </p:nvPr>
-        </p:nvGraphicFramePr>
-        <p:xfrm>
-          <a:off x="838200" y="1825625"/>
-          <a:ext cx="10515600" cy="4351338"/>
-        </p:xfrm>
-        <a:graphic>
-          <a:graphicData uri="http://schemas.openxmlformats.org/drawingml/2006/diagram">
-            <dgm:relIds xmlns:dgm="http://schemas.openxmlformats.org/drawingml/2006/diagram" xmlns:r="http://schemas.openxmlformats.org/officeDocument/2006/relationships" r:dm="rId2" r:lo="rId3" r:qs="rId4" r:cs="rId5"/>
-          </a:graphicData>
-        </a:graphic>
-      </p:graphicFrame>
     </p:spTree>
     <p:extLst>
       <p:ext uri="{BB962C8B-B14F-4D97-AF65-F5344CB8AC3E}">
@@ -17858,8 +15194,8 @@
           </a:p>
         </p:txBody>
       </p:sp>
-      <mc:AlternateContent xmlns:mc="http://schemas.openxmlformats.org/markup-compatibility/2006">
-        <mc:Choice xmlns:a14="http://schemas.microsoft.com/office/drawing/2010/main" Requires="a14">
+      <mc:AlternateContent xmlns:mc="http://schemas.openxmlformats.org/markup-compatibility/2006" xmlns:a14="http://schemas.microsoft.com/office/drawing/2010/main">
+        <mc:Choice Requires="a14">
           <p:sp>
             <p:nvSpPr>
               <p:cNvPr id="3" name="Espace réservé du contenu 2">
@@ -18094,7 +15430,7 @@
             </p:txBody>
           </p:sp>
         </mc:Choice>
-        <mc:Fallback>
+        <mc:Fallback xmlns="">
           <p:sp>
             <p:nvSpPr>
               <p:cNvPr id="3" name="Espace réservé du contenu 2">
@@ -18530,12 +15866,20 @@
                   <a:buNone/>
                 </a:pPr>
                 <a:r>
-                  <a:rPr lang="fr-FR" sz="1800" b="1" i="1"/>
-                  <a:t>Purpose : </a:t>
+                  <a:rPr lang="fr-FR" sz="1800" b="1" i="1" dirty="0" err="1"/>
+                  <a:t>Purpose</a:t>
                 </a:r>
                 <a:r>
-                  <a:rPr lang="fr-FR" sz="1800"/>
-                  <a:t>Find </a:t>
+                  <a:rPr lang="fr-FR" sz="1800" b="1" i="1" dirty="0"/>
+                  <a:t> : </a:t>
+                </a:r>
+                <a:r>
+                  <a:rPr lang="fr-FR" sz="1800" dirty="0" err="1"/>
+                  <a:t>Find</a:t>
+                </a:r>
+                <a:r>
+                  <a:rPr lang="fr-FR" sz="1800" dirty="0"/>
+                  <a:t> </a:t>
                 </a:r>
                 <a14:m>
                   <m:oMath xmlns:m="http://schemas.openxmlformats.org/officeDocument/2006/math">
@@ -18548,8 +15892,24 @@
                   </m:oMath>
                 </a14:m>
                 <a:r>
-                  <a:rPr lang="fr-FR" sz="1800"/>
-                  <a:t>, a diagonal matrix, such that </a:t>
+                  <a:rPr lang="fr-FR" sz="1800" dirty="0"/>
+                  <a:t>, a diagonal matrix, </a:t>
+                </a:r>
+                <a:r>
+                  <a:rPr lang="fr-FR" sz="1800" dirty="0" err="1"/>
+                  <a:t>such</a:t>
+                </a:r>
+                <a:r>
+                  <a:rPr lang="fr-FR" sz="1800" dirty="0"/>
+                  <a:t> </a:t>
+                </a:r>
+                <a:r>
+                  <a:rPr lang="fr-FR" sz="1800" dirty="0" err="1"/>
+                  <a:t>that</a:t>
+                </a:r>
+                <a:r>
+                  <a:rPr lang="fr-FR" sz="1800" dirty="0"/>
+                  <a:t> </a:t>
                 </a:r>
                 <a14:m>
                   <m:oMath xmlns:m="http://schemas.openxmlformats.org/officeDocument/2006/math">
@@ -18583,54 +15943,129 @@
                   </m:oMath>
                 </a14:m>
                 <a:r>
-                  <a:rPr lang="fr-FR" sz="1800"/>
-                  <a:t> with a bias</a:t>
+                  <a:rPr lang="fr-FR" sz="1800" dirty="0"/>
+                  <a:t> </a:t>
                 </a:r>
+                <a:r>
+                  <a:rPr lang="fr-FR" sz="1800" dirty="0" err="1"/>
+                  <a:t>with</a:t>
+                </a:r>
+                <a:r>
+                  <a:rPr lang="fr-FR" sz="1800" dirty="0"/>
+                  <a:t> a </a:t>
+                </a:r>
+                <a:r>
+                  <a:rPr lang="fr-FR" sz="1800" dirty="0" err="1"/>
+                  <a:t>bias</a:t>
+                </a:r>
+                <a:endParaRPr lang="fr-FR" sz="1800" dirty="0"/>
               </a:p>
               <a:p>
                 <a:pPr marL="0" indent="0">
                   <a:buNone/>
                 </a:pPr>
-                <a:endParaRPr lang="fr-FR" sz="1800" b="1" i="1"/>
+                <a:endParaRPr lang="fr-FR" sz="1800" b="1" i="1" dirty="0"/>
               </a:p>
               <a:p>
                 <a:pPr marL="0" indent="0">
                   <a:buNone/>
                 </a:pPr>
                 <a:r>
-                  <a:rPr lang="fr-FR" sz="1800" b="1" i="1"/>
-                  <a:t>Result :</a:t>
+                  <a:rPr lang="fr-FR" sz="1800" b="1" i="1" dirty="0" err="1"/>
+                  <a:t>Result</a:t>
+                </a:r>
+                <a:r>
+                  <a:rPr lang="fr-FR" sz="1800" b="1" i="1" dirty="0"/>
+                  <a:t> :</a:t>
                 </a:r>
               </a:p>
               <a:p>
                 <a:r>
-                  <a:rPr lang="fr-FR" sz="1800"/>
+                  <a:rPr lang="fr-FR" sz="1800" dirty="0"/>
                   <a:t>MSE : 0.33</a:t>
                 </a:r>
               </a:p>
               <a:p>
-                <a:endParaRPr lang="fr-FR" sz="1800"/>
+                <a:endParaRPr lang="fr-FR" sz="1800" dirty="0"/>
               </a:p>
               <a:p>
                 <a:pPr marL="0" indent="0">
                   <a:buNone/>
                 </a:pPr>
                 <a:r>
-                  <a:rPr lang="fr-FR" sz="1800" b="1" i="1"/>
-                  <a:t>Interpretation :</a:t>
+                  <a:rPr lang="fr-FR" sz="1800" b="1" i="1" dirty="0" err="1"/>
+                  <a:t>Interpretation</a:t>
+                </a:r>
+                <a:r>
+                  <a:rPr lang="fr-FR" sz="1800" b="1" i="1" dirty="0"/>
+                  <a:t> :</a:t>
                 </a:r>
               </a:p>
               <a:p>
                 <a:r>
-                  <a:rPr lang="fr-FR" sz="1800"/>
-                  <a:t>MSE is much smaller than before</a:t>
+                  <a:rPr lang="fr-FR" sz="1800" dirty="0"/>
+                  <a:t>MSE </a:t>
                 </a:r>
+                <a:r>
+                  <a:rPr lang="fr-FR" sz="1800" dirty="0" err="1"/>
+                  <a:t>is</a:t>
+                </a:r>
+                <a:r>
+                  <a:rPr lang="fr-FR" sz="1800" dirty="0"/>
+                  <a:t> </a:t>
+                </a:r>
+                <a:r>
+                  <a:rPr lang="fr-FR" sz="1800" dirty="0" err="1"/>
+                  <a:t>much</a:t>
+                </a:r>
+                <a:r>
+                  <a:rPr lang="fr-FR" sz="1800" dirty="0"/>
+                  <a:t> </a:t>
+                </a:r>
+                <a:r>
+                  <a:rPr lang="fr-FR" sz="1800" dirty="0" err="1"/>
+                  <a:t>smaller</a:t>
+                </a:r>
+                <a:r>
+                  <a:rPr lang="fr-FR" sz="1800" dirty="0"/>
+                  <a:t> </a:t>
+                </a:r>
+                <a:r>
+                  <a:rPr lang="fr-FR" sz="1800" dirty="0" err="1"/>
+                  <a:t>than</a:t>
+                </a:r>
+                <a:r>
+                  <a:rPr lang="fr-FR" sz="1800" dirty="0"/>
+                  <a:t> </a:t>
+                </a:r>
+                <a:r>
+                  <a:rPr lang="fr-FR" sz="1800" dirty="0" err="1"/>
+                  <a:t>before</a:t>
+                </a:r>
+                <a:endParaRPr lang="fr-FR" sz="1800" dirty="0"/>
               </a:p>
               <a:p>
                 <a:r>
-                  <a:rPr lang="fr-FR" sz="1800"/>
-                  <a:t>Each line has an adaptative traffic</a:t>
+                  <a:rPr lang="fr-FR" sz="1800" dirty="0" err="1"/>
+                  <a:t>Each</a:t>
                 </a:r>
+                <a:r>
+                  <a:rPr lang="fr-FR" sz="1800" dirty="0"/>
+                  <a:t> </a:t>
+                </a:r>
+                <a:r>
+                  <a:rPr lang="fr-FR" sz="1800" dirty="0" err="1"/>
+                  <a:t>hour</a:t>
+                </a:r>
+                <a:r>
+                  <a:rPr lang="fr-FR" sz="1800" dirty="0"/>
+                  <a:t> has an adaptative </a:t>
+                </a:r>
+                <a:r>
+                  <a:rPr lang="fr-FR" sz="1800" dirty="0" err="1"/>
+                  <a:t>traffic</a:t>
+                </a:r>
+                <a:endParaRPr lang="fr-FR" sz="1800" dirty="0"/>
               </a:p>
             </p:txBody>
           </p:sp>
@@ -19330,12 +16765,20 @@
                   <a:buNone/>
                 </a:pPr>
                 <a:r>
-                  <a:rPr lang="fr-FR" sz="1800" b="1" i="1"/>
-                  <a:t>Purpose : </a:t>
+                  <a:rPr lang="fr-FR" sz="1800" b="1" i="1" dirty="0" err="1"/>
+                  <a:t>Purpose</a:t>
                 </a:r>
                 <a:r>
-                  <a:rPr lang="fr-FR" sz="1800"/>
-                  <a:t>Find </a:t>
+                  <a:rPr lang="fr-FR" sz="1800" b="1" i="1" dirty="0"/>
+                  <a:t> : </a:t>
+                </a:r>
+                <a:r>
+                  <a:rPr lang="fr-FR" sz="1800" dirty="0" err="1"/>
+                  <a:t>Find</a:t>
+                </a:r>
+                <a:r>
+                  <a:rPr lang="fr-FR" sz="1800" dirty="0"/>
+                  <a:t> </a:t>
                 </a:r>
                 <a14:m>
                   <m:oMath xmlns:m="http://schemas.openxmlformats.org/officeDocument/2006/math">
@@ -19348,8 +16791,32 @@
                   </m:oMath>
                 </a14:m>
                 <a:r>
-                  <a:rPr lang="fr-FR" sz="1800"/>
-                  <a:t>, nondescript matrix, such that </a:t>
+                  <a:rPr lang="fr-FR" sz="1800" dirty="0"/>
+                  <a:t>, </a:t>
+                </a:r>
+                <a:r>
+                  <a:rPr lang="fr-FR" sz="1800" dirty="0" err="1"/>
+                  <a:t>nondescript</a:t>
+                </a:r>
+                <a:r>
+                  <a:rPr lang="fr-FR" sz="1800" dirty="0"/>
+                  <a:t> matrix, </a:t>
+                </a:r>
+                <a:r>
+                  <a:rPr lang="fr-FR" sz="1800" dirty="0" err="1"/>
+                  <a:t>such</a:t>
+                </a:r>
+                <a:r>
+                  <a:rPr lang="fr-FR" sz="1800" dirty="0"/>
+                  <a:t> </a:t>
+                </a:r>
+                <a:r>
+                  <a:rPr lang="fr-FR" sz="1800" dirty="0" err="1"/>
+                  <a:t>that</a:t>
+                </a:r>
+                <a:r>
+                  <a:rPr lang="fr-FR" sz="1800" dirty="0"/>
+                  <a:t> </a:t>
                 </a:r>
                 <a14:m>
                   <m:oMath xmlns:m="http://schemas.openxmlformats.org/officeDocument/2006/math">
@@ -19382,52 +16849,114 @@
                     </m:r>
                   </m:oMath>
                 </a14:m>
-                <a:endParaRPr lang="fr-FR" sz="1800" b="1" i="1"/>
+                <a:r>
+                  <a:rPr lang="fr-FR" sz="1800" b="1" i="1" dirty="0"/>
+                  <a:t> </a:t>
+                </a:r>
+                <a:r>
+                  <a:rPr lang="fr-FR" sz="1800" dirty="0" err="1"/>
+                  <a:t>with</a:t>
+                </a:r>
+                <a:r>
+                  <a:rPr lang="fr-FR" sz="1800" dirty="0"/>
+                  <a:t> a </a:t>
+                </a:r>
+                <a:r>
+                  <a:rPr lang="fr-FR" sz="1800" dirty="0" err="1"/>
+                  <a:t>bias</a:t>
+                </a:r>
+                <a:endParaRPr lang="fr-FR" sz="1800" dirty="0"/>
               </a:p>
               <a:p>
                 <a:pPr marL="0" indent="0">
                   <a:buNone/>
                 </a:pPr>
-                <a:endParaRPr lang="fr-FR" sz="1800" b="1" i="1"/>
+                <a:endParaRPr lang="fr-FR" sz="1800" b="1" i="1" dirty="0"/>
               </a:p>
               <a:p>
                 <a:pPr marL="0" indent="0">
                   <a:buNone/>
                 </a:pPr>
                 <a:r>
-                  <a:rPr lang="fr-FR" sz="1800" b="1" i="1"/>
-                  <a:t>Result :</a:t>
+                  <a:rPr lang="fr-FR" sz="1800" b="1" i="1" dirty="0" err="1"/>
+                  <a:t>Result</a:t>
+                </a:r>
+                <a:r>
+                  <a:rPr lang="fr-FR" sz="1800" b="1" i="1" dirty="0"/>
+                  <a:t> :</a:t>
                 </a:r>
               </a:p>
               <a:p>
                 <a:r>
-                  <a:rPr lang="fr-FR" sz="1800"/>
+                  <a:rPr lang="fr-FR" sz="1800" dirty="0"/>
                   <a:t>MSE : 0.13</a:t>
                 </a:r>
               </a:p>
               <a:p>
-                <a:endParaRPr lang="fr-FR" sz="1800"/>
+                <a:endParaRPr lang="fr-FR" sz="1800" dirty="0"/>
               </a:p>
               <a:p>
                 <a:pPr marL="0" indent="0">
                   <a:buNone/>
                 </a:pPr>
                 <a:r>
-                  <a:rPr lang="fr-FR" sz="1800" b="1" i="1"/>
-                  <a:t>Interpretation :</a:t>
+                  <a:rPr lang="fr-FR" sz="1800" b="1" i="1" dirty="0" err="1"/>
+                  <a:t>Interpretation</a:t>
+                </a:r>
+                <a:r>
+                  <a:rPr lang="fr-FR" sz="1800" b="1" i="1" dirty="0"/>
+                  <a:t> :</a:t>
                 </a:r>
               </a:p>
               <a:p>
                 <a:r>
-                  <a:rPr lang="fr-FR" sz="1800"/>
-                  <a:t>MSE so much smaller</a:t>
+                  <a:rPr lang="fr-FR" sz="1800" dirty="0"/>
+                  <a:t>MSE </a:t>
                 </a:r>
+                <a:r>
+                  <a:rPr lang="fr-FR" sz="1800" dirty="0" err="1"/>
+                  <a:t>so</a:t>
+                </a:r>
+                <a:r>
+                  <a:rPr lang="fr-FR" sz="1800" dirty="0"/>
+                  <a:t> </a:t>
+                </a:r>
+                <a:r>
+                  <a:rPr lang="fr-FR" sz="1800" dirty="0" err="1"/>
+                  <a:t>much</a:t>
+                </a:r>
+                <a:r>
+                  <a:rPr lang="fr-FR" sz="1800" dirty="0"/>
+                  <a:t> </a:t>
+                </a:r>
+                <a:r>
+                  <a:rPr lang="fr-FR" sz="1800" dirty="0" err="1"/>
+                  <a:t>smaller</a:t>
+                </a:r>
+                <a:endParaRPr lang="fr-FR" sz="1800" dirty="0"/>
               </a:p>
               <a:p>
                 <a:r>
-                  <a:rPr lang="fr-FR" sz="1800"/>
-                  <a:t>Interdependance of each line</a:t>
+                  <a:rPr lang="fr-FR" sz="1800" dirty="0" err="1"/>
+                  <a:t>Interdependance</a:t>
                 </a:r>
+                <a:r>
+                  <a:rPr lang="fr-FR" sz="1800" dirty="0"/>
+                  <a:t> of </a:t>
+                </a:r>
+                <a:r>
+                  <a:rPr lang="fr-FR" sz="1800" dirty="0" err="1"/>
+                  <a:t>each</a:t>
+                </a:r>
+                <a:r>
+                  <a:rPr lang="fr-FR" sz="1800" dirty="0"/>
+                  <a:t> </a:t>
+                </a:r>
+                <a:r>
+                  <a:rPr lang="fr-FR" sz="1800" dirty="0" err="1"/>
+                  <a:t>hour</a:t>
+                </a:r>
+                <a:endParaRPr lang="fr-FR" sz="1800" dirty="0"/>
               </a:p>
             </p:txBody>
           </p:sp>

--- a/Presentation INF442.pptx
+++ b/Presentation INF442.pptx
@@ -13350,7 +13350,7 @@
                   </a:schemeClr>
                 </a:solidFill>
               </a:rPr>
-              <a:t>Linear Regression in C++ : analytical</a:t>
+              <a:t>Linear Regressions in C++ : analytical</a:t>
             </a:r>
           </a:p>
           <a:p>
@@ -14971,8 +14971,20 @@
           <a:lstStyle/>
           <a:p>
             <a:r>
-              <a:rPr lang="fr-FR" sz="3700"/>
-              <a:t>Linear Regression in C++</a:t>
+              <a:rPr lang="fr-FR" sz="3700" dirty="0" err="1"/>
+              <a:t>Linear</a:t>
+            </a:r>
+            <a:r>
+              <a:rPr lang="fr-FR" sz="3700" dirty="0"/>
+              <a:t> </a:t>
+            </a:r>
+            <a:r>
+              <a:rPr lang="fr-FR" sz="3700" dirty="0" err="1"/>
+              <a:t>Regressions</a:t>
+            </a:r>
+            <a:r>
+              <a:rPr lang="fr-FR" sz="3700" dirty="0"/>
+              <a:t> in C++</a:t>
             </a:r>
           </a:p>
         </p:txBody>
@@ -15763,8 +15775,20 @@
           <a:lstStyle/>
           <a:p>
             <a:r>
-              <a:rPr lang="fr-FR" sz="3600"/>
-              <a:t>Linear Regression in C++</a:t>
+              <a:rPr lang="fr-FR" sz="3600" dirty="0" err="1"/>
+              <a:t>Linear</a:t>
+            </a:r>
+            <a:r>
+              <a:rPr lang="fr-FR" sz="3600" dirty="0"/>
+              <a:t> </a:t>
+            </a:r>
+            <a:r>
+              <a:rPr lang="fr-FR" sz="3600" dirty="0" err="1"/>
+              <a:t>Regressions</a:t>
+            </a:r>
+            <a:r>
+              <a:rPr lang="fr-FR" sz="3600" dirty="0"/>
+              <a:t> in C++</a:t>
             </a:r>
           </a:p>
         </p:txBody>
@@ -15832,8 +15856,8 @@
           </a:p>
         </p:txBody>
       </p:sp>
-      <mc:AlternateContent xmlns:mc="http://schemas.openxmlformats.org/markup-compatibility/2006">
-        <mc:Choice xmlns:a14="http://schemas.microsoft.com/office/drawing/2010/main" Requires="a14">
+      <mc:AlternateContent xmlns:mc="http://schemas.openxmlformats.org/markup-compatibility/2006" xmlns:a14="http://schemas.microsoft.com/office/drawing/2010/main">
+        <mc:Choice Requires="a14">
           <p:sp>
             <p:nvSpPr>
               <p:cNvPr id="3" name="Espace réservé du contenu 2">
@@ -16070,7 +16094,7 @@
             </p:txBody>
           </p:sp>
         </mc:Choice>
-        <mc:Fallback>
+        <mc:Fallback xmlns="">
           <p:sp>
             <p:nvSpPr>
               <p:cNvPr id="3" name="Espace réservé du contenu 2">
@@ -16483,8 +16507,20 @@
           <a:lstStyle/>
           <a:p>
             <a:r>
-              <a:rPr lang="fr-FR" sz="3600"/>
-              <a:t>Linear Regression in C++</a:t>
+              <a:rPr lang="fr-FR" sz="3600" dirty="0" err="1"/>
+              <a:t>Linear</a:t>
+            </a:r>
+            <a:r>
+              <a:rPr lang="fr-FR" sz="3600" dirty="0"/>
+              <a:t> </a:t>
+            </a:r>
+            <a:r>
+              <a:rPr lang="fr-FR" sz="3600" dirty="0" err="1"/>
+              <a:t>Regressions</a:t>
+            </a:r>
+            <a:r>
+              <a:rPr lang="fr-FR" sz="3600" dirty="0"/>
+              <a:t> in C++</a:t>
             </a:r>
           </a:p>
         </p:txBody>
@@ -16731,8 +16767,8 @@
           </a:p>
         </p:txBody>
       </p:sp>
-      <mc:AlternateContent xmlns:mc="http://schemas.openxmlformats.org/markup-compatibility/2006">
-        <mc:Choice xmlns:a14="http://schemas.microsoft.com/office/drawing/2010/main" Requires="a14">
+      <mc:AlternateContent xmlns:mc="http://schemas.openxmlformats.org/markup-compatibility/2006" xmlns:a14="http://schemas.microsoft.com/office/drawing/2010/main">
+        <mc:Choice Requires="a14">
           <p:sp>
             <p:nvSpPr>
               <p:cNvPr id="3" name="Espace réservé du contenu 2">
@@ -16961,7 +16997,7 @@
             </p:txBody>
           </p:sp>
         </mc:Choice>
-        <mc:Fallback>
+        <mc:Fallback xmlns="">
           <p:sp>
             <p:nvSpPr>
               <p:cNvPr id="3" name="Espace réservé du contenu 2">
